--- a/MQTT-TIBCOFLOGO-IOT-AWSLAMBDA-AWS_IOT_RULES.pptx
+++ b/MQTT-TIBCOFLOGO-IOT-AWSLAMBDA-AWS_IOT_RULES.pptx
@@ -12,22 +12,22 @@
   </p:handoutMasterIdLst>
   <p:sldIdLst>
     <p:sldId id="256" r:id="rId5"/>
-    <p:sldId id="339" r:id="rId6"/>
-    <p:sldId id="298" r:id="rId7"/>
-    <p:sldId id="277" r:id="rId8"/>
-    <p:sldId id="320" r:id="rId9"/>
-    <p:sldId id="338" r:id="rId10"/>
-    <p:sldId id="299" r:id="rId11"/>
-    <p:sldId id="321" r:id="rId12"/>
-    <p:sldId id="342" r:id="rId13"/>
-    <p:sldId id="337" r:id="rId14"/>
-    <p:sldId id="340" r:id="rId15"/>
-    <p:sldId id="341" r:id="rId16"/>
-    <p:sldId id="343" r:id="rId17"/>
-    <p:sldId id="345" r:id="rId18"/>
-    <p:sldId id="344" r:id="rId19"/>
-    <p:sldId id="346" r:id="rId20"/>
-    <p:sldId id="347" r:id="rId21"/>
+    <p:sldId id="347" r:id="rId6"/>
+    <p:sldId id="339" r:id="rId7"/>
+    <p:sldId id="298" r:id="rId8"/>
+    <p:sldId id="277" r:id="rId9"/>
+    <p:sldId id="320" r:id="rId10"/>
+    <p:sldId id="338" r:id="rId11"/>
+    <p:sldId id="299" r:id="rId12"/>
+    <p:sldId id="321" r:id="rId13"/>
+    <p:sldId id="342" r:id="rId14"/>
+    <p:sldId id="337" r:id="rId15"/>
+    <p:sldId id="340" r:id="rId16"/>
+    <p:sldId id="341" r:id="rId17"/>
+    <p:sldId id="343" r:id="rId18"/>
+    <p:sldId id="345" r:id="rId19"/>
+    <p:sldId id="344" r:id="rId20"/>
+    <p:sldId id="346" r:id="rId21"/>
     <p:sldId id="273" r:id="rId22"/>
   </p:sldIdLst>
   <p:sldSz cx="12192000" cy="6858000"/>
@@ -129,7 +129,7 @@
   </p:defaultTextStyle>
   <p:extLst>
     <p:ext uri="{EFAFB233-063F-42B5-8137-9DF3F51BA10A}">
-      <p15:sldGuideLst xmlns:p15="http://schemas.microsoft.com/office/powerpoint/2012/main" xmlns="">
+      <p15:sldGuideLst xmlns:p15="http://schemas.microsoft.com/office/powerpoint/2012/main">
         <p15:guide id="1" orient="horz" pos="2160" userDrawn="1">
           <p15:clr>
             <a:srgbClr val="A4A3A4"/>
@@ -305,7 +305,7 @@
     </p:spTree>
     <p:extLst>
       <p:ext uri="{BB962C8B-B14F-4D97-AF65-F5344CB8AC3E}">
-        <p14:creationId xmlns:p14="http://schemas.microsoft.com/office/powerpoint/2010/main" xmlns="" val="3600457421"/>
+        <p14:creationId xmlns:p14="http://schemas.microsoft.com/office/powerpoint/2010/main" val="3600457421"/>
       </p:ext>
     </p:extLst>
   </p:cSld>
@@ -565,7 +565,7 @@
     </p:spTree>
     <p:extLst>
       <p:ext uri="{BB962C8B-B14F-4D97-AF65-F5344CB8AC3E}">
-        <p14:creationId xmlns:p14="http://schemas.microsoft.com/office/powerpoint/2010/main" xmlns="" val="1466544811"/>
+        <p14:creationId xmlns:p14="http://schemas.microsoft.com/office/powerpoint/2010/main" val="1466544811"/>
       </p:ext>
     </p:extLst>
   </p:cSld>
@@ -732,7 +732,7 @@
             <a:fld id="{46311D16-8884-49B4-B807-605998DB61A7}" type="slidenum">
               <a:rPr lang="fr-FR" smtClean="0"/>
               <a:pPr/>
-              <a:t>9</a:t>
+              <a:t>10</a:t>
             </a:fld>
             <a:endParaRPr lang="fr-FR"/>
           </a:p>
@@ -741,7 +741,7 @@
     </p:spTree>
     <p:extLst>
       <p:ext uri="{BB962C8B-B14F-4D97-AF65-F5344CB8AC3E}">
-        <p14:creationId xmlns:p14="http://schemas.microsoft.com/office/powerpoint/2010/main" xmlns="" val="4118351202"/>
+        <p14:creationId xmlns:p14="http://schemas.microsoft.com/office/powerpoint/2010/main" val="4118351202"/>
       </p:ext>
     </p:extLst>
   </p:cSld>
@@ -1129,7 +1129,7 @@
           <a:blip r:embed="rId2" cstate="hqprint">
             <a:extLst>
               <a:ext uri="{28A0092B-C50C-407E-A947-70E740481C1C}">
-                <a14:useLocalDpi xmlns:a14="http://schemas.microsoft.com/office/drawing/2010/main" xmlns="" val="0"/>
+                <a14:useLocalDpi xmlns:a14="http://schemas.microsoft.com/office/drawing/2010/main" val="0"/>
               </a:ext>
             </a:extLst>
           </a:blip>
@@ -1150,7 +1150,7 @@
     </p:spTree>
     <p:extLst>
       <p:ext uri="{BB962C8B-B14F-4D97-AF65-F5344CB8AC3E}">
-        <p14:creationId xmlns:p14="http://schemas.microsoft.com/office/powerpoint/2010/main" xmlns="" val="2649910490"/>
+        <p14:creationId xmlns:p14="http://schemas.microsoft.com/office/powerpoint/2010/main" val="2649910490"/>
       </p:ext>
     </p:extLst>
   </p:cSld>
@@ -1324,7 +1324,7 @@
     </p:spTree>
     <p:extLst>
       <p:ext uri="{BB962C8B-B14F-4D97-AF65-F5344CB8AC3E}">
-        <p14:creationId xmlns:p14="http://schemas.microsoft.com/office/powerpoint/2010/main" xmlns="" val="1365966430"/>
+        <p14:creationId xmlns:p14="http://schemas.microsoft.com/office/powerpoint/2010/main" val="1365966430"/>
       </p:ext>
     </p:extLst>
   </p:cSld>
@@ -1634,7 +1634,7 @@
     </p:spTree>
     <p:extLst>
       <p:ext uri="{BB962C8B-B14F-4D97-AF65-F5344CB8AC3E}">
-        <p14:creationId xmlns:p14="http://schemas.microsoft.com/office/powerpoint/2010/main" xmlns="" val="2465354671"/>
+        <p14:creationId xmlns:p14="http://schemas.microsoft.com/office/powerpoint/2010/main" val="2465354671"/>
       </p:ext>
     </p:extLst>
   </p:cSld>
@@ -1935,7 +1935,7 @@
           <a:blip r:embed="rId2" cstate="print">
             <a:extLst>
               <a:ext uri="{28A0092B-C50C-407E-A947-70E740481C1C}">
-                <a14:useLocalDpi xmlns:a14="http://schemas.microsoft.com/office/drawing/2010/main" xmlns="" val="0"/>
+                <a14:useLocalDpi xmlns:a14="http://schemas.microsoft.com/office/drawing/2010/main" val="0"/>
               </a:ext>
             </a:extLst>
           </a:blip>
@@ -1956,7 +1956,7 @@
     </p:spTree>
     <p:extLst>
       <p:ext uri="{BB962C8B-B14F-4D97-AF65-F5344CB8AC3E}">
-        <p14:creationId xmlns:p14="http://schemas.microsoft.com/office/powerpoint/2010/main" xmlns="" val="1995860773"/>
+        <p14:creationId xmlns:p14="http://schemas.microsoft.com/office/powerpoint/2010/main" val="1995860773"/>
       </p:ext>
     </p:extLst>
   </p:cSld>
@@ -2383,7 +2383,7 @@
           <a:blip r:embed="rId2" cstate="print">
             <a:extLst>
               <a:ext uri="{28A0092B-C50C-407E-A947-70E740481C1C}">
-                <a14:useLocalDpi xmlns:a14="http://schemas.microsoft.com/office/drawing/2010/main" xmlns="" val="0"/>
+                <a14:useLocalDpi xmlns:a14="http://schemas.microsoft.com/office/drawing/2010/main" val="0"/>
               </a:ext>
             </a:extLst>
           </a:blip>
@@ -2404,7 +2404,7 @@
     </p:spTree>
     <p:extLst>
       <p:ext uri="{BB962C8B-B14F-4D97-AF65-F5344CB8AC3E}">
-        <p14:creationId xmlns:p14="http://schemas.microsoft.com/office/powerpoint/2010/main" xmlns="" val="1906475875"/>
+        <p14:creationId xmlns:p14="http://schemas.microsoft.com/office/powerpoint/2010/main" val="1906475875"/>
       </p:ext>
     </p:extLst>
   </p:cSld>
@@ -2831,7 +2831,7 @@
           <a:blip r:embed="rId2" cstate="print">
             <a:extLst>
               <a:ext uri="{28A0092B-C50C-407E-A947-70E740481C1C}">
-                <a14:useLocalDpi xmlns:a14="http://schemas.microsoft.com/office/drawing/2010/main" xmlns="" val="0"/>
+                <a14:useLocalDpi xmlns:a14="http://schemas.microsoft.com/office/drawing/2010/main" val="0"/>
               </a:ext>
             </a:extLst>
           </a:blip>
@@ -2852,7 +2852,7 @@
     </p:spTree>
     <p:extLst>
       <p:ext uri="{BB962C8B-B14F-4D97-AF65-F5344CB8AC3E}">
-        <p14:creationId xmlns:p14="http://schemas.microsoft.com/office/powerpoint/2010/main" xmlns="" val="3373133500"/>
+        <p14:creationId xmlns:p14="http://schemas.microsoft.com/office/powerpoint/2010/main" val="3373133500"/>
       </p:ext>
     </p:extLst>
   </p:cSld>
@@ -3279,7 +3279,7 @@
           <a:blip r:embed="rId2" cstate="print">
             <a:extLst>
               <a:ext uri="{28A0092B-C50C-407E-A947-70E740481C1C}">
-                <a14:useLocalDpi xmlns:a14="http://schemas.microsoft.com/office/drawing/2010/main" xmlns="" val="0"/>
+                <a14:useLocalDpi xmlns:a14="http://schemas.microsoft.com/office/drawing/2010/main" val="0"/>
               </a:ext>
             </a:extLst>
           </a:blip>
@@ -3300,7 +3300,7 @@
     </p:spTree>
     <p:extLst>
       <p:ext uri="{BB962C8B-B14F-4D97-AF65-F5344CB8AC3E}">
-        <p14:creationId xmlns:p14="http://schemas.microsoft.com/office/powerpoint/2010/main" xmlns="" val="1330183533"/>
+        <p14:creationId xmlns:p14="http://schemas.microsoft.com/office/powerpoint/2010/main" val="1330183533"/>
       </p:ext>
     </p:extLst>
   </p:cSld>
@@ -3727,7 +3727,7 @@
           <a:blip r:embed="rId2" cstate="print">
             <a:extLst>
               <a:ext uri="{28A0092B-C50C-407E-A947-70E740481C1C}">
-                <a14:useLocalDpi xmlns:a14="http://schemas.microsoft.com/office/drawing/2010/main" xmlns="" val="0"/>
+                <a14:useLocalDpi xmlns:a14="http://schemas.microsoft.com/office/drawing/2010/main" val="0"/>
               </a:ext>
             </a:extLst>
           </a:blip>
@@ -3748,7 +3748,7 @@
     </p:spTree>
     <p:extLst>
       <p:ext uri="{BB962C8B-B14F-4D97-AF65-F5344CB8AC3E}">
-        <p14:creationId xmlns:p14="http://schemas.microsoft.com/office/powerpoint/2010/main" xmlns="" val="3373133500"/>
+        <p14:creationId xmlns:p14="http://schemas.microsoft.com/office/powerpoint/2010/main" val="3373133500"/>
       </p:ext>
     </p:extLst>
   </p:cSld>
@@ -4175,7 +4175,7 @@
           <a:blip r:embed="rId2" cstate="print">
             <a:extLst>
               <a:ext uri="{28A0092B-C50C-407E-A947-70E740481C1C}">
-                <a14:useLocalDpi xmlns:a14="http://schemas.microsoft.com/office/drawing/2010/main" xmlns="" val="0"/>
+                <a14:useLocalDpi xmlns:a14="http://schemas.microsoft.com/office/drawing/2010/main" val="0"/>
               </a:ext>
             </a:extLst>
           </a:blip>
@@ -4196,7 +4196,7 @@
     </p:spTree>
     <p:extLst>
       <p:ext uri="{BB962C8B-B14F-4D97-AF65-F5344CB8AC3E}">
-        <p14:creationId xmlns:p14="http://schemas.microsoft.com/office/powerpoint/2010/main" xmlns="" val="3373133500"/>
+        <p14:creationId xmlns:p14="http://schemas.microsoft.com/office/powerpoint/2010/main" val="3373133500"/>
       </p:ext>
     </p:extLst>
   </p:cSld>
@@ -4486,7 +4486,7 @@
           <a:blip r:embed="rId2" cstate="print">
             <a:extLst>
               <a:ext uri="{28A0092B-C50C-407E-A947-70E740481C1C}">
-                <a14:useLocalDpi xmlns:a14="http://schemas.microsoft.com/office/drawing/2010/main" xmlns="" val="0"/>
+                <a14:useLocalDpi xmlns:a14="http://schemas.microsoft.com/office/drawing/2010/main" val="0"/>
               </a:ext>
             </a:extLst>
           </a:blip>
@@ -4507,7 +4507,7 @@
     </p:spTree>
     <p:extLst>
       <p:ext uri="{BB962C8B-B14F-4D97-AF65-F5344CB8AC3E}">
-        <p14:creationId xmlns:p14="http://schemas.microsoft.com/office/powerpoint/2010/main" xmlns="" val="3588323526"/>
+        <p14:creationId xmlns:p14="http://schemas.microsoft.com/office/powerpoint/2010/main" val="3588323526"/>
       </p:ext>
     </p:extLst>
   </p:cSld>
@@ -4797,7 +4797,7 @@
           <a:blip r:embed="rId2" cstate="print">
             <a:extLst>
               <a:ext uri="{28A0092B-C50C-407E-A947-70E740481C1C}">
-                <a14:useLocalDpi xmlns:a14="http://schemas.microsoft.com/office/drawing/2010/main" xmlns="" val="0"/>
+                <a14:useLocalDpi xmlns:a14="http://schemas.microsoft.com/office/drawing/2010/main" val="0"/>
               </a:ext>
             </a:extLst>
           </a:blip>
@@ -4818,7 +4818,7 @@
     </p:spTree>
     <p:extLst>
       <p:ext uri="{BB962C8B-B14F-4D97-AF65-F5344CB8AC3E}">
-        <p14:creationId xmlns:p14="http://schemas.microsoft.com/office/powerpoint/2010/main" xmlns="" val="444448905"/>
+        <p14:creationId xmlns:p14="http://schemas.microsoft.com/office/powerpoint/2010/main" val="444448905"/>
       </p:ext>
     </p:extLst>
   </p:cSld>
@@ -5183,7 +5183,7 @@
           <a:blip r:embed="rId2" cstate="print">
             <a:extLst>
               <a:ext uri="{28A0092B-C50C-407E-A947-70E740481C1C}">
-                <a14:useLocalDpi xmlns:a14="http://schemas.microsoft.com/office/drawing/2010/main" xmlns="" val="0"/>
+                <a14:useLocalDpi xmlns:a14="http://schemas.microsoft.com/office/drawing/2010/main" val="0"/>
               </a:ext>
             </a:extLst>
           </a:blip>
@@ -5204,7 +5204,7 @@
     </p:spTree>
     <p:extLst>
       <p:ext uri="{BB962C8B-B14F-4D97-AF65-F5344CB8AC3E}">
-        <p14:creationId xmlns:p14="http://schemas.microsoft.com/office/powerpoint/2010/main" xmlns="" val="3782944841"/>
+        <p14:creationId xmlns:p14="http://schemas.microsoft.com/office/powerpoint/2010/main" val="3782944841"/>
       </p:ext>
     </p:extLst>
   </p:cSld>
@@ -5494,7 +5494,7 @@
           <a:blip r:embed="rId2" cstate="print">
             <a:extLst>
               <a:ext uri="{28A0092B-C50C-407E-A947-70E740481C1C}">
-                <a14:useLocalDpi xmlns:a14="http://schemas.microsoft.com/office/drawing/2010/main" xmlns="" val="0"/>
+                <a14:useLocalDpi xmlns:a14="http://schemas.microsoft.com/office/drawing/2010/main" val="0"/>
               </a:ext>
             </a:extLst>
           </a:blip>
@@ -5515,7 +5515,7 @@
     </p:spTree>
     <p:extLst>
       <p:ext uri="{BB962C8B-B14F-4D97-AF65-F5344CB8AC3E}">
-        <p14:creationId xmlns:p14="http://schemas.microsoft.com/office/powerpoint/2010/main" xmlns="" val="3515959840"/>
+        <p14:creationId xmlns:p14="http://schemas.microsoft.com/office/powerpoint/2010/main" val="3515959840"/>
       </p:ext>
     </p:extLst>
   </p:cSld>
@@ -5805,7 +5805,7 @@
           <a:blip r:embed="rId2" cstate="print">
             <a:extLst>
               <a:ext uri="{28A0092B-C50C-407E-A947-70E740481C1C}">
-                <a14:useLocalDpi xmlns:a14="http://schemas.microsoft.com/office/drawing/2010/main" xmlns="" val="0"/>
+                <a14:useLocalDpi xmlns:a14="http://schemas.microsoft.com/office/drawing/2010/main" val="0"/>
               </a:ext>
             </a:extLst>
           </a:blip>
@@ -5826,7 +5826,7 @@
     </p:spTree>
     <p:extLst>
       <p:ext uri="{BB962C8B-B14F-4D97-AF65-F5344CB8AC3E}">
-        <p14:creationId xmlns:p14="http://schemas.microsoft.com/office/powerpoint/2010/main" xmlns="" val="3664296440"/>
+        <p14:creationId xmlns:p14="http://schemas.microsoft.com/office/powerpoint/2010/main" val="3664296440"/>
       </p:ext>
     </p:extLst>
   </p:cSld>
@@ -6116,7 +6116,7 @@
           <a:blip r:embed="rId2" cstate="print">
             <a:extLst>
               <a:ext uri="{28A0092B-C50C-407E-A947-70E740481C1C}">
-                <a14:useLocalDpi xmlns:a14="http://schemas.microsoft.com/office/drawing/2010/main" xmlns="" val="0"/>
+                <a14:useLocalDpi xmlns:a14="http://schemas.microsoft.com/office/drawing/2010/main" val="0"/>
               </a:ext>
             </a:extLst>
           </a:blip>
@@ -6137,7 +6137,7 @@
     </p:spTree>
     <p:extLst>
       <p:ext uri="{BB962C8B-B14F-4D97-AF65-F5344CB8AC3E}">
-        <p14:creationId xmlns:p14="http://schemas.microsoft.com/office/powerpoint/2010/main" xmlns="" val="3664296440"/>
+        <p14:creationId xmlns:p14="http://schemas.microsoft.com/office/powerpoint/2010/main" val="3664296440"/>
       </p:ext>
     </p:extLst>
   </p:cSld>
@@ -6277,7 +6277,7 @@
     </p:spTree>
     <p:extLst>
       <p:ext uri="{BB962C8B-B14F-4D97-AF65-F5344CB8AC3E}">
-        <p14:creationId xmlns:p14="http://schemas.microsoft.com/office/powerpoint/2010/main" xmlns="" val="623059735"/>
+        <p14:creationId xmlns:p14="http://schemas.microsoft.com/office/powerpoint/2010/main" val="623059735"/>
       </p:ext>
     </p:extLst>
   </p:cSld>
@@ -6523,7 +6523,7 @@
     </p:spTree>
     <p:extLst>
       <p:ext uri="{BB962C8B-B14F-4D97-AF65-F5344CB8AC3E}">
-        <p14:creationId xmlns:p14="http://schemas.microsoft.com/office/powerpoint/2010/main" xmlns="" val="2471036532"/>
+        <p14:creationId xmlns:p14="http://schemas.microsoft.com/office/powerpoint/2010/main" val="2471036532"/>
       </p:ext>
     </p:extLst>
   </p:cSld>
@@ -6792,7 +6792,7 @@
     </p:spTree>
     <p:extLst>
       <p:ext uri="{BB962C8B-B14F-4D97-AF65-F5344CB8AC3E}">
-        <p14:creationId xmlns:p14="http://schemas.microsoft.com/office/powerpoint/2010/main" xmlns="" val="3383411751"/>
+        <p14:creationId xmlns:p14="http://schemas.microsoft.com/office/powerpoint/2010/main" val="3383411751"/>
       </p:ext>
     </p:extLst>
   </p:cSld>
@@ -7084,7 +7084,7 @@
     </p:spTree>
     <p:extLst>
       <p:ext uri="{BB962C8B-B14F-4D97-AF65-F5344CB8AC3E}">
-        <p14:creationId xmlns:p14="http://schemas.microsoft.com/office/powerpoint/2010/main" xmlns="" val="558727698"/>
+        <p14:creationId xmlns:p14="http://schemas.microsoft.com/office/powerpoint/2010/main" val="558727698"/>
       </p:ext>
     </p:extLst>
   </p:cSld>
@@ -7405,7 +7405,7 @@
     </p:spTree>
     <p:extLst>
       <p:ext uri="{BB962C8B-B14F-4D97-AF65-F5344CB8AC3E}">
-        <p14:creationId xmlns:p14="http://schemas.microsoft.com/office/powerpoint/2010/main" xmlns="" val="1639123044"/>
+        <p14:creationId xmlns:p14="http://schemas.microsoft.com/office/powerpoint/2010/main" val="1639123044"/>
       </p:ext>
     </p:extLst>
   </p:cSld>
@@ -7628,7 +7628,7 @@
     </p:spTree>
     <p:extLst>
       <p:ext uri="{BB962C8B-B14F-4D97-AF65-F5344CB8AC3E}">
-        <p14:creationId xmlns:p14="http://schemas.microsoft.com/office/powerpoint/2010/main" xmlns="" val="1349560968"/>
+        <p14:creationId xmlns:p14="http://schemas.microsoft.com/office/powerpoint/2010/main" val="1349560968"/>
       </p:ext>
     </p:extLst>
   </p:cSld>
@@ -8150,7 +8150,7 @@
     </p:spTree>
     <p:extLst>
       <p:ext uri="{BB962C8B-B14F-4D97-AF65-F5344CB8AC3E}">
-        <p14:creationId xmlns:p14="http://schemas.microsoft.com/office/powerpoint/2010/main" xmlns="" val="68557677"/>
+        <p14:creationId xmlns:p14="http://schemas.microsoft.com/office/powerpoint/2010/main" val="68557677"/>
       </p:ext>
     </p:extLst>
   </p:cSld>
@@ -8453,7 +8453,7 @@
     </p:spTree>
     <p:extLst>
       <p:ext uri="{BB962C8B-B14F-4D97-AF65-F5344CB8AC3E}">
-        <p14:creationId xmlns:p14="http://schemas.microsoft.com/office/powerpoint/2010/main" xmlns="" val="677004687"/>
+        <p14:creationId xmlns:p14="http://schemas.microsoft.com/office/powerpoint/2010/main" val="677004687"/>
       </p:ext>
     </p:extLst>
   </p:cSld>
@@ -8731,7 +8731,7 @@
           <a:blip r:embed="rId2" cstate="print">
             <a:extLst>
               <a:ext uri="{28A0092B-C50C-407E-A947-70E740481C1C}">
-                <a14:useLocalDpi xmlns:a14="http://schemas.microsoft.com/office/drawing/2010/main" xmlns="" val="0"/>
+                <a14:useLocalDpi xmlns:a14="http://schemas.microsoft.com/office/drawing/2010/main" val="0"/>
               </a:ext>
             </a:extLst>
           </a:blip>
@@ -8752,7 +8752,7 @@
     </p:spTree>
     <p:extLst>
       <p:ext uri="{BB962C8B-B14F-4D97-AF65-F5344CB8AC3E}">
-        <p14:creationId xmlns:p14="http://schemas.microsoft.com/office/powerpoint/2010/main" xmlns="" val="82939113"/>
+        <p14:creationId xmlns:p14="http://schemas.microsoft.com/office/powerpoint/2010/main" val="82939113"/>
       </p:ext>
     </p:extLst>
   </p:cSld>
@@ -9112,7 +9112,7 @@
           <a:blip r:embed="rId26" cstate="print">
             <a:extLst>
               <a:ext uri="{28A0092B-C50C-407E-A947-70E740481C1C}">
-                <a14:useLocalDpi xmlns:a14="http://schemas.microsoft.com/office/drawing/2010/main" xmlns="" val="0"/>
+                <a14:useLocalDpi xmlns:a14="http://schemas.microsoft.com/office/drawing/2010/main" val="0"/>
               </a:ext>
             </a:extLst>
           </a:blip>
@@ -9130,10 +9130,58 @@
           </a:prstGeom>
         </p:spPr>
       </p:pic>
+      <p:sp>
+        <p:nvSpPr>
+          <p:cNvPr id="4" name="MSIPCMContentMarking" descr="{&quot;HashCode&quot;:35575408,&quot;Placement&quot;:&quot;Footer&quot;}"/>
+          <p:cNvSpPr txBox="1"/>
+          <p:nvPr userDrawn="1"/>
+        </p:nvSpPr>
+        <p:spPr>
+          <a:xfrm>
+            <a:off x="5522628" y="6624578"/>
+            <a:ext cx="1146743" cy="233422"/>
+          </a:xfrm>
+          <a:prstGeom prst="rect">
+            <a:avLst/>
+          </a:prstGeom>
+          <a:noFill/>
+        </p:spPr>
+        <p:txBody>
+          <a:bodyPr vert="horz" wrap="square" lIns="0" tIns="0" rIns="0" bIns="0" rtlCol="0" anchor="ctr" anchorCtr="1">
+            <a:spAutoFit/>
+          </a:bodyPr>
+          <a:lstStyle/>
+          <a:p>
+            <a:pPr algn="ctr">
+              <a:spcBef>
+                <a:spcPts val="0"/>
+              </a:spcBef>
+              <a:spcAft>
+                <a:spcPts val="0"/>
+              </a:spcAft>
+            </a:pPr>
+            <a:r>
+              <a:rPr lang="en-US" sz="900" smtClean="0">
+                <a:solidFill>
+                  <a:srgbClr val="008000"/>
+                </a:solidFill>
+                <a:latin typeface="arial" panose="020B0604020202020204" pitchFamily="34" charset="0"/>
+              </a:rPr>
+              <a:t> C1 - Internal use </a:t>
+            </a:r>
+            <a:endParaRPr lang="en-US" sz="900">
+              <a:solidFill>
+                <a:srgbClr val="008000"/>
+              </a:solidFill>
+              <a:latin typeface="arial" panose="020B0604020202020204" pitchFamily="34" charset="0"/>
+            </a:endParaRPr>
+          </a:p>
+        </p:txBody>
+      </p:sp>
     </p:spTree>
     <p:extLst>
       <p:ext uri="{BB962C8B-B14F-4D97-AF65-F5344CB8AC3E}">
-        <p14:creationId xmlns:p14="http://schemas.microsoft.com/office/powerpoint/2010/main" xmlns="" val="1478117034"/>
+        <p14:creationId xmlns:p14="http://schemas.microsoft.com/office/powerpoint/2010/main" val="1478117034"/>
       </p:ext>
     </p:extLst>
   </p:cSld>
@@ -9478,7 +9526,7 @@
         <p:spPr/>
         <p:txBody>
           <a:bodyPr>
-            <a:normAutofit fontScale="90000"/>
+            <a:normAutofit/>
           </a:bodyPr>
           <a:lstStyle/>
           <a:p>
@@ -9488,15 +9536,15 @@
                   <a:schemeClr val="tx1"/>
                 </a:solidFill>
               </a:rPr>
-              <a:t>INTEGRATING WITH IOT DEVICES USING</a:t>
-            </a:r>
-            <a:r>
-              <a:rPr lang="en-US" dirty="0">
+              <a:t>Integrating with </a:t>
+            </a:r>
+            <a:r>
+              <a:rPr lang="en-US" dirty="0" err="1" smtClean="0">
                 <a:solidFill>
                   <a:schemeClr val="tx1"/>
                 </a:solidFill>
               </a:rPr>
-              <a:t> </a:t>
+              <a:t>Loreal’s</a:t>
             </a:r>
             <a:r>
               <a:rPr lang="en-US" dirty="0" smtClean="0">
@@ -9504,15 +9552,7 @@
                   <a:schemeClr val="tx1"/>
                 </a:solidFill>
               </a:rPr>
-              <a:t>TIBCO </a:t>
-            </a:r>
-            <a:r>
-              <a:rPr lang="en-US" dirty="0" smtClean="0">
-                <a:solidFill>
-                  <a:schemeClr val="tx1"/>
-                </a:solidFill>
-              </a:rPr>
-              <a:t>FLOGO, GOLANG Programming, AWS IOT Platform.</a:t>
+              <a:t> IOT devices.</a:t>
             </a:r>
             <a:r>
               <a:rPr lang="en-US" dirty="0" smtClean="0">
@@ -9574,33 +9614,13 @@
           <a:p>
             <a:r>
               <a:rPr lang="en-US" dirty="0" smtClean="0"/>
-              <a:t>-</a:t>
-            </a:r>
-            <a:r>
-              <a:rPr lang="en-US" dirty="0" err="1" smtClean="0"/>
-              <a:t>Ankur</a:t>
-            </a:r>
+              <a:t>-Ankur Khanna (Director)</a:t>
+            </a:r>
+          </a:p>
+          <a:p>
             <a:r>
               <a:rPr lang="en-US" dirty="0" smtClean="0"/>
-              <a:t> </a:t>
-            </a:r>
-            <a:r>
-              <a:rPr lang="en-US" dirty="0" err="1" smtClean="0"/>
-              <a:t>Khanna</a:t>
-            </a:r>
-            <a:r>
-              <a:rPr lang="en-US" dirty="0" smtClean="0"/>
-              <a:t> (Director)</a:t>
-            </a:r>
-          </a:p>
-          <a:p>
-            <a:r>
-              <a:rPr lang="en-US" dirty="0" smtClean="0"/>
-              <a:t>-</a:t>
-            </a:r>
-            <a:r>
-              <a:rPr lang="en-US" dirty="0" smtClean="0"/>
-              <a:t>Robin </a:t>
+              <a:t>-Robin </a:t>
             </a:r>
             <a:r>
               <a:rPr lang="en-US" dirty="0" err="1" smtClean="0"/>
@@ -9610,20 +9630,11 @@
               <a:rPr lang="en-US" dirty="0" smtClean="0"/>
               <a:t>  (Solution Architect)</a:t>
             </a:r>
-            <a:endParaRPr lang="en-US" dirty="0" smtClean="0"/>
           </a:p>
           <a:p>
             <a:r>
               <a:rPr lang="en-US" noProof="0" dirty="0" smtClean="0"/>
-              <a:t>-</a:t>
-            </a:r>
-            <a:r>
-              <a:rPr lang="en-US" noProof="0" dirty="0" err="1" smtClean="0"/>
-              <a:t>Varun</a:t>
-            </a:r>
-            <a:r>
-              <a:rPr lang="en-US" noProof="0" dirty="0" smtClean="0"/>
-              <a:t> Kumar (Developer)</a:t>
+              <a:t>-Varun Kumar (Developer)</a:t>
             </a:r>
             <a:endParaRPr lang="en-US" noProof="0" dirty="0"/>
           </a:p>
@@ -9632,7 +9643,7 @@
     </p:spTree>
     <p:extLst>
       <p:ext uri="{BB962C8B-B14F-4D97-AF65-F5344CB8AC3E}">
-        <p14:creationId xmlns:p14="http://schemas.microsoft.com/office/powerpoint/2010/main" xmlns="" val="4211400169"/>
+        <p14:creationId xmlns:p14="http://schemas.microsoft.com/office/powerpoint/2010/main" val="4211400169"/>
       </p:ext>
     </p:extLst>
   </p:cSld>
@@ -9668,12 +9679,12 @@
       </p:grpSpPr>
       <p:sp>
         <p:nvSpPr>
-          <p:cNvPr id="6" name="Title 5"/>
-          <p:cNvSpPr>
-            <a:spLocks noGrp="1"/>
-          </p:cNvSpPr>
-          <p:nvPr>
-            <p:ph type="title"/>
+          <p:cNvPr id="4" name="Footer Placeholder 3"/>
+          <p:cNvSpPr>
+            <a:spLocks noGrp="1"/>
+          </p:cNvSpPr>
+          <p:nvPr>
+            <p:ph type="ftr" sz="quarter" idx="11"/>
           </p:nvPr>
         </p:nvSpPr>
         <p:spPr/>
@@ -9682,20 +9693,21 @@
           <a:lstStyle/>
           <a:p>
             <a:r>
-              <a:rPr lang="en-US" dirty="0"/>
-              <a:t>3</a:t>
-            </a:r>
-          </a:p>
-        </p:txBody>
-      </p:sp>
-      <p:sp>
-        <p:nvSpPr>
-          <p:cNvPr id="7" name="Content Placeholder 6"/>
-          <p:cNvSpPr>
-            <a:spLocks noGrp="1"/>
-          </p:cNvSpPr>
-          <p:nvPr>
-            <p:ph idx="1"/>
+              <a:rPr lang="en-US" noProof="0" smtClean="0"/>
+              <a:t>IT Americas / Integration Services</a:t>
+            </a:r>
+            <a:endParaRPr lang="en-US" noProof="0" dirty="0"/>
+          </a:p>
+        </p:txBody>
+      </p:sp>
+      <p:sp>
+        <p:nvSpPr>
+          <p:cNvPr id="5" name="Slide Number Placeholder 4"/>
+          <p:cNvSpPr>
+            <a:spLocks noGrp="1"/>
+          </p:cNvSpPr>
+          <p:nvPr>
+            <p:ph type="sldNum" sz="quarter" idx="12"/>
           </p:nvPr>
         </p:nvSpPr>
         <p:spPr/>
@@ -9703,93 +9715,73 @@
           <a:bodyPr/>
           <a:lstStyle/>
           <a:p>
-            <a:r>
-              <a:rPr lang="en-US" dirty="0" smtClean="0"/>
-              <a:t>MQTT BROKER</a:t>
-            </a:r>
-            <a:endParaRPr lang="en-US" dirty="0"/>
-          </a:p>
-        </p:txBody>
-      </p:sp>
-      <p:sp>
-        <p:nvSpPr>
-          <p:cNvPr id="4" name="Footer Placeholder 3"/>
-          <p:cNvSpPr>
-            <a:spLocks noGrp="1"/>
-          </p:cNvSpPr>
-          <p:nvPr>
-            <p:ph type="ftr" sz="quarter" idx="11"/>
-          </p:nvPr>
-        </p:nvSpPr>
-        <p:spPr/>
-        <p:txBody>
-          <a:bodyPr/>
-          <a:lstStyle/>
-          <a:p>
-            <a:r>
-              <a:rPr lang="fr-FR" dirty="0"/>
-              <a:t>IT </a:t>
-            </a:r>
-            <a:r>
-              <a:rPr lang="fr-FR" dirty="0" err="1"/>
-              <a:t>Americas</a:t>
-            </a:r>
-            <a:r>
-              <a:rPr lang="fr-FR" dirty="0"/>
-              <a:t> / </a:t>
-            </a:r>
-            <a:r>
-              <a:rPr lang="en-US" dirty="0"/>
-              <a:t>Integration</a:t>
-            </a:r>
-            <a:r>
-              <a:rPr lang="fr-FR" dirty="0"/>
-              <a:t> Services</a:t>
-            </a:r>
-          </a:p>
-        </p:txBody>
-      </p:sp>
-      <p:sp>
-        <p:nvSpPr>
-          <p:cNvPr id="5" name="Slide Number Placeholder 4"/>
-          <p:cNvSpPr>
-            <a:spLocks noGrp="1"/>
-          </p:cNvSpPr>
-          <p:nvPr>
-            <p:ph type="sldNum" sz="quarter" idx="4"/>
-          </p:nvPr>
-        </p:nvSpPr>
-        <p:spPr/>
-        <p:txBody>
-          <a:bodyPr/>
-          <a:lstStyle/>
-          <a:p>
             <a:fld id="{91D0DAE4-BE63-46F6-A3FC-2CC1752FBC7E}" type="slidenum">
-              <a:rPr lang="fr-FR" smtClean="0"/>
+              <a:rPr lang="en-US" noProof="0" smtClean="0"/>
               <a:pPr/>
               <a:t>11</a:t>
             </a:fld>
-            <a:endParaRPr lang="fr-FR" dirty="0"/>
-          </a:p>
-        </p:txBody>
-      </p:sp>
+            <a:endParaRPr lang="en-US" noProof="0" dirty="0"/>
+          </a:p>
+        </p:txBody>
+      </p:sp>
+      <p:pic>
+        <p:nvPicPr>
+          <p:cNvPr id="7" name="Picture 6"/>
+          <p:cNvPicPr>
+            <a:picLocks noChangeAspect="1"/>
+          </p:cNvPicPr>
+          <p:nvPr/>
+        </p:nvPicPr>
+        <p:blipFill>
+          <a:blip r:embed="rId2"/>
+          <a:stretch>
+            <a:fillRect/>
+          </a:stretch>
+        </p:blipFill>
+        <p:spPr>
+          <a:xfrm>
+            <a:off x="839416" y="476672"/>
+            <a:ext cx="6951040" cy="3312368"/>
+          </a:xfrm>
+          <a:prstGeom prst="rect">
+            <a:avLst/>
+          </a:prstGeom>
+        </p:spPr>
+      </p:pic>
+      <p:pic>
+        <p:nvPicPr>
+          <p:cNvPr id="8" name="Picture 7"/>
+          <p:cNvPicPr>
+            <a:picLocks noChangeAspect="1"/>
+          </p:cNvPicPr>
+          <p:nvPr/>
+        </p:nvPicPr>
+        <p:blipFill>
+          <a:blip r:embed="rId3"/>
+          <a:stretch>
+            <a:fillRect/>
+          </a:stretch>
+        </p:blipFill>
+        <p:spPr>
+          <a:xfrm>
+            <a:off x="5821872" y="3212976"/>
+            <a:ext cx="6075621" cy="3193517"/>
+          </a:xfrm>
+          <a:prstGeom prst="rect">
+            <a:avLst/>
+          </a:prstGeom>
+        </p:spPr>
+      </p:pic>
     </p:spTree>
     <p:extLst>
       <p:ext uri="{BB962C8B-B14F-4D97-AF65-F5344CB8AC3E}">
-        <p14:creationId xmlns:p14="http://schemas.microsoft.com/office/powerpoint/2010/main" xmlns="" val="3935822169"/>
+        <p14:creationId xmlns:p14="http://schemas.microsoft.com/office/powerpoint/2010/main" val="1140162280"/>
       </p:ext>
     </p:extLst>
   </p:cSld>
   <p:clrMapOvr>
     <a:masterClrMapping/>
   </p:clrMapOvr>
-  <p:timing>
-    <p:tnLst>
-      <p:par>
-        <p:cTn id="1" dur="indefinite" restart="never" nodeType="tmRoot"/>
-      </p:par>
-    </p:tnLst>
-  </p:timing>
 </p:sld>
 </file>
 
@@ -9812,6 +9804,51 @@
       </p:grpSpPr>
       <p:sp>
         <p:nvSpPr>
+          <p:cNvPr id="6" name="Title 5"/>
+          <p:cNvSpPr>
+            <a:spLocks noGrp="1"/>
+          </p:cNvSpPr>
+          <p:nvPr>
+            <p:ph type="title"/>
+          </p:nvPr>
+        </p:nvSpPr>
+        <p:spPr/>
+        <p:txBody>
+          <a:bodyPr/>
+          <a:lstStyle/>
+          <a:p>
+            <a:r>
+              <a:rPr lang="en-US" dirty="0"/>
+              <a:t>3</a:t>
+            </a:r>
+          </a:p>
+        </p:txBody>
+      </p:sp>
+      <p:sp>
+        <p:nvSpPr>
+          <p:cNvPr id="7" name="Content Placeholder 6"/>
+          <p:cNvSpPr>
+            <a:spLocks noGrp="1"/>
+          </p:cNvSpPr>
+          <p:nvPr>
+            <p:ph idx="1"/>
+          </p:nvPr>
+        </p:nvSpPr>
+        <p:spPr/>
+        <p:txBody>
+          <a:bodyPr/>
+          <a:lstStyle/>
+          <a:p>
+            <a:r>
+              <a:rPr lang="en-US" dirty="0" smtClean="0"/>
+              <a:t>MQTT BROKER</a:t>
+            </a:r>
+            <a:endParaRPr lang="en-US" dirty="0"/>
+          </a:p>
+        </p:txBody>
+      </p:sp>
+      <p:sp>
+        <p:nvSpPr>
           <p:cNvPr id="4" name="Footer Placeholder 3"/>
           <p:cNvSpPr>
             <a:spLocks noGrp="1"/>
@@ -9826,10 +9863,25 @@
           <a:lstStyle/>
           <a:p>
             <a:r>
-              <a:rPr lang="en-US" noProof="0"/>
-              <a:t>IT Americas / Integration Services</a:t>
-            </a:r>
-            <a:endParaRPr lang="en-US" noProof="0" dirty="0"/>
+              <a:rPr lang="fr-FR" dirty="0"/>
+              <a:t>IT </a:t>
+            </a:r>
+            <a:r>
+              <a:rPr lang="fr-FR" dirty="0" err="1"/>
+              <a:t>Americas</a:t>
+            </a:r>
+            <a:r>
+              <a:rPr lang="fr-FR" dirty="0"/>
+              <a:t> / </a:t>
+            </a:r>
+            <a:r>
+              <a:rPr lang="en-US" dirty="0"/>
+              <a:t>Integration</a:t>
+            </a:r>
+            <a:r>
+              <a:rPr lang="fr-FR" dirty="0"/>
+              <a:t> Services</a:t>
+            </a:r>
           </a:p>
         </p:txBody>
       </p:sp>
@@ -9840,7 +9892,7 @@
             <a:spLocks noGrp="1"/>
           </p:cNvSpPr>
           <p:nvPr>
-            <p:ph type="sldNum" sz="quarter" idx="12"/>
+            <p:ph type="sldNum" sz="quarter" idx="4"/>
           </p:nvPr>
         </p:nvSpPr>
         <p:spPr/>
@@ -9849,1439 +9901,18 @@
           <a:lstStyle/>
           <a:p>
             <a:fld id="{91D0DAE4-BE63-46F6-A3FC-2CC1752FBC7E}" type="slidenum">
-              <a:rPr lang="en-US" noProof="0" smtClean="0"/>
+              <a:rPr lang="fr-FR" smtClean="0"/>
               <a:pPr/>
               <a:t>12</a:t>
             </a:fld>
-            <a:endParaRPr lang="en-US" noProof="0" dirty="0"/>
-          </a:p>
-        </p:txBody>
-      </p:sp>
-      <p:sp>
-        <p:nvSpPr>
-          <p:cNvPr id="6" name="Text Placeholder 5"/>
-          <p:cNvSpPr>
-            <a:spLocks noGrp="1"/>
-          </p:cNvSpPr>
-          <p:nvPr>
-            <p:ph type="body" sz="quarter" idx="13"/>
-          </p:nvPr>
-        </p:nvSpPr>
-        <p:spPr/>
-        <p:txBody>
-          <a:bodyPr/>
-          <a:lstStyle/>
-          <a:p>
-            <a:r>
-              <a:rPr lang="en-US" dirty="0"/>
-              <a:t>4</a:t>
-            </a:r>
-          </a:p>
-        </p:txBody>
-      </p:sp>
-      <p:sp>
-        <p:nvSpPr>
-          <p:cNvPr id="9" name="AutoShape 4" descr="Image result for tibco activespace shared nothing persistence"/>
-          <p:cNvSpPr>
-            <a:spLocks noChangeAspect="1" noChangeArrowheads="1"/>
-          </p:cNvSpPr>
-          <p:nvPr/>
-        </p:nvSpPr>
-        <p:spPr bwMode="auto">
-          <a:xfrm>
-            <a:off x="155575" y="-144463"/>
-            <a:ext cx="304800" cy="304801"/>
-          </a:xfrm>
-          <a:prstGeom prst="rect">
-            <a:avLst/>
-          </a:prstGeom>
-          <a:noFill/>
-          <a:extLst>
-            <a:ext uri="{909E8E84-426E-40DD-AFC4-6F175D3DCCD1}">
-              <a14:hiddenFill xmlns:a14="http://schemas.microsoft.com/office/drawing/2010/main" xmlns="">
-                <a:solidFill>
-                  <a:srgbClr val="FFFFFF"/>
-                </a:solidFill>
-              </a14:hiddenFill>
-            </a:ext>
-          </a:extLst>
-        </p:spPr>
-        <p:txBody>
-          <a:bodyPr vert="horz" wrap="square" lIns="91440" tIns="45720" rIns="91440" bIns="45720" numCol="1" anchor="t" anchorCtr="0" compatLnSpc="1">
-            <a:prstTxWarp prst="textNoShape">
-              <a:avLst/>
-            </a:prstTxWarp>
-          </a:bodyPr>
-          <a:lstStyle/>
-          <a:p>
-            <a:endParaRPr lang="en-US"/>
-          </a:p>
-        </p:txBody>
-      </p:sp>
-      <p:pic>
-        <p:nvPicPr>
-          <p:cNvPr id="8209" name="Picture 121"/>
-          <p:cNvPicPr>
-            <a:picLocks noChangeAspect="1" noChangeArrowheads="1"/>
-          </p:cNvPicPr>
-          <p:nvPr/>
-        </p:nvPicPr>
-        <p:blipFill>
-          <a:blip r:embed="rId2">
-            <a:extLst>
-              <a:ext uri="{28A0092B-C50C-407E-A947-70E740481C1C}">
-                <a14:useLocalDpi xmlns:a14="http://schemas.microsoft.com/office/drawing/2010/main" xmlns="" val="0"/>
-              </a:ext>
-            </a:extLst>
-          </a:blip>
-          <a:srcRect/>
-          <a:stretch>
-            <a:fillRect/>
-          </a:stretch>
-        </p:blipFill>
-        <p:spPr bwMode="auto">
-          <a:xfrm>
-            <a:off x="1229566" y="47627"/>
-            <a:ext cx="1317625" cy="1135063"/>
-          </a:xfrm>
-          <a:prstGeom prst="rect">
-            <a:avLst/>
-          </a:prstGeom>
-          <a:noFill/>
-          <a:extLst>
-            <a:ext uri="{909E8E84-426E-40DD-AFC4-6F175D3DCCD1}">
-              <a14:hiddenFill xmlns:a14="http://schemas.microsoft.com/office/drawing/2010/main" xmlns="">
-                <a:solidFill>
-                  <a:srgbClr val="FFFFFF"/>
-                </a:solidFill>
-              </a14:hiddenFill>
-            </a:ext>
-          </a:extLst>
-        </p:spPr>
-      </p:pic>
-      <p:pic>
-        <p:nvPicPr>
-          <p:cNvPr id="8208" name="Picture 124"/>
-          <p:cNvPicPr>
-            <a:picLocks noChangeAspect="1" noChangeArrowheads="1"/>
-          </p:cNvPicPr>
-          <p:nvPr/>
-        </p:nvPicPr>
-        <p:blipFill>
-          <a:blip r:embed="rId3" cstate="print">
-            <a:extLst>
-              <a:ext uri="{28A0092B-C50C-407E-A947-70E740481C1C}">
-                <a14:useLocalDpi xmlns:a14="http://schemas.microsoft.com/office/drawing/2010/main" xmlns="" val="0"/>
-              </a:ext>
-            </a:extLst>
-          </a:blip>
-          <a:srcRect/>
-          <a:stretch>
-            <a:fillRect/>
-          </a:stretch>
-        </p:blipFill>
-        <p:spPr bwMode="auto">
-          <a:xfrm>
-            <a:off x="52096" y="1638399"/>
-            <a:ext cx="4465929" cy="2517160"/>
-          </a:xfrm>
-          <a:prstGeom prst="rect">
-            <a:avLst/>
-          </a:prstGeom>
-          <a:noFill/>
-          <a:extLst>
-            <a:ext uri="{909E8E84-426E-40DD-AFC4-6F175D3DCCD1}">
-              <a14:hiddenFill xmlns:a14="http://schemas.microsoft.com/office/drawing/2010/main" xmlns="">
-                <a:solidFill>
-                  <a:srgbClr val="FFFFFF"/>
-                </a:solidFill>
-              </a14:hiddenFill>
-            </a:ext>
-          </a:extLst>
-        </p:spPr>
-      </p:pic>
-      <p:pic>
-        <p:nvPicPr>
-          <p:cNvPr id="8207" name="Picture 127"/>
-          <p:cNvPicPr>
-            <a:picLocks noChangeAspect="1" noChangeArrowheads="1"/>
-          </p:cNvPicPr>
-          <p:nvPr/>
-        </p:nvPicPr>
-        <p:blipFill>
-          <a:blip r:embed="rId4">
-            <a:extLst>
-              <a:ext uri="{28A0092B-C50C-407E-A947-70E740481C1C}">
-                <a14:useLocalDpi xmlns:a14="http://schemas.microsoft.com/office/drawing/2010/main" xmlns="" val="0"/>
-              </a:ext>
-            </a:extLst>
-          </a:blip>
-          <a:srcRect/>
-          <a:stretch>
-            <a:fillRect/>
-          </a:stretch>
-        </p:blipFill>
-        <p:spPr bwMode="auto">
-          <a:xfrm>
-            <a:off x="4655840" y="1494006"/>
-            <a:ext cx="6118225" cy="1752600"/>
-          </a:xfrm>
-          <a:prstGeom prst="rect">
-            <a:avLst/>
-          </a:prstGeom>
-          <a:noFill/>
-          <a:extLst>
-            <a:ext uri="{909E8E84-426E-40DD-AFC4-6F175D3DCCD1}">
-              <a14:hiddenFill xmlns:a14="http://schemas.microsoft.com/office/drawing/2010/main" xmlns="">
-                <a:solidFill>
-                  <a:srgbClr val="FFFFFF"/>
-                </a:solidFill>
-              </a14:hiddenFill>
-            </a:ext>
-          </a:extLst>
-        </p:spPr>
-      </p:pic>
-      <p:pic>
-        <p:nvPicPr>
-          <p:cNvPr id="8206" name="Picture 130"/>
-          <p:cNvPicPr>
-            <a:picLocks noChangeAspect="1" noChangeArrowheads="1"/>
-          </p:cNvPicPr>
-          <p:nvPr/>
-        </p:nvPicPr>
-        <p:blipFill>
-          <a:blip r:embed="rId5">
-            <a:extLst>
-              <a:ext uri="{28A0092B-C50C-407E-A947-70E740481C1C}">
-                <a14:useLocalDpi xmlns:a14="http://schemas.microsoft.com/office/drawing/2010/main" xmlns="" val="0"/>
-              </a:ext>
-            </a:extLst>
-          </a:blip>
-          <a:srcRect/>
-          <a:stretch>
-            <a:fillRect/>
-          </a:stretch>
-        </p:blipFill>
-        <p:spPr bwMode="auto">
-          <a:xfrm>
-            <a:off x="141287" y="4205584"/>
-            <a:ext cx="2138289" cy="2233686"/>
-          </a:xfrm>
-          <a:prstGeom prst="rect">
-            <a:avLst/>
-          </a:prstGeom>
-          <a:noFill/>
-          <a:extLst>
-            <a:ext uri="{909E8E84-426E-40DD-AFC4-6F175D3DCCD1}">
-              <a14:hiddenFill xmlns:a14="http://schemas.microsoft.com/office/drawing/2010/main" xmlns="">
-                <a:solidFill>
-                  <a:srgbClr val="FFFFFF"/>
-                </a:solidFill>
-              </a14:hiddenFill>
-            </a:ext>
-          </a:extLst>
-        </p:spPr>
-      </p:pic>
-      <p:pic>
-        <p:nvPicPr>
-          <p:cNvPr id="8205" name="Picture 166"/>
-          <p:cNvPicPr>
-            <a:picLocks noChangeAspect="1" noChangeArrowheads="1"/>
-          </p:cNvPicPr>
-          <p:nvPr/>
-        </p:nvPicPr>
-        <p:blipFill>
-          <a:blip r:embed="rId6" cstate="print">
-            <a:extLst>
-              <a:ext uri="{28A0092B-C50C-407E-A947-70E740481C1C}">
-                <a14:useLocalDpi xmlns:a14="http://schemas.microsoft.com/office/drawing/2010/main" xmlns="" val="0"/>
-              </a:ext>
-            </a:extLst>
-          </a:blip>
-          <a:srcRect/>
-          <a:stretch>
-            <a:fillRect/>
-          </a:stretch>
-        </p:blipFill>
-        <p:spPr bwMode="auto">
-          <a:xfrm>
-            <a:off x="2345894" y="4246564"/>
-            <a:ext cx="3522737" cy="1977981"/>
-          </a:xfrm>
-          <a:prstGeom prst="rect">
-            <a:avLst/>
-          </a:prstGeom>
-          <a:noFill/>
-          <a:extLst>
-            <a:ext uri="{909E8E84-426E-40DD-AFC4-6F175D3DCCD1}">
-              <a14:hiddenFill xmlns:a14="http://schemas.microsoft.com/office/drawing/2010/main" xmlns="">
-                <a:solidFill>
-                  <a:srgbClr val="FFFFFF"/>
-                </a:solidFill>
-              </a14:hiddenFill>
-            </a:ext>
-          </a:extLst>
-        </p:spPr>
-      </p:pic>
-      <p:pic>
-        <p:nvPicPr>
-          <p:cNvPr id="8204" name="Picture 139"/>
-          <p:cNvPicPr>
-            <a:picLocks noChangeAspect="1" noChangeArrowheads="1"/>
-          </p:cNvPicPr>
-          <p:nvPr/>
-        </p:nvPicPr>
-        <p:blipFill>
-          <a:blip r:embed="rId7">
-            <a:extLst>
-              <a:ext uri="{28A0092B-C50C-407E-A947-70E740481C1C}">
-                <a14:useLocalDpi xmlns:a14="http://schemas.microsoft.com/office/drawing/2010/main" xmlns="" val="0"/>
-              </a:ext>
-            </a:extLst>
-          </a:blip>
-          <a:srcRect/>
-          <a:stretch>
-            <a:fillRect/>
-          </a:stretch>
-        </p:blipFill>
-        <p:spPr bwMode="auto">
-          <a:xfrm>
-            <a:off x="6091402" y="3751242"/>
-            <a:ext cx="2903538" cy="2781300"/>
-          </a:xfrm>
-          <a:prstGeom prst="rect">
-            <a:avLst/>
-          </a:prstGeom>
-          <a:noFill/>
-          <a:extLst>
-            <a:ext uri="{909E8E84-426E-40DD-AFC4-6F175D3DCCD1}">
-              <a14:hiddenFill xmlns:a14="http://schemas.microsoft.com/office/drawing/2010/main" xmlns="">
-                <a:solidFill>
-                  <a:srgbClr val="FFFFFF"/>
-                </a:solidFill>
-              </a14:hiddenFill>
-            </a:ext>
-          </a:extLst>
-        </p:spPr>
-      </p:pic>
-      <p:sp>
-        <p:nvSpPr>
-          <p:cNvPr id="8" name="Rectangle 18"/>
-          <p:cNvSpPr>
-            <a:spLocks noChangeArrowheads="1"/>
-          </p:cNvSpPr>
-          <p:nvPr/>
-        </p:nvSpPr>
-        <p:spPr bwMode="auto">
-          <a:xfrm>
-            <a:off x="0" y="0"/>
-            <a:ext cx="12192000" cy="457200"/>
-          </a:xfrm>
-          <a:prstGeom prst="rect">
-            <a:avLst/>
-          </a:prstGeom>
-          <a:noFill/>
-          <a:ln>
-            <a:noFill/>
-          </a:ln>
-          <a:effectLst/>
-          <a:extLst>
-            <a:ext uri="{909E8E84-426E-40DD-AFC4-6F175D3DCCD1}">
-              <a14:hiddenFill xmlns:a14="http://schemas.microsoft.com/office/drawing/2010/main" xmlns="">
-                <a:solidFill>
-                  <a:schemeClr val="accent1"/>
-                </a:solidFill>
-              </a14:hiddenFill>
-            </a:ext>
-            <a:ext uri="{91240B29-F687-4F45-9708-019B960494DF}">
-              <a14:hiddenLine xmlns:a14="http://schemas.microsoft.com/office/drawing/2010/main" xmlns="" w="9525">
-                <a:solidFill>
-                  <a:schemeClr val="tx1"/>
-                </a:solidFill>
-                <a:miter lim="800000"/>
-                <a:headEnd/>
-                <a:tailEnd/>
-              </a14:hiddenLine>
-            </a:ext>
-            <a:ext uri="{AF507438-7753-43E0-B8FC-AC1667EBCBE1}">
-              <a14:hiddenEffects xmlns:a14="http://schemas.microsoft.com/office/drawing/2010/main" xmlns="">
-                <a:effectLst>
-                  <a:outerShdw dist="35921" dir="2700000" algn="ctr" rotWithShape="0">
-                    <a:schemeClr val="bg2"/>
-                  </a:outerShdw>
-                </a:effectLst>
-              </a14:hiddenEffects>
-            </a:ext>
-          </a:extLst>
-        </p:spPr>
-        <p:txBody>
-          <a:bodyPr vert="horz" wrap="none" lIns="445947" tIns="0" rIns="0" bIns="0" numCol="1" anchor="ctr" anchorCtr="0" compatLnSpc="1">
-            <a:prstTxWarp prst="textNoShape">
-              <a:avLst/>
-            </a:prstTxWarp>
-            <a:spAutoFit/>
-          </a:bodyPr>
-          <a:lstStyle/>
-          <a:p>
-            <a:pPr marL="0" marR="0" lvl="0" indent="0" algn="l" defTabSz="914400" rtl="0" eaLnBrk="0" fontAlgn="base" latinLnBrk="0" hangingPunct="0">
-              <a:lnSpc>
-                <a:spcPct val="100000"/>
-              </a:lnSpc>
-              <a:spcBef>
-                <a:spcPct val="0"/>
-              </a:spcBef>
-              <a:spcAft>
-                <a:spcPct val="0"/>
-              </a:spcAft>
-              <a:buClrTx/>
-              <a:buSzTx/>
-              <a:buFontTx/>
-              <a:buNone/>
-              <a:tabLst/>
-            </a:pPr>
-            <a:endParaRPr kumimoji="0" lang="en-GB" altLang="en-US" sz="1800" b="0" i="0" u="none" strike="noStrike" cap="none" normalizeH="0" baseline="0" smtClean="0">
-              <a:ln>
-                <a:noFill/>
-              </a:ln>
-              <a:solidFill>
-                <a:schemeClr val="tx1"/>
-              </a:solidFill>
-              <a:effectLst/>
-              <a:latin typeface="Arial" panose="020B0604020202020204" pitchFamily="34" charset="0"/>
-            </a:endParaRPr>
-          </a:p>
-        </p:txBody>
-      </p:sp>
-      <p:sp>
-        <p:nvSpPr>
-          <p:cNvPr id="10" name="Rectangle 19"/>
-          <p:cNvSpPr>
-            <a:spLocks noChangeArrowheads="1"/>
-          </p:cNvSpPr>
-          <p:nvPr/>
-        </p:nvSpPr>
-        <p:spPr bwMode="auto">
-          <a:xfrm>
-            <a:off x="2936457" y="126038"/>
-            <a:ext cx="4167655" cy="1446550"/>
-          </a:xfrm>
-          <a:prstGeom prst="rect">
-            <a:avLst/>
-          </a:prstGeom>
-          <a:noFill/>
-          <a:ln>
-            <a:noFill/>
-          </a:ln>
-          <a:effectLst/>
-          <a:extLst>
-            <a:ext uri="{909E8E84-426E-40DD-AFC4-6F175D3DCCD1}">
-              <a14:hiddenFill xmlns:a14="http://schemas.microsoft.com/office/drawing/2010/main" xmlns="">
-                <a:solidFill>
-                  <a:schemeClr val="accent1"/>
-                </a:solidFill>
-              </a14:hiddenFill>
-            </a:ext>
-            <a:ext uri="{91240B29-F687-4F45-9708-019B960494DF}">
-              <a14:hiddenLine xmlns:a14="http://schemas.microsoft.com/office/drawing/2010/main" xmlns="" w="9525">
-                <a:solidFill>
-                  <a:schemeClr val="tx1"/>
-                </a:solidFill>
-                <a:miter lim="800000"/>
-                <a:headEnd/>
-                <a:tailEnd/>
-              </a14:hiddenLine>
-            </a:ext>
-            <a:ext uri="{AF507438-7753-43E0-B8FC-AC1667EBCBE1}">
-              <a14:hiddenEffects xmlns:a14="http://schemas.microsoft.com/office/drawing/2010/main" xmlns="">
-                <a:effectLst>
-                  <a:outerShdw dist="35921" dir="2700000" algn="ctr" rotWithShape="0">
-                    <a:schemeClr val="bg2"/>
-                  </a:outerShdw>
-                </a:effectLst>
-              </a14:hiddenEffects>
-            </a:ext>
-          </a:extLst>
-        </p:spPr>
-        <p:txBody>
-          <a:bodyPr vert="horz" wrap="square" lIns="91440" tIns="45720" rIns="91440" bIns="45720" numCol="1" anchor="ctr" anchorCtr="0" compatLnSpc="1">
-            <a:prstTxWarp prst="textNoShape">
-              <a:avLst/>
-            </a:prstTxWarp>
-            <a:spAutoFit/>
-          </a:bodyPr>
-          <a:lstStyle/>
-          <a:p>
-            <a:pPr marL="0" marR="0" lvl="0" indent="0" algn="l" defTabSz="914400" rtl="0" eaLnBrk="0" fontAlgn="base" latinLnBrk="0" hangingPunct="0">
-              <a:lnSpc>
-                <a:spcPct val="100000"/>
-              </a:lnSpc>
-              <a:spcBef>
-                <a:spcPct val="0"/>
-              </a:spcBef>
-              <a:spcAft>
-                <a:spcPct val="0"/>
-              </a:spcAft>
-              <a:buClrTx/>
-              <a:buSzTx/>
-              <a:buFontTx/>
-              <a:buNone/>
-              <a:tabLst/>
-            </a:pPr>
-            <a:r>
-              <a:rPr kumimoji="0" lang="en-GB" altLang="en-US" sz="1000" b="0" i="0" u="none" strike="noStrike" cap="none" normalizeH="0" baseline="0" dirty="0" smtClean="0">
-                <a:ln>
-                  <a:noFill/>
-                </a:ln>
-                <a:solidFill>
-                  <a:schemeClr val="tx1"/>
-                </a:solidFill>
-                <a:effectLst/>
-                <a:latin typeface="Arial" panose="020B0604020202020204" pitchFamily="34" charset="0"/>
-                <a:ea typeface="Times New Roman" panose="02020603050405020304" pitchFamily="18" charset="0"/>
-                <a:cs typeface="Arial" panose="020B0604020202020204" pitchFamily="34" charset="0"/>
-              </a:rPr>
-              <a:t> https://docs.aws.amazon.com/iot/latest/developerguide/iot-gs.html </a:t>
-            </a:r>
-            <a:endParaRPr kumimoji="0" lang="en-US" altLang="en-US" sz="800" b="0" i="0" u="none" strike="noStrike" cap="none" normalizeH="0" baseline="0" dirty="0" smtClean="0">
-              <a:ln>
-                <a:noFill/>
-              </a:ln>
-              <a:solidFill>
-                <a:schemeClr val="tx1"/>
-              </a:solidFill>
-              <a:effectLst/>
-            </a:endParaRPr>
-          </a:p>
-          <a:p>
-            <a:pPr marL="0" marR="0" lvl="0" indent="0" algn="l" defTabSz="914400" rtl="0" eaLnBrk="0" fontAlgn="base" latinLnBrk="0" hangingPunct="0">
-              <a:lnSpc>
-                <a:spcPct val="100000"/>
-              </a:lnSpc>
-              <a:spcBef>
-                <a:spcPct val="0"/>
-              </a:spcBef>
-              <a:spcAft>
-                <a:spcPct val="0"/>
-              </a:spcAft>
-              <a:buClrTx/>
-              <a:buSzTx/>
-              <a:buFontTx/>
-              <a:buNone/>
-              <a:tabLst/>
-            </a:pPr>
-            <a:r>
-              <a:rPr kumimoji="0" lang="en-GB" altLang="en-US" sz="1000" b="0" i="0" u="none" strike="noStrike" cap="none" normalizeH="0" baseline="0" dirty="0" smtClean="0">
-                <a:ln>
-                  <a:noFill/>
-                </a:ln>
-                <a:solidFill>
-                  <a:schemeClr val="tx1"/>
-                </a:solidFill>
-                <a:effectLst/>
-                <a:latin typeface="Arial" panose="020B0604020202020204" pitchFamily="34" charset="0"/>
-                <a:ea typeface="Times New Roman" panose="02020603050405020304" pitchFamily="18" charset="0"/>
-                <a:cs typeface="Arial" panose="020B0604020202020204" pitchFamily="34" charset="0"/>
-              </a:rPr>
-              <a:t>Configure the AWS IOT button using the following steps.</a:t>
-            </a:r>
-            <a:endParaRPr kumimoji="0" lang="en-US" altLang="en-US" sz="800" b="0" i="0" u="none" strike="noStrike" cap="none" normalizeH="0" baseline="0" dirty="0" smtClean="0">
-              <a:ln>
-                <a:noFill/>
-              </a:ln>
-              <a:solidFill>
-                <a:schemeClr val="tx1"/>
-              </a:solidFill>
-              <a:effectLst/>
-            </a:endParaRPr>
-          </a:p>
-          <a:p>
-            <a:pPr marL="0" marR="0" lvl="0" indent="0" algn="l" defTabSz="914400" rtl="0" eaLnBrk="0" fontAlgn="base" latinLnBrk="0" hangingPunct="0">
-              <a:lnSpc>
-                <a:spcPct val="100000"/>
-              </a:lnSpc>
-              <a:spcBef>
-                <a:spcPct val="0"/>
-              </a:spcBef>
-              <a:spcAft>
-                <a:spcPct val="0"/>
-              </a:spcAft>
-              <a:buClrTx/>
-              <a:buSzTx/>
-              <a:buFontTx/>
-              <a:buNone/>
-              <a:tabLst/>
-            </a:pPr>
-            <a:r>
-              <a:rPr kumimoji="0" lang="en-GB" altLang="en-US" sz="1000" b="0" i="0" u="none" strike="noStrike" cap="none" normalizeH="0" baseline="0" dirty="0" smtClean="0">
-                <a:ln>
-                  <a:noFill/>
-                </a:ln>
-                <a:solidFill>
-                  <a:schemeClr val="tx1"/>
-                </a:solidFill>
-                <a:effectLst/>
-                <a:latin typeface="Arial" panose="020B0604020202020204" pitchFamily="34" charset="0"/>
-                <a:ea typeface="Times New Roman" panose="02020603050405020304" pitchFamily="18" charset="0"/>
-                <a:cs typeface="Arial" panose="020B0604020202020204" pitchFamily="34" charset="0"/>
-              </a:rPr>
-              <a:t>1) </a:t>
-            </a:r>
-            <a:r>
-              <a:rPr kumimoji="0" lang="en-GB" altLang="en-US" sz="1000" b="0" i="0" u="none" strike="noStrike" cap="none" normalizeH="0" baseline="0" dirty="0" err="1" smtClean="0">
-                <a:ln>
-                  <a:noFill/>
-                </a:ln>
-                <a:solidFill>
-                  <a:schemeClr val="tx1"/>
-                </a:solidFill>
-                <a:effectLst/>
-                <a:latin typeface="Arial" panose="020B0604020202020204" pitchFamily="34" charset="0"/>
-                <a:ea typeface="Times New Roman" panose="02020603050405020304" pitchFamily="18" charset="0"/>
-                <a:cs typeface="Arial" panose="020B0604020202020204" pitchFamily="34" charset="0"/>
-              </a:rPr>
-              <a:t>Creat</a:t>
-            </a:r>
-            <a:r>
-              <a:rPr kumimoji="0" lang="en-GB" altLang="en-US" sz="1000" b="0" i="0" u="none" strike="noStrike" cap="none" normalizeH="0" baseline="0" dirty="0" smtClean="0">
-                <a:ln>
-                  <a:noFill/>
-                </a:ln>
-                <a:solidFill>
-                  <a:schemeClr val="tx1"/>
-                </a:solidFill>
-                <a:effectLst/>
-                <a:latin typeface="Arial" panose="020B0604020202020204" pitchFamily="34" charset="0"/>
-                <a:ea typeface="Times New Roman" panose="02020603050405020304" pitchFamily="18" charset="0"/>
-                <a:cs typeface="Arial" panose="020B0604020202020204" pitchFamily="34" charset="0"/>
-              </a:rPr>
-              <a:t> a thing for the IOT device.</a:t>
-            </a:r>
-            <a:endParaRPr kumimoji="0" lang="en-US" altLang="en-US" sz="800" b="0" i="0" u="none" strike="noStrike" cap="none" normalizeH="0" baseline="0" dirty="0" smtClean="0">
-              <a:ln>
-                <a:noFill/>
-              </a:ln>
-              <a:solidFill>
-                <a:schemeClr val="tx1"/>
-              </a:solidFill>
-              <a:effectLst/>
-            </a:endParaRPr>
-          </a:p>
-          <a:p>
-            <a:pPr marL="0" marR="0" lvl="0" indent="0" algn="l" defTabSz="914400" rtl="0" eaLnBrk="0" fontAlgn="base" latinLnBrk="0" hangingPunct="0">
-              <a:lnSpc>
-                <a:spcPct val="100000"/>
-              </a:lnSpc>
-              <a:spcBef>
-                <a:spcPct val="0"/>
-              </a:spcBef>
-              <a:spcAft>
-                <a:spcPct val="0"/>
-              </a:spcAft>
-              <a:buClrTx/>
-              <a:buSzTx/>
-              <a:buFontTx/>
-              <a:buNone/>
-              <a:tabLst/>
-            </a:pPr>
-            <a:r>
-              <a:rPr kumimoji="0" lang="en-GB" altLang="en-US" sz="1000" b="0" i="0" u="none" strike="noStrike" cap="none" normalizeH="0" baseline="0" dirty="0" smtClean="0">
-                <a:ln>
-                  <a:noFill/>
-                </a:ln>
-                <a:solidFill>
-                  <a:schemeClr val="tx1"/>
-                </a:solidFill>
-                <a:effectLst/>
-                <a:latin typeface="Arial" panose="020B0604020202020204" pitchFamily="34" charset="0"/>
-                <a:ea typeface="Times New Roman" panose="02020603050405020304" pitchFamily="18" charset="0"/>
-                <a:cs typeface="Arial" panose="020B0604020202020204" pitchFamily="34" charset="0"/>
-              </a:rPr>
-              <a:t>2) Create a certificate.</a:t>
-            </a:r>
-            <a:endParaRPr kumimoji="0" lang="en-US" altLang="en-US" sz="800" b="0" i="0" u="none" strike="noStrike" cap="none" normalizeH="0" baseline="0" dirty="0" smtClean="0">
-              <a:ln>
-                <a:noFill/>
-              </a:ln>
-              <a:solidFill>
-                <a:schemeClr val="tx1"/>
-              </a:solidFill>
-              <a:effectLst/>
-            </a:endParaRPr>
-          </a:p>
-          <a:p>
-            <a:pPr marL="0" marR="0" lvl="0" indent="0" algn="l" defTabSz="914400" rtl="0" eaLnBrk="0" fontAlgn="base" latinLnBrk="0" hangingPunct="0">
-              <a:lnSpc>
-                <a:spcPct val="100000"/>
-              </a:lnSpc>
-              <a:spcBef>
-                <a:spcPct val="0"/>
-              </a:spcBef>
-              <a:spcAft>
-                <a:spcPct val="0"/>
-              </a:spcAft>
-              <a:buClrTx/>
-              <a:buSzTx/>
-              <a:buFontTx/>
-              <a:buNone/>
-              <a:tabLst/>
-            </a:pPr>
-            <a:r>
-              <a:rPr kumimoji="0" lang="en-GB" altLang="en-US" sz="1000" b="0" i="0" u="none" strike="noStrike" cap="none" normalizeH="0" baseline="0" dirty="0" smtClean="0">
-                <a:ln>
-                  <a:noFill/>
-                </a:ln>
-                <a:solidFill>
-                  <a:schemeClr val="tx1"/>
-                </a:solidFill>
-                <a:effectLst/>
-                <a:latin typeface="Arial" panose="020B0604020202020204" pitchFamily="34" charset="0"/>
-                <a:ea typeface="Times New Roman" panose="02020603050405020304" pitchFamily="18" charset="0"/>
-                <a:cs typeface="Arial" panose="020B0604020202020204" pitchFamily="34" charset="0"/>
-              </a:rPr>
-              <a:t>3) Associate a policy.</a:t>
-            </a:r>
-            <a:endParaRPr kumimoji="0" lang="en-US" altLang="en-US" sz="800" b="0" i="0" u="none" strike="noStrike" cap="none" normalizeH="0" baseline="0" dirty="0" smtClean="0">
-              <a:ln>
-                <a:noFill/>
-              </a:ln>
-              <a:solidFill>
-                <a:schemeClr val="tx1"/>
-              </a:solidFill>
-              <a:effectLst/>
-            </a:endParaRPr>
-          </a:p>
-          <a:p>
-            <a:pPr marL="0" marR="0" lvl="0" indent="0" algn="l" defTabSz="914400" rtl="0" eaLnBrk="0" fontAlgn="base" latinLnBrk="0" hangingPunct="0">
-              <a:lnSpc>
-                <a:spcPct val="100000"/>
-              </a:lnSpc>
-              <a:spcBef>
-                <a:spcPct val="0"/>
-              </a:spcBef>
-              <a:spcAft>
-                <a:spcPct val="0"/>
-              </a:spcAft>
-              <a:buClrTx/>
-              <a:buSzTx/>
-              <a:buFontTx/>
-              <a:buNone/>
-              <a:tabLst/>
-            </a:pPr>
-            <a:r>
-              <a:rPr kumimoji="0" lang="en-GB" altLang="en-US" sz="1000" b="0" i="0" u="none" strike="noStrike" cap="none" normalizeH="0" baseline="0" dirty="0" smtClean="0">
-                <a:ln>
-                  <a:noFill/>
-                </a:ln>
-                <a:solidFill>
-                  <a:schemeClr val="tx1"/>
-                </a:solidFill>
-                <a:effectLst/>
-                <a:latin typeface="Arial" panose="020B0604020202020204" pitchFamily="34" charset="0"/>
-                <a:ea typeface="Times New Roman" panose="02020603050405020304" pitchFamily="18" charset="0"/>
-                <a:cs typeface="Arial" panose="020B0604020202020204" pitchFamily="34" charset="0"/>
-              </a:rPr>
-              <a:t>4) </a:t>
-            </a:r>
-            <a:r>
-              <a:rPr kumimoji="0" lang="en-GB" altLang="en-US" sz="1000" b="0" i="0" u="none" strike="noStrike" cap="none" normalizeH="0" baseline="0" dirty="0" err="1" smtClean="0">
-                <a:ln>
-                  <a:noFill/>
-                </a:ln>
-                <a:solidFill>
-                  <a:schemeClr val="tx1"/>
-                </a:solidFill>
-                <a:effectLst/>
-                <a:latin typeface="Arial" panose="020B0604020202020204" pitchFamily="34" charset="0"/>
-                <a:ea typeface="Times New Roman" panose="02020603050405020304" pitchFamily="18" charset="0"/>
-                <a:cs typeface="Arial" panose="020B0604020202020204" pitchFamily="34" charset="0"/>
-              </a:rPr>
-              <a:t>assocate</a:t>
-            </a:r>
-            <a:r>
-              <a:rPr kumimoji="0" lang="en-GB" altLang="en-US" sz="1000" b="0" i="0" u="none" strike="noStrike" cap="none" normalizeH="0" baseline="0" dirty="0" smtClean="0">
-                <a:ln>
-                  <a:noFill/>
-                </a:ln>
-                <a:solidFill>
-                  <a:schemeClr val="tx1"/>
-                </a:solidFill>
-                <a:effectLst/>
-                <a:latin typeface="Arial" panose="020B0604020202020204" pitchFamily="34" charset="0"/>
-                <a:ea typeface="Times New Roman" panose="02020603050405020304" pitchFamily="18" charset="0"/>
-                <a:cs typeface="Arial" panose="020B0604020202020204" pitchFamily="34" charset="0"/>
-              </a:rPr>
-              <a:t> all three together.</a:t>
-            </a:r>
-            <a:endParaRPr kumimoji="0" lang="en-US" altLang="en-US" sz="800" b="0" i="0" u="none" strike="noStrike" cap="none" normalizeH="0" baseline="0" dirty="0" smtClean="0">
-              <a:ln>
-                <a:noFill/>
-              </a:ln>
-              <a:solidFill>
-                <a:schemeClr val="tx1"/>
-              </a:solidFill>
-              <a:effectLst/>
-            </a:endParaRPr>
-          </a:p>
-          <a:p>
-            <a:pPr marL="0" marR="0" lvl="0" indent="0" algn="l" defTabSz="914400" rtl="0" eaLnBrk="0" fontAlgn="base" latinLnBrk="0" hangingPunct="0">
-              <a:lnSpc>
-                <a:spcPct val="100000"/>
-              </a:lnSpc>
-              <a:spcBef>
-                <a:spcPct val="0"/>
-              </a:spcBef>
-              <a:spcAft>
-                <a:spcPct val="0"/>
-              </a:spcAft>
-              <a:buClrTx/>
-              <a:buSzTx/>
-              <a:buFontTx/>
-              <a:buNone/>
-              <a:tabLst/>
-            </a:pPr>
-            <a:r>
-              <a:rPr kumimoji="0" lang="en-GB" altLang="en-US" sz="1000" b="0" i="0" u="none" strike="noStrike" cap="none" normalizeH="0" baseline="0" dirty="0" smtClean="0">
-                <a:ln>
-                  <a:noFill/>
-                </a:ln>
-                <a:solidFill>
-                  <a:schemeClr val="tx1"/>
-                </a:solidFill>
-                <a:effectLst/>
-                <a:latin typeface="Arial" panose="020B0604020202020204" pitchFamily="34" charset="0"/>
-                <a:ea typeface="Times New Roman" panose="02020603050405020304" pitchFamily="18" charset="0"/>
-                <a:cs typeface="Arial" panose="020B0604020202020204" pitchFamily="34" charset="0"/>
-              </a:rPr>
-              <a:t>5) Configure the button.</a:t>
-            </a:r>
-            <a:endParaRPr kumimoji="0" lang="en-US" altLang="en-US" sz="800" b="0" i="0" u="none" strike="noStrike" cap="none" normalizeH="0" baseline="0" dirty="0" smtClean="0">
-              <a:ln>
-                <a:noFill/>
-              </a:ln>
-              <a:solidFill>
-                <a:schemeClr val="tx1"/>
-              </a:solidFill>
-              <a:effectLst/>
-            </a:endParaRPr>
-          </a:p>
-          <a:p>
-            <a:pPr marL="0" marR="0" lvl="0" indent="0" algn="l" defTabSz="914400" rtl="0" eaLnBrk="0" fontAlgn="base" latinLnBrk="0" hangingPunct="0">
-              <a:lnSpc>
-                <a:spcPct val="100000"/>
-              </a:lnSpc>
-              <a:spcBef>
-                <a:spcPct val="0"/>
-              </a:spcBef>
-              <a:spcAft>
-                <a:spcPct val="0"/>
-              </a:spcAft>
-              <a:buClrTx/>
-              <a:buSzTx/>
-              <a:buFontTx/>
-              <a:buNone/>
-              <a:tabLst/>
-            </a:pPr>
-            <a:endParaRPr kumimoji="0" lang="en-US" altLang="en-US" sz="1800" b="0" i="0" u="none" strike="noStrike" cap="none" normalizeH="0" baseline="0" dirty="0" smtClean="0">
-              <a:ln>
-                <a:noFill/>
-              </a:ln>
-              <a:solidFill>
-                <a:schemeClr val="tx1"/>
-              </a:solidFill>
-              <a:effectLst/>
-              <a:latin typeface="Arial" panose="020B0604020202020204" pitchFamily="34" charset="0"/>
-            </a:endParaRPr>
-          </a:p>
-        </p:txBody>
-      </p:sp>
-      <p:sp>
-        <p:nvSpPr>
-          <p:cNvPr id="12" name="Rectangle 20"/>
-          <p:cNvSpPr>
-            <a:spLocks noChangeArrowheads="1"/>
-          </p:cNvSpPr>
-          <p:nvPr/>
-        </p:nvSpPr>
-        <p:spPr bwMode="auto">
-          <a:xfrm>
-            <a:off x="92075" y="5087938"/>
-            <a:ext cx="12192000" cy="0"/>
-          </a:xfrm>
-          <a:prstGeom prst="rect">
-            <a:avLst/>
-          </a:prstGeom>
-          <a:noFill/>
-          <a:ln>
-            <a:noFill/>
-          </a:ln>
-          <a:effectLst/>
-          <a:extLst>
-            <a:ext uri="{909E8E84-426E-40DD-AFC4-6F175D3DCCD1}">
-              <a14:hiddenFill xmlns:a14="http://schemas.microsoft.com/office/drawing/2010/main" xmlns="">
-                <a:solidFill>
-                  <a:schemeClr val="accent1"/>
-                </a:solidFill>
-              </a14:hiddenFill>
-            </a:ext>
-            <a:ext uri="{91240B29-F687-4F45-9708-019B960494DF}">
-              <a14:hiddenLine xmlns:a14="http://schemas.microsoft.com/office/drawing/2010/main" xmlns="" w="9525">
-                <a:solidFill>
-                  <a:schemeClr val="tx1"/>
-                </a:solidFill>
-                <a:miter lim="800000"/>
-                <a:headEnd/>
-                <a:tailEnd/>
-              </a14:hiddenLine>
-            </a:ext>
-            <a:ext uri="{AF507438-7753-43E0-B8FC-AC1667EBCBE1}">
-              <a14:hiddenEffects xmlns:a14="http://schemas.microsoft.com/office/drawing/2010/main" xmlns="">
-                <a:effectLst>
-                  <a:outerShdw dist="35921" dir="2700000" algn="ctr" rotWithShape="0">
-                    <a:schemeClr val="bg2"/>
-                  </a:outerShdw>
-                </a:effectLst>
-              </a14:hiddenEffects>
-            </a:ext>
-          </a:extLst>
-        </p:spPr>
-        <p:txBody>
-          <a:bodyPr vert="horz" wrap="none" lIns="91440" tIns="45720" rIns="91440" bIns="45720" numCol="1" anchor="ctr" anchorCtr="0" compatLnSpc="1">
-            <a:prstTxWarp prst="textNoShape">
-              <a:avLst/>
-            </a:prstTxWarp>
-            <a:spAutoFit/>
-          </a:bodyPr>
-          <a:lstStyle/>
-          <a:p>
-            <a:endParaRPr lang="en-US"/>
-          </a:p>
-        </p:txBody>
-      </p:sp>
-      <p:sp>
-        <p:nvSpPr>
-          <p:cNvPr id="13" name="Rectangle 21"/>
-          <p:cNvSpPr>
-            <a:spLocks noChangeArrowheads="1"/>
-          </p:cNvSpPr>
-          <p:nvPr/>
-        </p:nvSpPr>
-        <p:spPr bwMode="auto">
-          <a:xfrm>
-            <a:off x="92075" y="6840538"/>
-            <a:ext cx="12192000" cy="0"/>
-          </a:xfrm>
-          <a:prstGeom prst="rect">
-            <a:avLst/>
-          </a:prstGeom>
-          <a:noFill/>
-          <a:ln>
-            <a:noFill/>
-          </a:ln>
-          <a:effectLst/>
-          <a:extLst>
-            <a:ext uri="{909E8E84-426E-40DD-AFC4-6F175D3DCCD1}">
-              <a14:hiddenFill xmlns:a14="http://schemas.microsoft.com/office/drawing/2010/main" xmlns="">
-                <a:solidFill>
-                  <a:schemeClr val="accent1"/>
-                </a:solidFill>
-              </a14:hiddenFill>
-            </a:ext>
-            <a:ext uri="{91240B29-F687-4F45-9708-019B960494DF}">
-              <a14:hiddenLine xmlns:a14="http://schemas.microsoft.com/office/drawing/2010/main" xmlns="" w="9525">
-                <a:solidFill>
-                  <a:schemeClr val="tx1"/>
-                </a:solidFill>
-                <a:miter lim="800000"/>
-                <a:headEnd/>
-                <a:tailEnd/>
-              </a14:hiddenLine>
-            </a:ext>
-            <a:ext uri="{AF507438-7753-43E0-B8FC-AC1667EBCBE1}">
-              <a14:hiddenEffects xmlns:a14="http://schemas.microsoft.com/office/drawing/2010/main" xmlns="">
-                <a:effectLst>
-                  <a:outerShdw dist="35921" dir="2700000" algn="ctr" rotWithShape="0">
-                    <a:schemeClr val="bg2"/>
-                  </a:outerShdw>
-                </a:effectLst>
-              </a14:hiddenEffects>
-            </a:ext>
-          </a:extLst>
-        </p:spPr>
-        <p:txBody>
-          <a:bodyPr vert="horz" wrap="none" lIns="91440" tIns="45720" rIns="91440" bIns="45720" numCol="1" anchor="ctr" anchorCtr="0" compatLnSpc="1">
-            <a:prstTxWarp prst="textNoShape">
-              <a:avLst/>
-            </a:prstTxWarp>
-            <a:spAutoFit/>
-          </a:bodyPr>
-          <a:lstStyle/>
-          <a:p>
-            <a:endParaRPr lang="en-US"/>
-          </a:p>
-        </p:txBody>
-      </p:sp>
-      <p:sp>
-        <p:nvSpPr>
-          <p:cNvPr id="14" name="Rectangle 22"/>
-          <p:cNvSpPr>
-            <a:spLocks noChangeArrowheads="1"/>
-          </p:cNvSpPr>
-          <p:nvPr/>
-        </p:nvSpPr>
-        <p:spPr bwMode="auto">
-          <a:xfrm>
-            <a:off x="92075" y="9888538"/>
-            <a:ext cx="12192000" cy="0"/>
-          </a:xfrm>
-          <a:prstGeom prst="rect">
-            <a:avLst/>
-          </a:prstGeom>
-          <a:noFill/>
-          <a:ln>
-            <a:noFill/>
-          </a:ln>
-          <a:effectLst/>
-          <a:extLst>
-            <a:ext uri="{909E8E84-426E-40DD-AFC4-6F175D3DCCD1}">
-              <a14:hiddenFill xmlns:a14="http://schemas.microsoft.com/office/drawing/2010/main" xmlns="">
-                <a:solidFill>
-                  <a:schemeClr val="accent1"/>
-                </a:solidFill>
-              </a14:hiddenFill>
-            </a:ext>
-            <a:ext uri="{91240B29-F687-4F45-9708-019B960494DF}">
-              <a14:hiddenLine xmlns:a14="http://schemas.microsoft.com/office/drawing/2010/main" xmlns="" w="9525">
-                <a:solidFill>
-                  <a:schemeClr val="tx1"/>
-                </a:solidFill>
-                <a:miter lim="800000"/>
-                <a:headEnd/>
-                <a:tailEnd/>
-              </a14:hiddenLine>
-            </a:ext>
-            <a:ext uri="{AF507438-7753-43E0-B8FC-AC1667EBCBE1}">
-              <a14:hiddenEffects xmlns:a14="http://schemas.microsoft.com/office/drawing/2010/main" xmlns="">
-                <a:effectLst>
-                  <a:outerShdw dist="35921" dir="2700000" algn="ctr" rotWithShape="0">
-                    <a:schemeClr val="bg2"/>
-                  </a:outerShdw>
-                </a:effectLst>
-              </a14:hiddenEffects>
-            </a:ext>
-          </a:extLst>
-        </p:spPr>
-        <p:txBody>
-          <a:bodyPr vert="horz" wrap="none" lIns="91440" tIns="45720" rIns="91440" bIns="45720" numCol="1" anchor="ctr" anchorCtr="0" compatLnSpc="1">
-            <a:prstTxWarp prst="textNoShape">
-              <a:avLst/>
-            </a:prstTxWarp>
-            <a:spAutoFit/>
-          </a:bodyPr>
-          <a:lstStyle/>
-          <a:p>
-            <a:pPr marL="0" marR="0" lvl="0" indent="0" algn="l" defTabSz="914400" rtl="0" eaLnBrk="0" fontAlgn="base" latinLnBrk="0" hangingPunct="0">
-              <a:lnSpc>
-                <a:spcPct val="100000"/>
-              </a:lnSpc>
-              <a:spcBef>
-                <a:spcPct val="0"/>
-              </a:spcBef>
-              <a:spcAft>
-                <a:spcPct val="0"/>
-              </a:spcAft>
-              <a:buClrTx/>
-              <a:buSzTx/>
-              <a:buFontTx/>
-              <a:buNone/>
-              <a:tabLst/>
-            </a:pPr>
-            <a:r>
-              <a:rPr kumimoji="0" lang="en-GB" altLang="en-US" sz="1000" b="0" i="0" u="none" strike="noStrike" cap="none" normalizeH="0" baseline="0" smtClean="0">
-                <a:ln>
-                  <a:noFill/>
-                </a:ln>
-                <a:solidFill>
-                  <a:schemeClr val="tx1"/>
-                </a:solidFill>
-                <a:effectLst/>
-                <a:latin typeface="Arial" panose="020B0604020202020204" pitchFamily="34" charset="0"/>
-                <a:ea typeface="Times New Roman" panose="02020603050405020304" pitchFamily="18" charset="0"/>
-                <a:cs typeface="Arial" panose="020B0604020202020204" pitchFamily="34" charset="0"/>
-              </a:rPr>
-              <a:t> </a:t>
-            </a:r>
-            <a:endParaRPr kumimoji="0" lang="en-GB" altLang="en-US" sz="1800" b="0" i="0" u="none" strike="noStrike" cap="none" normalizeH="0" baseline="0" smtClean="0">
-              <a:ln>
-                <a:noFill/>
-              </a:ln>
-              <a:solidFill>
-                <a:schemeClr val="tx1"/>
-              </a:solidFill>
-              <a:effectLst/>
-              <a:latin typeface="Arial" panose="020B0604020202020204" pitchFamily="34" charset="0"/>
-            </a:endParaRPr>
-          </a:p>
-        </p:txBody>
-      </p:sp>
-      <p:sp>
-        <p:nvSpPr>
-          <p:cNvPr id="17" name="Rectangle 25"/>
-          <p:cNvSpPr>
-            <a:spLocks noChangeArrowheads="1"/>
-          </p:cNvSpPr>
-          <p:nvPr/>
-        </p:nvSpPr>
-        <p:spPr bwMode="auto">
-          <a:xfrm>
-            <a:off x="92075" y="15663863"/>
-            <a:ext cx="12192000" cy="0"/>
-          </a:xfrm>
-          <a:prstGeom prst="rect">
-            <a:avLst/>
-          </a:prstGeom>
-          <a:noFill/>
-          <a:ln>
-            <a:noFill/>
-          </a:ln>
-          <a:effectLst/>
-          <a:extLst>
-            <a:ext uri="{909E8E84-426E-40DD-AFC4-6F175D3DCCD1}">
-              <a14:hiddenFill xmlns:a14="http://schemas.microsoft.com/office/drawing/2010/main" xmlns="">
-                <a:solidFill>
-                  <a:schemeClr val="accent1"/>
-                </a:solidFill>
-              </a14:hiddenFill>
-            </a:ext>
-            <a:ext uri="{91240B29-F687-4F45-9708-019B960494DF}">
-              <a14:hiddenLine xmlns:a14="http://schemas.microsoft.com/office/drawing/2010/main" xmlns="" w="9525">
-                <a:solidFill>
-                  <a:schemeClr val="tx1"/>
-                </a:solidFill>
-                <a:miter lim="800000"/>
-                <a:headEnd/>
-                <a:tailEnd/>
-              </a14:hiddenLine>
-            </a:ext>
-            <a:ext uri="{AF507438-7753-43E0-B8FC-AC1667EBCBE1}">
-              <a14:hiddenEffects xmlns:a14="http://schemas.microsoft.com/office/drawing/2010/main" xmlns="">
-                <a:effectLst>
-                  <a:outerShdw dist="35921" dir="2700000" algn="ctr" rotWithShape="0">
-                    <a:schemeClr val="bg2"/>
-                  </a:outerShdw>
-                </a:effectLst>
-              </a14:hiddenEffects>
-            </a:ext>
-          </a:extLst>
-        </p:spPr>
-        <p:txBody>
-          <a:bodyPr vert="horz" wrap="none" lIns="91440" tIns="45720" rIns="91440" bIns="45720" numCol="1" anchor="ctr" anchorCtr="0" compatLnSpc="1">
-            <a:prstTxWarp prst="textNoShape">
-              <a:avLst/>
-            </a:prstTxWarp>
-            <a:spAutoFit/>
-          </a:bodyPr>
-          <a:lstStyle/>
-          <a:p>
-            <a:endParaRPr lang="en-US"/>
-          </a:p>
-        </p:txBody>
-      </p:sp>
-      <p:sp>
-        <p:nvSpPr>
-          <p:cNvPr id="20" name="Rectangle 28"/>
-          <p:cNvSpPr>
-            <a:spLocks noChangeArrowheads="1"/>
-          </p:cNvSpPr>
-          <p:nvPr/>
-        </p:nvSpPr>
-        <p:spPr bwMode="auto">
-          <a:xfrm>
-            <a:off x="92075" y="24960263"/>
-            <a:ext cx="12192000" cy="0"/>
-          </a:xfrm>
-          <a:prstGeom prst="rect">
-            <a:avLst/>
-          </a:prstGeom>
-          <a:noFill/>
-          <a:ln>
-            <a:noFill/>
-          </a:ln>
-          <a:effectLst/>
-          <a:extLst>
-            <a:ext uri="{909E8E84-426E-40DD-AFC4-6F175D3DCCD1}">
-              <a14:hiddenFill xmlns:a14="http://schemas.microsoft.com/office/drawing/2010/main" xmlns="">
-                <a:solidFill>
-                  <a:schemeClr val="accent1"/>
-                </a:solidFill>
-              </a14:hiddenFill>
-            </a:ext>
-            <a:ext uri="{91240B29-F687-4F45-9708-019B960494DF}">
-              <a14:hiddenLine xmlns:a14="http://schemas.microsoft.com/office/drawing/2010/main" xmlns="" w="9525">
-                <a:solidFill>
-                  <a:schemeClr val="tx1"/>
-                </a:solidFill>
-                <a:miter lim="800000"/>
-                <a:headEnd/>
-                <a:tailEnd/>
-              </a14:hiddenLine>
-            </a:ext>
-            <a:ext uri="{AF507438-7753-43E0-B8FC-AC1667EBCBE1}">
-              <a14:hiddenEffects xmlns:a14="http://schemas.microsoft.com/office/drawing/2010/main" xmlns="">
-                <a:effectLst>
-                  <a:outerShdw dist="35921" dir="2700000" algn="ctr" rotWithShape="0">
-                    <a:schemeClr val="bg2"/>
-                  </a:outerShdw>
-                </a:effectLst>
-              </a14:hiddenEffects>
-            </a:ext>
-          </a:extLst>
-        </p:spPr>
-        <p:txBody>
-          <a:bodyPr vert="horz" wrap="none" lIns="91440" tIns="45720" rIns="91440" bIns="45720" numCol="1" anchor="ctr" anchorCtr="0" compatLnSpc="1">
-            <a:prstTxWarp prst="textNoShape">
-              <a:avLst/>
-            </a:prstTxWarp>
-            <a:spAutoFit/>
-          </a:bodyPr>
-          <a:lstStyle/>
-          <a:p>
-            <a:pPr marL="0" marR="0" lvl="0" indent="0" algn="l" defTabSz="914400" rtl="0" eaLnBrk="0" fontAlgn="base" latinLnBrk="0" hangingPunct="0">
-              <a:lnSpc>
-                <a:spcPct val="100000"/>
-              </a:lnSpc>
-              <a:spcBef>
-                <a:spcPct val="0"/>
-              </a:spcBef>
-              <a:spcAft>
-                <a:spcPct val="0"/>
-              </a:spcAft>
-              <a:buClrTx/>
-              <a:buSzTx/>
-              <a:buFontTx/>
-              <a:buNone/>
-              <a:tabLst/>
-            </a:pPr>
-            <a:r>
-              <a:rPr kumimoji="0" lang="en-GB" altLang="en-US" sz="1000" b="0" i="0" u="none" strike="noStrike" cap="none" normalizeH="0" baseline="0" smtClean="0">
-                <a:ln>
-                  <a:noFill/>
-                </a:ln>
-                <a:solidFill>
-                  <a:schemeClr val="tx1"/>
-                </a:solidFill>
-                <a:effectLst/>
-                <a:latin typeface="Arial" panose="020B0604020202020204" pitchFamily="34" charset="0"/>
-                <a:ea typeface="Times New Roman" panose="02020603050405020304" pitchFamily="18" charset="0"/>
-                <a:cs typeface="Arial" panose="020B0604020202020204" pitchFamily="34" charset="0"/>
-              </a:rPr>
-              <a:t> </a:t>
-            </a:r>
-            <a:endParaRPr kumimoji="0" lang="en-GB" altLang="en-US" sz="1800" b="0" i="0" u="none" strike="noStrike" cap="none" normalizeH="0" baseline="0" smtClean="0">
-              <a:ln>
-                <a:noFill/>
-              </a:ln>
-              <a:solidFill>
-                <a:schemeClr val="tx1"/>
-              </a:solidFill>
-              <a:effectLst/>
-              <a:latin typeface="Arial" panose="020B0604020202020204" pitchFamily="34" charset="0"/>
-            </a:endParaRPr>
-          </a:p>
-        </p:txBody>
-      </p:sp>
-      <p:sp>
-        <p:nvSpPr>
-          <p:cNvPr id="21" name="Rectangle 29"/>
-          <p:cNvSpPr>
-            <a:spLocks noChangeArrowheads="1"/>
-          </p:cNvSpPr>
-          <p:nvPr/>
-        </p:nvSpPr>
-        <p:spPr bwMode="auto">
-          <a:xfrm>
-            <a:off x="92075" y="26133425"/>
-            <a:ext cx="12192000" cy="0"/>
-          </a:xfrm>
-          <a:prstGeom prst="rect">
-            <a:avLst/>
-          </a:prstGeom>
-          <a:noFill/>
-          <a:ln>
-            <a:noFill/>
-          </a:ln>
-          <a:effectLst/>
-          <a:extLst>
-            <a:ext uri="{909E8E84-426E-40DD-AFC4-6F175D3DCCD1}">
-              <a14:hiddenFill xmlns:a14="http://schemas.microsoft.com/office/drawing/2010/main" xmlns="">
-                <a:solidFill>
-                  <a:schemeClr val="accent1"/>
-                </a:solidFill>
-              </a14:hiddenFill>
-            </a:ext>
-            <a:ext uri="{91240B29-F687-4F45-9708-019B960494DF}">
-              <a14:hiddenLine xmlns:a14="http://schemas.microsoft.com/office/drawing/2010/main" xmlns="" w="9525">
-                <a:solidFill>
-                  <a:schemeClr val="tx1"/>
-                </a:solidFill>
-                <a:miter lim="800000"/>
-                <a:headEnd/>
-                <a:tailEnd/>
-              </a14:hiddenLine>
-            </a:ext>
-            <a:ext uri="{AF507438-7753-43E0-B8FC-AC1667EBCBE1}">
-              <a14:hiddenEffects xmlns:a14="http://schemas.microsoft.com/office/drawing/2010/main" xmlns="">
-                <a:effectLst>
-                  <a:outerShdw dist="35921" dir="2700000" algn="ctr" rotWithShape="0">
-                    <a:schemeClr val="bg2"/>
-                  </a:outerShdw>
-                </a:effectLst>
-              </a14:hiddenEffects>
-            </a:ext>
-          </a:extLst>
-        </p:spPr>
-        <p:txBody>
-          <a:bodyPr vert="horz" wrap="none" lIns="91440" tIns="45720" rIns="91440" bIns="45720" numCol="1" anchor="ctr" anchorCtr="0" compatLnSpc="1">
-            <a:prstTxWarp prst="textNoShape">
-              <a:avLst/>
-            </a:prstTxWarp>
-            <a:spAutoFit/>
-          </a:bodyPr>
-          <a:lstStyle/>
-          <a:p>
-            <a:endParaRPr lang="en-US"/>
-          </a:p>
-        </p:txBody>
-      </p:sp>
-      <p:sp>
-        <p:nvSpPr>
-          <p:cNvPr id="25" name="Rectangle 33"/>
-          <p:cNvSpPr>
-            <a:spLocks noChangeArrowheads="1"/>
-          </p:cNvSpPr>
-          <p:nvPr/>
-        </p:nvSpPr>
-        <p:spPr bwMode="auto">
-          <a:xfrm>
-            <a:off x="92075" y="37860288"/>
-            <a:ext cx="12192000" cy="0"/>
-          </a:xfrm>
-          <a:prstGeom prst="rect">
-            <a:avLst/>
-          </a:prstGeom>
-          <a:noFill/>
-          <a:ln>
-            <a:noFill/>
-          </a:ln>
-          <a:effectLst/>
-          <a:extLst>
-            <a:ext uri="{909E8E84-426E-40DD-AFC4-6F175D3DCCD1}">
-              <a14:hiddenFill xmlns:a14="http://schemas.microsoft.com/office/drawing/2010/main" xmlns="">
-                <a:solidFill>
-                  <a:schemeClr val="accent1"/>
-                </a:solidFill>
-              </a14:hiddenFill>
-            </a:ext>
-            <a:ext uri="{91240B29-F687-4F45-9708-019B960494DF}">
-              <a14:hiddenLine xmlns:a14="http://schemas.microsoft.com/office/drawing/2010/main" xmlns="" w="9525">
-                <a:solidFill>
-                  <a:schemeClr val="tx1"/>
-                </a:solidFill>
-                <a:miter lim="800000"/>
-                <a:headEnd/>
-                <a:tailEnd/>
-              </a14:hiddenLine>
-            </a:ext>
-            <a:ext uri="{AF507438-7753-43E0-B8FC-AC1667EBCBE1}">
-              <a14:hiddenEffects xmlns:a14="http://schemas.microsoft.com/office/drawing/2010/main" xmlns="">
-                <a:effectLst>
-                  <a:outerShdw dist="35921" dir="2700000" algn="ctr" rotWithShape="0">
-                    <a:schemeClr val="bg2"/>
-                  </a:outerShdw>
-                </a:effectLst>
-              </a14:hiddenEffects>
-            </a:ext>
-          </a:extLst>
-        </p:spPr>
-        <p:txBody>
-          <a:bodyPr vert="horz" wrap="none" lIns="91440" tIns="45720" rIns="91440" bIns="45720" numCol="1" anchor="ctr" anchorCtr="0" compatLnSpc="1">
-            <a:prstTxWarp prst="textNoShape">
-              <a:avLst/>
-            </a:prstTxWarp>
-            <a:spAutoFit/>
-          </a:bodyPr>
-          <a:lstStyle/>
-          <a:p>
-            <a:endParaRPr lang="en-US"/>
-          </a:p>
-        </p:txBody>
-      </p:sp>
-      <p:sp>
-        <p:nvSpPr>
-          <p:cNvPr id="27" name="Rectangle 35"/>
-          <p:cNvSpPr>
-            <a:spLocks noChangeArrowheads="1"/>
-          </p:cNvSpPr>
-          <p:nvPr/>
-        </p:nvSpPr>
-        <p:spPr bwMode="auto">
-          <a:xfrm>
-            <a:off x="92075" y="42341800"/>
-            <a:ext cx="12192000" cy="0"/>
-          </a:xfrm>
-          <a:prstGeom prst="rect">
-            <a:avLst/>
-          </a:prstGeom>
-          <a:noFill/>
-          <a:ln>
-            <a:noFill/>
-          </a:ln>
-          <a:effectLst/>
-          <a:extLst>
-            <a:ext uri="{909E8E84-426E-40DD-AFC4-6F175D3DCCD1}">
-              <a14:hiddenFill xmlns:a14="http://schemas.microsoft.com/office/drawing/2010/main" xmlns="">
-                <a:solidFill>
-                  <a:schemeClr val="accent1"/>
-                </a:solidFill>
-              </a14:hiddenFill>
-            </a:ext>
-            <a:ext uri="{91240B29-F687-4F45-9708-019B960494DF}">
-              <a14:hiddenLine xmlns:a14="http://schemas.microsoft.com/office/drawing/2010/main" xmlns="" w="9525">
-                <a:solidFill>
-                  <a:schemeClr val="tx1"/>
-                </a:solidFill>
-                <a:miter lim="800000"/>
-                <a:headEnd/>
-                <a:tailEnd/>
-              </a14:hiddenLine>
-            </a:ext>
-            <a:ext uri="{AF507438-7753-43E0-B8FC-AC1667EBCBE1}">
-              <a14:hiddenEffects xmlns:a14="http://schemas.microsoft.com/office/drawing/2010/main" xmlns="">
-                <a:effectLst>
-                  <a:outerShdw dist="35921" dir="2700000" algn="ctr" rotWithShape="0">
-                    <a:schemeClr val="bg2"/>
-                  </a:outerShdw>
-                </a:effectLst>
-              </a14:hiddenEffects>
-            </a:ext>
-          </a:extLst>
-        </p:spPr>
-        <p:txBody>
-          <a:bodyPr vert="horz" wrap="none" lIns="91440" tIns="45720" rIns="91440" bIns="45720" numCol="1" anchor="ctr" anchorCtr="0" compatLnSpc="1">
-            <a:prstTxWarp prst="textNoShape">
-              <a:avLst/>
-            </a:prstTxWarp>
-            <a:spAutoFit/>
-          </a:bodyPr>
-          <a:lstStyle/>
-          <a:p>
-            <a:endParaRPr lang="en-US"/>
+            <a:endParaRPr lang="fr-FR" dirty="0"/>
           </a:p>
         </p:txBody>
       </p:sp>
     </p:spTree>
     <p:extLst>
       <p:ext uri="{BB962C8B-B14F-4D97-AF65-F5344CB8AC3E}">
-        <p14:creationId xmlns:p14="http://schemas.microsoft.com/office/powerpoint/2010/main" xmlns="" val="1284932221"/>
+        <p14:creationId xmlns:p14="http://schemas.microsoft.com/office/powerpoint/2010/main" val="3935822169"/>
       </p:ext>
     </p:extLst>
   </p:cSld>
@@ -11331,7 +9962,7 @@
           <a:lstStyle/>
           <a:p>
             <a:r>
-              <a:rPr lang="en-US" noProof="0" smtClean="0"/>
+              <a:rPr lang="en-US" noProof="0"/>
               <a:t>IT Americas / Integration Services</a:t>
             </a:r>
             <a:endParaRPr lang="en-US" noProof="0" dirty="0"/>
@@ -11362,14 +9993,83 @@
           </a:p>
         </p:txBody>
       </p:sp>
+      <p:sp>
+        <p:nvSpPr>
+          <p:cNvPr id="6" name="Text Placeholder 5"/>
+          <p:cNvSpPr>
+            <a:spLocks noGrp="1"/>
+          </p:cNvSpPr>
+          <p:nvPr>
+            <p:ph type="body" sz="quarter" idx="13"/>
+          </p:nvPr>
+        </p:nvSpPr>
+        <p:spPr/>
+        <p:txBody>
+          <a:bodyPr/>
+          <a:lstStyle/>
+          <a:p>
+            <a:r>
+              <a:rPr lang="en-US" dirty="0"/>
+              <a:t>4</a:t>
+            </a:r>
+          </a:p>
+        </p:txBody>
+      </p:sp>
+      <p:sp>
+        <p:nvSpPr>
+          <p:cNvPr id="9" name="AutoShape 4" descr="Image result for tibco activespace shared nothing persistence"/>
+          <p:cNvSpPr>
+            <a:spLocks noChangeAspect="1" noChangeArrowheads="1"/>
+          </p:cNvSpPr>
+          <p:nvPr/>
+        </p:nvSpPr>
+        <p:spPr bwMode="auto">
+          <a:xfrm>
+            <a:off x="155575" y="-144463"/>
+            <a:ext cx="304800" cy="304801"/>
+          </a:xfrm>
+          <a:prstGeom prst="rect">
+            <a:avLst/>
+          </a:prstGeom>
+          <a:noFill/>
+          <a:extLst>
+            <a:ext uri="{909E8E84-426E-40DD-AFC4-6F175D3DCCD1}">
+              <a14:hiddenFill xmlns:a14="http://schemas.microsoft.com/office/drawing/2010/main">
+                <a:solidFill>
+                  <a:srgbClr val="FFFFFF"/>
+                </a:solidFill>
+              </a14:hiddenFill>
+            </a:ext>
+          </a:extLst>
+        </p:spPr>
+        <p:txBody>
+          <a:bodyPr vert="horz" wrap="square" lIns="91440" tIns="45720" rIns="91440" bIns="45720" numCol="1" anchor="t" anchorCtr="0" compatLnSpc="1">
+            <a:prstTxWarp prst="textNoShape">
+              <a:avLst/>
+            </a:prstTxWarp>
+          </a:bodyPr>
+          <a:lstStyle/>
+          <a:p>
+            <a:endParaRPr lang="en-US"/>
+          </a:p>
+        </p:txBody>
+      </p:sp>
       <p:pic>
         <p:nvPicPr>
-          <p:cNvPr id="7" name="Picture 6"/>
-          <p:cNvPicPr/>
+          <p:cNvPr id="8209" name="Picture 121"/>
+          <p:cNvPicPr>
+            <a:picLocks noChangeAspect="1" noChangeArrowheads="1"/>
+          </p:cNvPicPr>
           <p:nvPr/>
         </p:nvPicPr>
         <p:blipFill>
-          <a:blip r:embed="rId2" cstate="print"/>
+          <a:blip r:embed="rId2">
+            <a:extLst>
+              <a:ext uri="{28A0092B-C50C-407E-A947-70E740481C1C}">
+                <a14:useLocalDpi xmlns:a14="http://schemas.microsoft.com/office/drawing/2010/main" val="0"/>
+              </a:ext>
+            </a:extLst>
+          </a:blip>
           <a:srcRect/>
           <a:stretch>
             <a:fillRect/>
@@ -11377,24 +10077,232 @@
         </p:blipFill>
         <p:spPr bwMode="auto">
           <a:xfrm>
-            <a:off x="623393" y="116632"/>
-            <a:ext cx="3168352" cy="1296144"/>
+            <a:off x="1229566" y="47627"/>
+            <a:ext cx="1317625" cy="1135063"/>
           </a:xfrm>
           <a:prstGeom prst="rect">
             <a:avLst/>
           </a:prstGeom>
           <a:noFill/>
-          <a:ln w="9525">
-            <a:noFill/>
-            <a:miter lim="800000"/>
-            <a:headEnd/>
-            <a:tailEnd/>
-          </a:ln>
+          <a:extLst>
+            <a:ext uri="{909E8E84-426E-40DD-AFC4-6F175D3DCCD1}">
+              <a14:hiddenFill xmlns:a14="http://schemas.microsoft.com/office/drawing/2010/main">
+                <a:solidFill>
+                  <a:srgbClr val="FFFFFF"/>
+                </a:solidFill>
+              </a14:hiddenFill>
+            </a:ext>
+          </a:extLst>
         </p:spPr>
       </p:pic>
-      <p:sp>
-        <p:nvSpPr>
-          <p:cNvPr id="8" name="Rectangle 2"/>
+      <p:pic>
+        <p:nvPicPr>
+          <p:cNvPr id="8208" name="Picture 124"/>
+          <p:cNvPicPr>
+            <a:picLocks noChangeAspect="1" noChangeArrowheads="1"/>
+          </p:cNvPicPr>
+          <p:nvPr/>
+        </p:nvPicPr>
+        <p:blipFill>
+          <a:blip r:embed="rId3" cstate="print">
+            <a:extLst>
+              <a:ext uri="{28A0092B-C50C-407E-A947-70E740481C1C}">
+                <a14:useLocalDpi xmlns:a14="http://schemas.microsoft.com/office/drawing/2010/main" val="0"/>
+              </a:ext>
+            </a:extLst>
+          </a:blip>
+          <a:srcRect/>
+          <a:stretch>
+            <a:fillRect/>
+          </a:stretch>
+        </p:blipFill>
+        <p:spPr bwMode="auto">
+          <a:xfrm>
+            <a:off x="52096" y="1638399"/>
+            <a:ext cx="4465929" cy="2517160"/>
+          </a:xfrm>
+          <a:prstGeom prst="rect">
+            <a:avLst/>
+          </a:prstGeom>
+          <a:noFill/>
+          <a:extLst>
+            <a:ext uri="{909E8E84-426E-40DD-AFC4-6F175D3DCCD1}">
+              <a14:hiddenFill xmlns:a14="http://schemas.microsoft.com/office/drawing/2010/main">
+                <a:solidFill>
+                  <a:srgbClr val="FFFFFF"/>
+                </a:solidFill>
+              </a14:hiddenFill>
+            </a:ext>
+          </a:extLst>
+        </p:spPr>
+      </p:pic>
+      <p:pic>
+        <p:nvPicPr>
+          <p:cNvPr id="8207" name="Picture 127"/>
+          <p:cNvPicPr>
+            <a:picLocks noChangeAspect="1" noChangeArrowheads="1"/>
+          </p:cNvPicPr>
+          <p:nvPr/>
+        </p:nvPicPr>
+        <p:blipFill>
+          <a:blip r:embed="rId4">
+            <a:extLst>
+              <a:ext uri="{28A0092B-C50C-407E-A947-70E740481C1C}">
+                <a14:useLocalDpi xmlns:a14="http://schemas.microsoft.com/office/drawing/2010/main" val="0"/>
+              </a:ext>
+            </a:extLst>
+          </a:blip>
+          <a:srcRect/>
+          <a:stretch>
+            <a:fillRect/>
+          </a:stretch>
+        </p:blipFill>
+        <p:spPr bwMode="auto">
+          <a:xfrm>
+            <a:off x="4655840" y="1494006"/>
+            <a:ext cx="6118225" cy="1752600"/>
+          </a:xfrm>
+          <a:prstGeom prst="rect">
+            <a:avLst/>
+          </a:prstGeom>
+          <a:noFill/>
+          <a:extLst>
+            <a:ext uri="{909E8E84-426E-40DD-AFC4-6F175D3DCCD1}">
+              <a14:hiddenFill xmlns:a14="http://schemas.microsoft.com/office/drawing/2010/main">
+                <a:solidFill>
+                  <a:srgbClr val="FFFFFF"/>
+                </a:solidFill>
+              </a14:hiddenFill>
+            </a:ext>
+          </a:extLst>
+        </p:spPr>
+      </p:pic>
+      <p:pic>
+        <p:nvPicPr>
+          <p:cNvPr id="8206" name="Picture 130"/>
+          <p:cNvPicPr>
+            <a:picLocks noChangeAspect="1" noChangeArrowheads="1"/>
+          </p:cNvPicPr>
+          <p:nvPr/>
+        </p:nvPicPr>
+        <p:blipFill>
+          <a:blip r:embed="rId5">
+            <a:extLst>
+              <a:ext uri="{28A0092B-C50C-407E-A947-70E740481C1C}">
+                <a14:useLocalDpi xmlns:a14="http://schemas.microsoft.com/office/drawing/2010/main" val="0"/>
+              </a:ext>
+            </a:extLst>
+          </a:blip>
+          <a:srcRect/>
+          <a:stretch>
+            <a:fillRect/>
+          </a:stretch>
+        </p:blipFill>
+        <p:spPr bwMode="auto">
+          <a:xfrm>
+            <a:off x="141287" y="4205584"/>
+            <a:ext cx="2138289" cy="2233686"/>
+          </a:xfrm>
+          <a:prstGeom prst="rect">
+            <a:avLst/>
+          </a:prstGeom>
+          <a:noFill/>
+          <a:extLst>
+            <a:ext uri="{909E8E84-426E-40DD-AFC4-6F175D3DCCD1}">
+              <a14:hiddenFill xmlns:a14="http://schemas.microsoft.com/office/drawing/2010/main">
+                <a:solidFill>
+                  <a:srgbClr val="FFFFFF"/>
+                </a:solidFill>
+              </a14:hiddenFill>
+            </a:ext>
+          </a:extLst>
+        </p:spPr>
+      </p:pic>
+      <p:pic>
+        <p:nvPicPr>
+          <p:cNvPr id="8205" name="Picture 166"/>
+          <p:cNvPicPr>
+            <a:picLocks noChangeAspect="1" noChangeArrowheads="1"/>
+          </p:cNvPicPr>
+          <p:nvPr/>
+        </p:nvPicPr>
+        <p:blipFill>
+          <a:blip r:embed="rId6" cstate="print">
+            <a:extLst>
+              <a:ext uri="{28A0092B-C50C-407E-A947-70E740481C1C}">
+                <a14:useLocalDpi xmlns:a14="http://schemas.microsoft.com/office/drawing/2010/main" val="0"/>
+              </a:ext>
+            </a:extLst>
+          </a:blip>
+          <a:srcRect/>
+          <a:stretch>
+            <a:fillRect/>
+          </a:stretch>
+        </p:blipFill>
+        <p:spPr bwMode="auto">
+          <a:xfrm>
+            <a:off x="2345894" y="4246564"/>
+            <a:ext cx="3522737" cy="1977981"/>
+          </a:xfrm>
+          <a:prstGeom prst="rect">
+            <a:avLst/>
+          </a:prstGeom>
+          <a:noFill/>
+          <a:extLst>
+            <a:ext uri="{909E8E84-426E-40DD-AFC4-6F175D3DCCD1}">
+              <a14:hiddenFill xmlns:a14="http://schemas.microsoft.com/office/drawing/2010/main">
+                <a:solidFill>
+                  <a:srgbClr val="FFFFFF"/>
+                </a:solidFill>
+              </a14:hiddenFill>
+            </a:ext>
+          </a:extLst>
+        </p:spPr>
+      </p:pic>
+      <p:pic>
+        <p:nvPicPr>
+          <p:cNvPr id="8204" name="Picture 139"/>
+          <p:cNvPicPr>
+            <a:picLocks noChangeAspect="1" noChangeArrowheads="1"/>
+          </p:cNvPicPr>
+          <p:nvPr/>
+        </p:nvPicPr>
+        <p:blipFill>
+          <a:blip r:embed="rId7">
+            <a:extLst>
+              <a:ext uri="{28A0092B-C50C-407E-A947-70E740481C1C}">
+                <a14:useLocalDpi xmlns:a14="http://schemas.microsoft.com/office/drawing/2010/main" val="0"/>
+              </a:ext>
+            </a:extLst>
+          </a:blip>
+          <a:srcRect/>
+          <a:stretch>
+            <a:fillRect/>
+          </a:stretch>
+        </p:blipFill>
+        <p:spPr bwMode="auto">
+          <a:xfrm>
+            <a:off x="6091402" y="3751242"/>
+            <a:ext cx="2903538" cy="2781300"/>
+          </a:xfrm>
+          <a:prstGeom prst="rect">
+            <a:avLst/>
+          </a:prstGeom>
+          <a:noFill/>
+          <a:extLst>
+            <a:ext uri="{909E8E84-426E-40DD-AFC4-6F175D3DCCD1}">
+              <a14:hiddenFill xmlns:a14="http://schemas.microsoft.com/office/drawing/2010/main">
+                <a:solidFill>
+                  <a:srgbClr val="FFFFFF"/>
+                </a:solidFill>
+              </a14:hiddenFill>
+            </a:ext>
+          </a:extLst>
+        </p:spPr>
+      </p:pic>
+      <p:sp>
+        <p:nvSpPr>
+          <p:cNvPr id="8" name="Rectangle 18"/>
           <p:cNvSpPr>
             <a:spLocks noChangeArrowheads="1"/>
           </p:cNvSpPr>
@@ -11402,8 +10310,8 @@
         </p:nvSpPr>
         <p:spPr bwMode="auto">
           <a:xfrm>
-            <a:off x="3983088" y="-22110"/>
-            <a:ext cx="3024336" cy="523220"/>
+            <a:off x="0" y="0"/>
+            <a:ext cx="12192000" cy="457200"/>
           </a:xfrm>
           <a:prstGeom prst="rect">
             <a:avLst/>
@@ -11415,14 +10323,14 @@
           <a:effectLst/>
           <a:extLst>
             <a:ext uri="{909E8E84-426E-40DD-AFC4-6F175D3DCCD1}">
-              <a14:hiddenFill xmlns:a14="http://schemas.microsoft.com/office/drawing/2010/main" xmlns="">
+              <a14:hiddenFill xmlns:a14="http://schemas.microsoft.com/office/drawing/2010/main">
                 <a:solidFill>
                   <a:schemeClr val="accent1"/>
                 </a:solidFill>
               </a14:hiddenFill>
             </a:ext>
             <a:ext uri="{91240B29-F687-4F45-9708-019B960494DF}">
-              <a14:hiddenLine xmlns:a14="http://schemas.microsoft.com/office/drawing/2010/main" xmlns="" w="9525">
+              <a14:hiddenLine xmlns:a14="http://schemas.microsoft.com/office/drawing/2010/main" w="9525">
                 <a:solidFill>
                   <a:schemeClr val="tx1"/>
                 </a:solidFill>
@@ -11432,7 +10340,7 @@
               </a14:hiddenLine>
             </a:ext>
             <a:ext uri="{AF507438-7753-43E0-B8FC-AC1667EBCBE1}">
-              <a14:hiddenEffects xmlns:a14="http://schemas.microsoft.com/office/drawing/2010/main" xmlns="">
+              <a14:hiddenEffects xmlns:a14="http://schemas.microsoft.com/office/drawing/2010/main">
                 <a:effectLst>
                   <a:outerShdw dist="35921" dir="2700000" algn="ctr" rotWithShape="0">
                     <a:schemeClr val="bg2"/>
@@ -11443,7 +10351,7 @@
           </a:extLst>
         </p:spPr>
         <p:txBody>
-          <a:bodyPr vert="horz" wrap="square" lIns="91440" tIns="45720" rIns="91440" bIns="45720" numCol="1" anchor="ctr" anchorCtr="0" compatLnSpc="1">
+          <a:bodyPr vert="horz" wrap="none" lIns="445947" tIns="0" rIns="0" bIns="0" numCol="1" anchor="ctr" anchorCtr="0" compatLnSpc="1">
             <a:prstTxWarp prst="textNoShape">
               <a:avLst/>
             </a:prstTxWarp>
@@ -11467,6 +10375,94 @@
               <a:buNone/>
               <a:tabLst/>
             </a:pPr>
+            <a:endParaRPr kumimoji="0" lang="en-GB" altLang="en-US" sz="1800" b="0" i="0" u="none" strike="noStrike" cap="none" normalizeH="0" baseline="0" smtClean="0">
+              <a:ln>
+                <a:noFill/>
+              </a:ln>
+              <a:solidFill>
+                <a:schemeClr val="tx1"/>
+              </a:solidFill>
+              <a:effectLst/>
+              <a:latin typeface="Arial" panose="020B0604020202020204" pitchFamily="34" charset="0"/>
+            </a:endParaRPr>
+          </a:p>
+        </p:txBody>
+      </p:sp>
+      <p:sp>
+        <p:nvSpPr>
+          <p:cNvPr id="10" name="Rectangle 19"/>
+          <p:cNvSpPr>
+            <a:spLocks noChangeArrowheads="1"/>
+          </p:cNvSpPr>
+          <p:nvPr/>
+        </p:nvSpPr>
+        <p:spPr bwMode="auto">
+          <a:xfrm>
+            <a:off x="2936457" y="126038"/>
+            <a:ext cx="4167655" cy="1446550"/>
+          </a:xfrm>
+          <a:prstGeom prst="rect">
+            <a:avLst/>
+          </a:prstGeom>
+          <a:noFill/>
+          <a:ln>
+            <a:noFill/>
+          </a:ln>
+          <a:effectLst/>
+          <a:extLst>
+            <a:ext uri="{909E8E84-426E-40DD-AFC4-6F175D3DCCD1}">
+              <a14:hiddenFill xmlns:a14="http://schemas.microsoft.com/office/drawing/2010/main">
+                <a:solidFill>
+                  <a:schemeClr val="accent1"/>
+                </a:solidFill>
+              </a14:hiddenFill>
+            </a:ext>
+            <a:ext uri="{91240B29-F687-4F45-9708-019B960494DF}">
+              <a14:hiddenLine xmlns:a14="http://schemas.microsoft.com/office/drawing/2010/main" w="9525">
+                <a:solidFill>
+                  <a:schemeClr val="tx1"/>
+                </a:solidFill>
+                <a:miter lim="800000"/>
+                <a:headEnd/>
+                <a:tailEnd/>
+              </a14:hiddenLine>
+            </a:ext>
+            <a:ext uri="{AF507438-7753-43E0-B8FC-AC1667EBCBE1}">
+              <a14:hiddenEffects xmlns:a14="http://schemas.microsoft.com/office/drawing/2010/main">
+                <a:effectLst>
+                  <a:outerShdw dist="35921" dir="2700000" algn="ctr" rotWithShape="0">
+                    <a:schemeClr val="bg2"/>
+                  </a:outerShdw>
+                </a:effectLst>
+              </a14:hiddenEffects>
+            </a:ext>
+          </a:extLst>
+        </p:spPr>
+        <p:txBody>
+          <a:bodyPr vert="horz" wrap="square" lIns="91440" tIns="45720" rIns="91440" bIns="45720" numCol="1" anchor="ctr" anchorCtr="0" compatLnSpc="1">
+            <a:prstTxWarp prst="textNoShape">
+              <a:avLst/>
+            </a:prstTxWarp>
+            <a:spAutoFit/>
+          </a:bodyPr>
+          <a:lstStyle/>
+          <a:p>
+            <a:pPr marL="0" marR="0" lvl="0" indent="0" algn="l" defTabSz="914400" rtl="0" eaLnBrk="0" fontAlgn="base" latinLnBrk="0" hangingPunct="0">
+              <a:lnSpc>
+                <a:spcPct val="100000"/>
+              </a:lnSpc>
+              <a:spcBef>
+                <a:spcPct val="0"/>
+              </a:spcBef>
+              <a:spcAft>
+                <a:spcPct val="0"/>
+              </a:spcAft>
+              <a:buClrTx/>
+              <a:buSzTx/>
+              <a:buFontTx/>
+              <a:buNone/>
+              <a:tabLst/>
+            </a:pPr>
             <a:r>
               <a:rPr kumimoji="0" lang="en-GB" altLang="en-US" sz="1000" b="0" i="0" u="none" strike="noStrike" cap="none" normalizeH="0" baseline="0" dirty="0" smtClean="0">
                 <a:ln>
@@ -11480,7 +10476,91 @@
                 <a:ea typeface="Times New Roman" panose="02020603050405020304" pitchFamily="18" charset="0"/>
                 <a:cs typeface="Arial" panose="020B0604020202020204" pitchFamily="34" charset="0"/>
               </a:rPr>
-              <a:t>I will use </a:t>
+              <a:t> https://docs.aws.amazon.com/iot/latest/developerguide/iot-gs.html </a:t>
+            </a:r>
+            <a:endParaRPr kumimoji="0" lang="en-US" altLang="en-US" sz="800" b="0" i="0" u="none" strike="noStrike" cap="none" normalizeH="0" baseline="0" dirty="0" smtClean="0">
+              <a:ln>
+                <a:noFill/>
+              </a:ln>
+              <a:solidFill>
+                <a:schemeClr val="tx1"/>
+              </a:solidFill>
+              <a:effectLst/>
+            </a:endParaRPr>
+          </a:p>
+          <a:p>
+            <a:pPr marL="0" marR="0" lvl="0" indent="0" algn="l" defTabSz="914400" rtl="0" eaLnBrk="0" fontAlgn="base" latinLnBrk="0" hangingPunct="0">
+              <a:lnSpc>
+                <a:spcPct val="100000"/>
+              </a:lnSpc>
+              <a:spcBef>
+                <a:spcPct val="0"/>
+              </a:spcBef>
+              <a:spcAft>
+                <a:spcPct val="0"/>
+              </a:spcAft>
+              <a:buClrTx/>
+              <a:buSzTx/>
+              <a:buFontTx/>
+              <a:buNone/>
+              <a:tabLst/>
+            </a:pPr>
+            <a:r>
+              <a:rPr kumimoji="0" lang="en-GB" altLang="en-US" sz="1000" b="0" i="0" u="none" strike="noStrike" cap="none" normalizeH="0" baseline="0" dirty="0" smtClean="0">
+                <a:ln>
+                  <a:noFill/>
+                </a:ln>
+                <a:solidFill>
+                  <a:schemeClr val="tx1"/>
+                </a:solidFill>
+                <a:effectLst/>
+                <a:latin typeface="Arial" panose="020B0604020202020204" pitchFamily="34" charset="0"/>
+                <a:ea typeface="Times New Roman" panose="02020603050405020304" pitchFamily="18" charset="0"/>
+                <a:cs typeface="Arial" panose="020B0604020202020204" pitchFamily="34" charset="0"/>
+              </a:rPr>
+              <a:t>Configure the AWS IOT button using the following steps.</a:t>
+            </a:r>
+            <a:endParaRPr kumimoji="0" lang="en-US" altLang="en-US" sz="800" b="0" i="0" u="none" strike="noStrike" cap="none" normalizeH="0" baseline="0" dirty="0" smtClean="0">
+              <a:ln>
+                <a:noFill/>
+              </a:ln>
+              <a:solidFill>
+                <a:schemeClr val="tx1"/>
+              </a:solidFill>
+              <a:effectLst/>
+            </a:endParaRPr>
+          </a:p>
+          <a:p>
+            <a:pPr marL="0" marR="0" lvl="0" indent="0" algn="l" defTabSz="914400" rtl="0" eaLnBrk="0" fontAlgn="base" latinLnBrk="0" hangingPunct="0">
+              <a:lnSpc>
+                <a:spcPct val="100000"/>
+              </a:lnSpc>
+              <a:spcBef>
+                <a:spcPct val="0"/>
+              </a:spcBef>
+              <a:spcAft>
+                <a:spcPct val="0"/>
+              </a:spcAft>
+              <a:buClrTx/>
+              <a:buSzTx/>
+              <a:buFontTx/>
+              <a:buNone/>
+              <a:tabLst/>
+            </a:pPr>
+            <a:r>
+              <a:rPr kumimoji="0" lang="en-GB" altLang="en-US" sz="1000" b="0" i="0" u="none" strike="noStrike" cap="none" normalizeH="0" baseline="0" dirty="0" smtClean="0">
+                <a:ln>
+                  <a:noFill/>
+                </a:ln>
+                <a:solidFill>
+                  <a:schemeClr val="tx1"/>
+                </a:solidFill>
+                <a:effectLst/>
+                <a:latin typeface="Arial" panose="020B0604020202020204" pitchFamily="34" charset="0"/>
+                <a:ea typeface="Times New Roman" panose="02020603050405020304" pitchFamily="18" charset="0"/>
+                <a:cs typeface="Arial" panose="020B0604020202020204" pitchFamily="34" charset="0"/>
+              </a:rPr>
+              <a:t>1) </a:t>
             </a:r>
             <a:r>
               <a:rPr kumimoji="0" lang="en-GB" altLang="en-US" sz="1000" b="0" i="0" u="none" strike="noStrike" cap="none" normalizeH="0" baseline="0" dirty="0" err="1" smtClean="0">
@@ -11495,7 +10575,7 @@
                 <a:ea typeface="Times New Roman" panose="02020603050405020304" pitchFamily="18" charset="0"/>
                 <a:cs typeface="Arial" panose="020B0604020202020204" pitchFamily="34" charset="0"/>
               </a:rPr>
-              <a:t>iot</a:t>
+              <a:t>Creat</a:t>
             </a:r>
             <a:r>
               <a:rPr kumimoji="0" lang="en-GB" altLang="en-US" sz="1000" b="0" i="0" u="none" strike="noStrike" cap="none" normalizeH="0" baseline="0" dirty="0" smtClean="0">
@@ -11510,7 +10590,205 @@
                 <a:ea typeface="Times New Roman" panose="02020603050405020304" pitchFamily="18" charset="0"/>
                 <a:cs typeface="Arial" panose="020B0604020202020204" pitchFamily="34" charset="0"/>
               </a:rPr>
-              <a:t>:* to let any action.</a:t>
+              <a:t> a thing for the IOT device.</a:t>
+            </a:r>
+            <a:endParaRPr kumimoji="0" lang="en-US" altLang="en-US" sz="800" b="0" i="0" u="none" strike="noStrike" cap="none" normalizeH="0" baseline="0" dirty="0" smtClean="0">
+              <a:ln>
+                <a:noFill/>
+              </a:ln>
+              <a:solidFill>
+                <a:schemeClr val="tx1"/>
+              </a:solidFill>
+              <a:effectLst/>
+            </a:endParaRPr>
+          </a:p>
+          <a:p>
+            <a:pPr marL="0" marR="0" lvl="0" indent="0" algn="l" defTabSz="914400" rtl="0" eaLnBrk="0" fontAlgn="base" latinLnBrk="0" hangingPunct="0">
+              <a:lnSpc>
+                <a:spcPct val="100000"/>
+              </a:lnSpc>
+              <a:spcBef>
+                <a:spcPct val="0"/>
+              </a:spcBef>
+              <a:spcAft>
+                <a:spcPct val="0"/>
+              </a:spcAft>
+              <a:buClrTx/>
+              <a:buSzTx/>
+              <a:buFontTx/>
+              <a:buNone/>
+              <a:tabLst/>
+            </a:pPr>
+            <a:r>
+              <a:rPr kumimoji="0" lang="en-GB" altLang="en-US" sz="1000" b="0" i="0" u="none" strike="noStrike" cap="none" normalizeH="0" baseline="0" dirty="0" smtClean="0">
+                <a:ln>
+                  <a:noFill/>
+                </a:ln>
+                <a:solidFill>
+                  <a:schemeClr val="tx1"/>
+                </a:solidFill>
+                <a:effectLst/>
+                <a:latin typeface="Arial" panose="020B0604020202020204" pitchFamily="34" charset="0"/>
+                <a:ea typeface="Times New Roman" panose="02020603050405020304" pitchFamily="18" charset="0"/>
+                <a:cs typeface="Arial" panose="020B0604020202020204" pitchFamily="34" charset="0"/>
+              </a:rPr>
+              <a:t>2) Create a certificate.</a:t>
+            </a:r>
+            <a:endParaRPr kumimoji="0" lang="en-US" altLang="en-US" sz="800" b="0" i="0" u="none" strike="noStrike" cap="none" normalizeH="0" baseline="0" dirty="0" smtClean="0">
+              <a:ln>
+                <a:noFill/>
+              </a:ln>
+              <a:solidFill>
+                <a:schemeClr val="tx1"/>
+              </a:solidFill>
+              <a:effectLst/>
+            </a:endParaRPr>
+          </a:p>
+          <a:p>
+            <a:pPr marL="0" marR="0" lvl="0" indent="0" algn="l" defTabSz="914400" rtl="0" eaLnBrk="0" fontAlgn="base" latinLnBrk="0" hangingPunct="0">
+              <a:lnSpc>
+                <a:spcPct val="100000"/>
+              </a:lnSpc>
+              <a:spcBef>
+                <a:spcPct val="0"/>
+              </a:spcBef>
+              <a:spcAft>
+                <a:spcPct val="0"/>
+              </a:spcAft>
+              <a:buClrTx/>
+              <a:buSzTx/>
+              <a:buFontTx/>
+              <a:buNone/>
+              <a:tabLst/>
+            </a:pPr>
+            <a:r>
+              <a:rPr kumimoji="0" lang="en-GB" altLang="en-US" sz="1000" b="0" i="0" u="none" strike="noStrike" cap="none" normalizeH="0" baseline="0" dirty="0" smtClean="0">
+                <a:ln>
+                  <a:noFill/>
+                </a:ln>
+                <a:solidFill>
+                  <a:schemeClr val="tx1"/>
+                </a:solidFill>
+                <a:effectLst/>
+                <a:latin typeface="Arial" panose="020B0604020202020204" pitchFamily="34" charset="0"/>
+                <a:ea typeface="Times New Roman" panose="02020603050405020304" pitchFamily="18" charset="0"/>
+                <a:cs typeface="Arial" panose="020B0604020202020204" pitchFamily="34" charset="0"/>
+              </a:rPr>
+              <a:t>3) Associate a policy.</a:t>
+            </a:r>
+            <a:endParaRPr kumimoji="0" lang="en-US" altLang="en-US" sz="800" b="0" i="0" u="none" strike="noStrike" cap="none" normalizeH="0" baseline="0" dirty="0" smtClean="0">
+              <a:ln>
+                <a:noFill/>
+              </a:ln>
+              <a:solidFill>
+                <a:schemeClr val="tx1"/>
+              </a:solidFill>
+              <a:effectLst/>
+            </a:endParaRPr>
+          </a:p>
+          <a:p>
+            <a:pPr marL="0" marR="0" lvl="0" indent="0" algn="l" defTabSz="914400" rtl="0" eaLnBrk="0" fontAlgn="base" latinLnBrk="0" hangingPunct="0">
+              <a:lnSpc>
+                <a:spcPct val="100000"/>
+              </a:lnSpc>
+              <a:spcBef>
+                <a:spcPct val="0"/>
+              </a:spcBef>
+              <a:spcAft>
+                <a:spcPct val="0"/>
+              </a:spcAft>
+              <a:buClrTx/>
+              <a:buSzTx/>
+              <a:buFontTx/>
+              <a:buNone/>
+              <a:tabLst/>
+            </a:pPr>
+            <a:r>
+              <a:rPr kumimoji="0" lang="en-GB" altLang="en-US" sz="1000" b="0" i="0" u="none" strike="noStrike" cap="none" normalizeH="0" baseline="0" dirty="0" smtClean="0">
+                <a:ln>
+                  <a:noFill/>
+                </a:ln>
+                <a:solidFill>
+                  <a:schemeClr val="tx1"/>
+                </a:solidFill>
+                <a:effectLst/>
+                <a:latin typeface="Arial" panose="020B0604020202020204" pitchFamily="34" charset="0"/>
+                <a:ea typeface="Times New Roman" panose="02020603050405020304" pitchFamily="18" charset="0"/>
+                <a:cs typeface="Arial" panose="020B0604020202020204" pitchFamily="34" charset="0"/>
+              </a:rPr>
+              <a:t>4) </a:t>
+            </a:r>
+            <a:r>
+              <a:rPr kumimoji="0" lang="en-GB" altLang="en-US" sz="1000" b="0" i="0" u="none" strike="noStrike" cap="none" normalizeH="0" baseline="0" dirty="0" err="1" smtClean="0">
+                <a:ln>
+                  <a:noFill/>
+                </a:ln>
+                <a:solidFill>
+                  <a:schemeClr val="tx1"/>
+                </a:solidFill>
+                <a:effectLst/>
+                <a:latin typeface="Arial" panose="020B0604020202020204" pitchFamily="34" charset="0"/>
+                <a:ea typeface="Times New Roman" panose="02020603050405020304" pitchFamily="18" charset="0"/>
+                <a:cs typeface="Arial" panose="020B0604020202020204" pitchFamily="34" charset="0"/>
+              </a:rPr>
+              <a:t>assocate</a:t>
+            </a:r>
+            <a:r>
+              <a:rPr kumimoji="0" lang="en-GB" altLang="en-US" sz="1000" b="0" i="0" u="none" strike="noStrike" cap="none" normalizeH="0" baseline="0" dirty="0" smtClean="0">
+                <a:ln>
+                  <a:noFill/>
+                </a:ln>
+                <a:solidFill>
+                  <a:schemeClr val="tx1"/>
+                </a:solidFill>
+                <a:effectLst/>
+                <a:latin typeface="Arial" panose="020B0604020202020204" pitchFamily="34" charset="0"/>
+                <a:ea typeface="Times New Roman" panose="02020603050405020304" pitchFamily="18" charset="0"/>
+                <a:cs typeface="Arial" panose="020B0604020202020204" pitchFamily="34" charset="0"/>
+              </a:rPr>
+              <a:t> all three together.</a:t>
+            </a:r>
+            <a:endParaRPr kumimoji="0" lang="en-US" altLang="en-US" sz="800" b="0" i="0" u="none" strike="noStrike" cap="none" normalizeH="0" baseline="0" dirty="0" smtClean="0">
+              <a:ln>
+                <a:noFill/>
+              </a:ln>
+              <a:solidFill>
+                <a:schemeClr val="tx1"/>
+              </a:solidFill>
+              <a:effectLst/>
+            </a:endParaRPr>
+          </a:p>
+          <a:p>
+            <a:pPr marL="0" marR="0" lvl="0" indent="0" algn="l" defTabSz="914400" rtl="0" eaLnBrk="0" fontAlgn="base" latinLnBrk="0" hangingPunct="0">
+              <a:lnSpc>
+                <a:spcPct val="100000"/>
+              </a:lnSpc>
+              <a:spcBef>
+                <a:spcPct val="0"/>
+              </a:spcBef>
+              <a:spcAft>
+                <a:spcPct val="0"/>
+              </a:spcAft>
+              <a:buClrTx/>
+              <a:buSzTx/>
+              <a:buFontTx/>
+              <a:buNone/>
+              <a:tabLst/>
+            </a:pPr>
+            <a:r>
+              <a:rPr kumimoji="0" lang="en-GB" altLang="en-US" sz="1000" b="0" i="0" u="none" strike="noStrike" cap="none" normalizeH="0" baseline="0" dirty="0" smtClean="0">
+                <a:ln>
+                  <a:noFill/>
+                </a:ln>
+                <a:solidFill>
+                  <a:schemeClr val="tx1"/>
+                </a:solidFill>
+                <a:effectLst/>
+                <a:latin typeface="Arial" panose="020B0604020202020204" pitchFamily="34" charset="0"/>
+                <a:ea typeface="Times New Roman" panose="02020603050405020304" pitchFamily="18" charset="0"/>
+                <a:cs typeface="Arial" panose="020B0604020202020204" pitchFamily="34" charset="0"/>
+              </a:rPr>
+              <a:t>5) Configure the button.</a:t>
             </a:r>
             <a:endParaRPr kumimoji="0" lang="en-US" altLang="en-US" sz="800" b="0" i="0" u="none" strike="noStrike" cap="none" normalizeH="0" baseline="0" dirty="0" smtClean="0">
               <a:ln>
@@ -11552,58 +10830,17 @@
           </a:p>
         </p:txBody>
       </p:sp>
-      <p:pic>
-        <p:nvPicPr>
-          <p:cNvPr id="9217" name="Picture 148"/>
-          <p:cNvPicPr>
-            <a:picLocks noChangeAspect="1" noChangeArrowheads="1"/>
-          </p:cNvPicPr>
+      <p:sp>
+        <p:nvSpPr>
+          <p:cNvPr id="12" name="Rectangle 20"/>
+          <p:cNvSpPr>
+            <a:spLocks noChangeArrowheads="1"/>
+          </p:cNvSpPr>
           <p:nvPr/>
-        </p:nvPicPr>
-        <p:blipFill>
-          <a:blip r:embed="rId3">
-            <a:extLst>
-              <a:ext uri="{28A0092B-C50C-407E-A947-70E740481C1C}">
-                <a14:useLocalDpi xmlns:a14="http://schemas.microsoft.com/office/drawing/2010/main" xmlns="" val="0"/>
-              </a:ext>
-            </a:extLst>
-          </a:blip>
-          <a:srcRect/>
-          <a:stretch>
-            <a:fillRect/>
-          </a:stretch>
-        </p:blipFill>
+        </p:nvSpPr>
         <p:spPr bwMode="auto">
           <a:xfrm>
-            <a:off x="3935760" y="195515"/>
-            <a:ext cx="3071664" cy="2548233"/>
-          </a:xfrm>
-          <a:prstGeom prst="rect">
-            <a:avLst/>
-          </a:prstGeom>
-          <a:noFill/>
-          <a:extLst>
-            <a:ext uri="{909E8E84-426E-40DD-AFC4-6F175D3DCCD1}">
-              <a14:hiddenFill xmlns:a14="http://schemas.microsoft.com/office/drawing/2010/main" xmlns="">
-                <a:solidFill>
-                  <a:srgbClr val="FFFFFF"/>
-                </a:solidFill>
-              </a14:hiddenFill>
-            </a:ext>
-          </a:extLst>
-        </p:spPr>
-      </p:pic>
-      <p:sp>
-        <p:nvSpPr>
-          <p:cNvPr id="9" name="Rectangle 3"/>
-          <p:cNvSpPr>
-            <a:spLocks noChangeArrowheads="1"/>
-          </p:cNvSpPr>
-          <p:nvPr/>
-        </p:nvSpPr>
-        <p:spPr bwMode="auto">
-          <a:xfrm>
-            <a:off x="92075" y="4851400"/>
+            <a:off x="92075" y="5087938"/>
             <a:ext cx="12192000" cy="0"/>
           </a:xfrm>
           <a:prstGeom prst="rect">
@@ -11616,14 +10853,14 @@
           <a:effectLst/>
           <a:extLst>
             <a:ext uri="{909E8E84-426E-40DD-AFC4-6F175D3DCCD1}">
-              <a14:hiddenFill xmlns:a14="http://schemas.microsoft.com/office/drawing/2010/main" xmlns="">
+              <a14:hiddenFill xmlns:a14="http://schemas.microsoft.com/office/drawing/2010/main">
                 <a:solidFill>
                   <a:schemeClr val="accent1"/>
                 </a:solidFill>
               </a14:hiddenFill>
             </a:ext>
             <a:ext uri="{91240B29-F687-4F45-9708-019B960494DF}">
-              <a14:hiddenLine xmlns:a14="http://schemas.microsoft.com/office/drawing/2010/main" xmlns="" w="9525">
+              <a14:hiddenLine xmlns:a14="http://schemas.microsoft.com/office/drawing/2010/main" w="9525">
                 <a:solidFill>
                   <a:schemeClr val="tx1"/>
                 </a:solidFill>
@@ -11633,7 +10870,7 @@
               </a14:hiddenLine>
             </a:ext>
             <a:ext uri="{AF507438-7753-43E0-B8FC-AC1667EBCBE1}">
-              <a14:hiddenEffects xmlns:a14="http://schemas.microsoft.com/office/drawing/2010/main" xmlns="">
+              <a14:hiddenEffects xmlns:a14="http://schemas.microsoft.com/office/drawing/2010/main">
                 <a:effectLst>
                   <a:outerShdw dist="35921" dir="2700000" algn="ctr" rotWithShape="0">
                     <a:schemeClr val="bg2"/>
@@ -11658,7 +10895,7 @@
       </p:sp>
       <p:sp>
         <p:nvSpPr>
-          <p:cNvPr id="10" name="Rectangle 5"/>
+          <p:cNvPr id="13" name="Rectangle 21"/>
           <p:cNvSpPr>
             <a:spLocks noChangeArrowheads="1"/>
           </p:cNvSpPr>
@@ -11666,8 +10903,8 @@
         </p:nvSpPr>
         <p:spPr bwMode="auto">
           <a:xfrm>
-            <a:off x="7007424" y="28922"/>
-            <a:ext cx="2184920" cy="249164"/>
+            <a:off x="92075" y="6840538"/>
+            <a:ext cx="12192000" cy="0"/>
           </a:xfrm>
           <a:prstGeom prst="rect">
             <a:avLst/>
@@ -11679,14 +10916,14 @@
           <a:effectLst/>
           <a:extLst>
             <a:ext uri="{909E8E84-426E-40DD-AFC4-6F175D3DCCD1}">
-              <a14:hiddenFill xmlns:a14="http://schemas.microsoft.com/office/drawing/2010/main" xmlns="">
+              <a14:hiddenFill xmlns:a14="http://schemas.microsoft.com/office/drawing/2010/main">
                 <a:solidFill>
                   <a:schemeClr val="accent1"/>
                 </a:solidFill>
               </a14:hiddenFill>
             </a:ext>
             <a:ext uri="{91240B29-F687-4F45-9708-019B960494DF}">
-              <a14:hiddenLine xmlns:a14="http://schemas.microsoft.com/office/drawing/2010/main" xmlns="" w="9525">
+              <a14:hiddenLine xmlns:a14="http://schemas.microsoft.com/office/drawing/2010/main" w="9525">
                 <a:solidFill>
                   <a:schemeClr val="tx1"/>
                 </a:solidFill>
@@ -11696,7 +10933,7 @@
               </a14:hiddenLine>
             </a:ext>
             <a:ext uri="{AF507438-7753-43E0-B8FC-AC1667EBCBE1}">
-              <a14:hiddenEffects xmlns:a14="http://schemas.microsoft.com/office/drawing/2010/main" xmlns="">
+              <a14:hiddenEffects xmlns:a14="http://schemas.microsoft.com/office/drawing/2010/main">
                 <a:effectLst>
                   <a:outerShdw dist="35921" dir="2700000" algn="ctr" rotWithShape="0">
                     <a:schemeClr val="bg2"/>
@@ -11707,7 +10944,70 @@
           </a:extLst>
         </p:spPr>
         <p:txBody>
-          <a:bodyPr vert="horz" wrap="square" lIns="91440" tIns="45720" rIns="91440" bIns="45720" numCol="1" anchor="ctr" anchorCtr="0" compatLnSpc="1">
+          <a:bodyPr vert="horz" wrap="none" lIns="91440" tIns="45720" rIns="91440" bIns="45720" numCol="1" anchor="ctr" anchorCtr="0" compatLnSpc="1">
+            <a:prstTxWarp prst="textNoShape">
+              <a:avLst/>
+            </a:prstTxWarp>
+            <a:spAutoFit/>
+          </a:bodyPr>
+          <a:lstStyle/>
+          <a:p>
+            <a:endParaRPr lang="en-US"/>
+          </a:p>
+        </p:txBody>
+      </p:sp>
+      <p:sp>
+        <p:nvSpPr>
+          <p:cNvPr id="14" name="Rectangle 22"/>
+          <p:cNvSpPr>
+            <a:spLocks noChangeArrowheads="1"/>
+          </p:cNvSpPr>
+          <p:nvPr/>
+        </p:nvSpPr>
+        <p:spPr bwMode="auto">
+          <a:xfrm>
+            <a:off x="92075" y="9888538"/>
+            <a:ext cx="12192000" cy="0"/>
+          </a:xfrm>
+          <a:prstGeom prst="rect">
+            <a:avLst/>
+          </a:prstGeom>
+          <a:noFill/>
+          <a:ln>
+            <a:noFill/>
+          </a:ln>
+          <a:effectLst/>
+          <a:extLst>
+            <a:ext uri="{909E8E84-426E-40DD-AFC4-6F175D3DCCD1}">
+              <a14:hiddenFill xmlns:a14="http://schemas.microsoft.com/office/drawing/2010/main">
+                <a:solidFill>
+                  <a:schemeClr val="accent1"/>
+                </a:solidFill>
+              </a14:hiddenFill>
+            </a:ext>
+            <a:ext uri="{91240B29-F687-4F45-9708-019B960494DF}">
+              <a14:hiddenLine xmlns:a14="http://schemas.microsoft.com/office/drawing/2010/main" w="9525">
+                <a:solidFill>
+                  <a:schemeClr val="tx1"/>
+                </a:solidFill>
+                <a:miter lim="800000"/>
+                <a:headEnd/>
+                <a:tailEnd/>
+              </a14:hiddenLine>
+            </a:ext>
+            <a:ext uri="{AF507438-7753-43E0-B8FC-AC1667EBCBE1}">
+              <a14:hiddenEffects xmlns:a14="http://schemas.microsoft.com/office/drawing/2010/main">
+                <a:effectLst>
+                  <a:outerShdw dist="35921" dir="2700000" algn="ctr" rotWithShape="0">
+                    <a:schemeClr val="bg2"/>
+                  </a:outerShdw>
+                </a:effectLst>
+              </a14:hiddenEffects>
+            </a:ext>
+          </a:extLst>
+        </p:spPr>
+        <p:txBody>
+          <a:bodyPr vert="horz" wrap="none" lIns="91440" tIns="45720" rIns="91440" bIns="45720" numCol="1" anchor="ctr" anchorCtr="0" compatLnSpc="1">
             <a:prstTxWarp prst="textNoShape">
               <a:avLst/>
             </a:prstTxWarp>
@@ -11732,6 +11032,842 @@
               <a:tabLst/>
             </a:pPr>
             <a:r>
+              <a:rPr kumimoji="0" lang="en-GB" altLang="en-US" sz="1000" b="0" i="0" u="none" strike="noStrike" cap="none" normalizeH="0" baseline="0" smtClean="0">
+                <a:ln>
+                  <a:noFill/>
+                </a:ln>
+                <a:solidFill>
+                  <a:schemeClr val="tx1"/>
+                </a:solidFill>
+                <a:effectLst/>
+                <a:latin typeface="Arial" panose="020B0604020202020204" pitchFamily="34" charset="0"/>
+                <a:ea typeface="Times New Roman" panose="02020603050405020304" pitchFamily="18" charset="0"/>
+                <a:cs typeface="Arial" panose="020B0604020202020204" pitchFamily="34" charset="0"/>
+              </a:rPr>
+              <a:t> </a:t>
+            </a:r>
+            <a:endParaRPr kumimoji="0" lang="en-GB" altLang="en-US" sz="1800" b="0" i="0" u="none" strike="noStrike" cap="none" normalizeH="0" baseline="0" smtClean="0">
+              <a:ln>
+                <a:noFill/>
+              </a:ln>
+              <a:solidFill>
+                <a:schemeClr val="tx1"/>
+              </a:solidFill>
+              <a:effectLst/>
+              <a:latin typeface="Arial" panose="020B0604020202020204" pitchFamily="34" charset="0"/>
+            </a:endParaRPr>
+          </a:p>
+        </p:txBody>
+      </p:sp>
+      <p:sp>
+        <p:nvSpPr>
+          <p:cNvPr id="17" name="Rectangle 25"/>
+          <p:cNvSpPr>
+            <a:spLocks noChangeArrowheads="1"/>
+          </p:cNvSpPr>
+          <p:nvPr/>
+        </p:nvSpPr>
+        <p:spPr bwMode="auto">
+          <a:xfrm>
+            <a:off x="92075" y="15663863"/>
+            <a:ext cx="12192000" cy="0"/>
+          </a:xfrm>
+          <a:prstGeom prst="rect">
+            <a:avLst/>
+          </a:prstGeom>
+          <a:noFill/>
+          <a:ln>
+            <a:noFill/>
+          </a:ln>
+          <a:effectLst/>
+          <a:extLst>
+            <a:ext uri="{909E8E84-426E-40DD-AFC4-6F175D3DCCD1}">
+              <a14:hiddenFill xmlns:a14="http://schemas.microsoft.com/office/drawing/2010/main">
+                <a:solidFill>
+                  <a:schemeClr val="accent1"/>
+                </a:solidFill>
+              </a14:hiddenFill>
+            </a:ext>
+            <a:ext uri="{91240B29-F687-4F45-9708-019B960494DF}">
+              <a14:hiddenLine xmlns:a14="http://schemas.microsoft.com/office/drawing/2010/main" w="9525">
+                <a:solidFill>
+                  <a:schemeClr val="tx1"/>
+                </a:solidFill>
+                <a:miter lim="800000"/>
+                <a:headEnd/>
+                <a:tailEnd/>
+              </a14:hiddenLine>
+            </a:ext>
+            <a:ext uri="{AF507438-7753-43E0-B8FC-AC1667EBCBE1}">
+              <a14:hiddenEffects xmlns:a14="http://schemas.microsoft.com/office/drawing/2010/main">
+                <a:effectLst>
+                  <a:outerShdw dist="35921" dir="2700000" algn="ctr" rotWithShape="0">
+                    <a:schemeClr val="bg2"/>
+                  </a:outerShdw>
+                </a:effectLst>
+              </a14:hiddenEffects>
+            </a:ext>
+          </a:extLst>
+        </p:spPr>
+        <p:txBody>
+          <a:bodyPr vert="horz" wrap="none" lIns="91440" tIns="45720" rIns="91440" bIns="45720" numCol="1" anchor="ctr" anchorCtr="0" compatLnSpc="1">
+            <a:prstTxWarp prst="textNoShape">
+              <a:avLst/>
+            </a:prstTxWarp>
+            <a:spAutoFit/>
+          </a:bodyPr>
+          <a:lstStyle/>
+          <a:p>
+            <a:endParaRPr lang="en-US"/>
+          </a:p>
+        </p:txBody>
+      </p:sp>
+      <p:sp>
+        <p:nvSpPr>
+          <p:cNvPr id="20" name="Rectangle 28"/>
+          <p:cNvSpPr>
+            <a:spLocks noChangeArrowheads="1"/>
+          </p:cNvSpPr>
+          <p:nvPr/>
+        </p:nvSpPr>
+        <p:spPr bwMode="auto">
+          <a:xfrm>
+            <a:off x="92075" y="24960263"/>
+            <a:ext cx="12192000" cy="0"/>
+          </a:xfrm>
+          <a:prstGeom prst="rect">
+            <a:avLst/>
+          </a:prstGeom>
+          <a:noFill/>
+          <a:ln>
+            <a:noFill/>
+          </a:ln>
+          <a:effectLst/>
+          <a:extLst>
+            <a:ext uri="{909E8E84-426E-40DD-AFC4-6F175D3DCCD1}">
+              <a14:hiddenFill xmlns:a14="http://schemas.microsoft.com/office/drawing/2010/main">
+                <a:solidFill>
+                  <a:schemeClr val="accent1"/>
+                </a:solidFill>
+              </a14:hiddenFill>
+            </a:ext>
+            <a:ext uri="{91240B29-F687-4F45-9708-019B960494DF}">
+              <a14:hiddenLine xmlns:a14="http://schemas.microsoft.com/office/drawing/2010/main" w="9525">
+                <a:solidFill>
+                  <a:schemeClr val="tx1"/>
+                </a:solidFill>
+                <a:miter lim="800000"/>
+                <a:headEnd/>
+                <a:tailEnd/>
+              </a14:hiddenLine>
+            </a:ext>
+            <a:ext uri="{AF507438-7753-43E0-B8FC-AC1667EBCBE1}">
+              <a14:hiddenEffects xmlns:a14="http://schemas.microsoft.com/office/drawing/2010/main">
+                <a:effectLst>
+                  <a:outerShdw dist="35921" dir="2700000" algn="ctr" rotWithShape="0">
+                    <a:schemeClr val="bg2"/>
+                  </a:outerShdw>
+                </a:effectLst>
+              </a14:hiddenEffects>
+            </a:ext>
+          </a:extLst>
+        </p:spPr>
+        <p:txBody>
+          <a:bodyPr vert="horz" wrap="none" lIns="91440" tIns="45720" rIns="91440" bIns="45720" numCol="1" anchor="ctr" anchorCtr="0" compatLnSpc="1">
+            <a:prstTxWarp prst="textNoShape">
+              <a:avLst/>
+            </a:prstTxWarp>
+            <a:spAutoFit/>
+          </a:bodyPr>
+          <a:lstStyle/>
+          <a:p>
+            <a:pPr marL="0" marR="0" lvl="0" indent="0" algn="l" defTabSz="914400" rtl="0" eaLnBrk="0" fontAlgn="base" latinLnBrk="0" hangingPunct="0">
+              <a:lnSpc>
+                <a:spcPct val="100000"/>
+              </a:lnSpc>
+              <a:spcBef>
+                <a:spcPct val="0"/>
+              </a:spcBef>
+              <a:spcAft>
+                <a:spcPct val="0"/>
+              </a:spcAft>
+              <a:buClrTx/>
+              <a:buSzTx/>
+              <a:buFontTx/>
+              <a:buNone/>
+              <a:tabLst/>
+            </a:pPr>
+            <a:r>
+              <a:rPr kumimoji="0" lang="en-GB" altLang="en-US" sz="1000" b="0" i="0" u="none" strike="noStrike" cap="none" normalizeH="0" baseline="0" smtClean="0">
+                <a:ln>
+                  <a:noFill/>
+                </a:ln>
+                <a:solidFill>
+                  <a:schemeClr val="tx1"/>
+                </a:solidFill>
+                <a:effectLst/>
+                <a:latin typeface="Arial" panose="020B0604020202020204" pitchFamily="34" charset="0"/>
+                <a:ea typeface="Times New Roman" panose="02020603050405020304" pitchFamily="18" charset="0"/>
+                <a:cs typeface="Arial" panose="020B0604020202020204" pitchFamily="34" charset="0"/>
+              </a:rPr>
+              <a:t> </a:t>
+            </a:r>
+            <a:endParaRPr kumimoji="0" lang="en-GB" altLang="en-US" sz="1800" b="0" i="0" u="none" strike="noStrike" cap="none" normalizeH="0" baseline="0" smtClean="0">
+              <a:ln>
+                <a:noFill/>
+              </a:ln>
+              <a:solidFill>
+                <a:schemeClr val="tx1"/>
+              </a:solidFill>
+              <a:effectLst/>
+              <a:latin typeface="Arial" panose="020B0604020202020204" pitchFamily="34" charset="0"/>
+            </a:endParaRPr>
+          </a:p>
+        </p:txBody>
+      </p:sp>
+      <p:sp>
+        <p:nvSpPr>
+          <p:cNvPr id="21" name="Rectangle 29"/>
+          <p:cNvSpPr>
+            <a:spLocks noChangeArrowheads="1"/>
+          </p:cNvSpPr>
+          <p:nvPr/>
+        </p:nvSpPr>
+        <p:spPr bwMode="auto">
+          <a:xfrm>
+            <a:off x="92075" y="26133425"/>
+            <a:ext cx="12192000" cy="0"/>
+          </a:xfrm>
+          <a:prstGeom prst="rect">
+            <a:avLst/>
+          </a:prstGeom>
+          <a:noFill/>
+          <a:ln>
+            <a:noFill/>
+          </a:ln>
+          <a:effectLst/>
+          <a:extLst>
+            <a:ext uri="{909E8E84-426E-40DD-AFC4-6F175D3DCCD1}">
+              <a14:hiddenFill xmlns:a14="http://schemas.microsoft.com/office/drawing/2010/main">
+                <a:solidFill>
+                  <a:schemeClr val="accent1"/>
+                </a:solidFill>
+              </a14:hiddenFill>
+            </a:ext>
+            <a:ext uri="{91240B29-F687-4F45-9708-019B960494DF}">
+              <a14:hiddenLine xmlns:a14="http://schemas.microsoft.com/office/drawing/2010/main" w="9525">
+                <a:solidFill>
+                  <a:schemeClr val="tx1"/>
+                </a:solidFill>
+                <a:miter lim="800000"/>
+                <a:headEnd/>
+                <a:tailEnd/>
+              </a14:hiddenLine>
+            </a:ext>
+            <a:ext uri="{AF507438-7753-43E0-B8FC-AC1667EBCBE1}">
+              <a14:hiddenEffects xmlns:a14="http://schemas.microsoft.com/office/drawing/2010/main">
+                <a:effectLst>
+                  <a:outerShdw dist="35921" dir="2700000" algn="ctr" rotWithShape="0">
+                    <a:schemeClr val="bg2"/>
+                  </a:outerShdw>
+                </a:effectLst>
+              </a14:hiddenEffects>
+            </a:ext>
+          </a:extLst>
+        </p:spPr>
+        <p:txBody>
+          <a:bodyPr vert="horz" wrap="none" lIns="91440" tIns="45720" rIns="91440" bIns="45720" numCol="1" anchor="ctr" anchorCtr="0" compatLnSpc="1">
+            <a:prstTxWarp prst="textNoShape">
+              <a:avLst/>
+            </a:prstTxWarp>
+            <a:spAutoFit/>
+          </a:bodyPr>
+          <a:lstStyle/>
+          <a:p>
+            <a:endParaRPr lang="en-US"/>
+          </a:p>
+        </p:txBody>
+      </p:sp>
+      <p:sp>
+        <p:nvSpPr>
+          <p:cNvPr id="25" name="Rectangle 33"/>
+          <p:cNvSpPr>
+            <a:spLocks noChangeArrowheads="1"/>
+          </p:cNvSpPr>
+          <p:nvPr/>
+        </p:nvSpPr>
+        <p:spPr bwMode="auto">
+          <a:xfrm>
+            <a:off x="92075" y="37860288"/>
+            <a:ext cx="12192000" cy="0"/>
+          </a:xfrm>
+          <a:prstGeom prst="rect">
+            <a:avLst/>
+          </a:prstGeom>
+          <a:noFill/>
+          <a:ln>
+            <a:noFill/>
+          </a:ln>
+          <a:effectLst/>
+          <a:extLst>
+            <a:ext uri="{909E8E84-426E-40DD-AFC4-6F175D3DCCD1}">
+              <a14:hiddenFill xmlns:a14="http://schemas.microsoft.com/office/drawing/2010/main">
+                <a:solidFill>
+                  <a:schemeClr val="accent1"/>
+                </a:solidFill>
+              </a14:hiddenFill>
+            </a:ext>
+            <a:ext uri="{91240B29-F687-4F45-9708-019B960494DF}">
+              <a14:hiddenLine xmlns:a14="http://schemas.microsoft.com/office/drawing/2010/main" w="9525">
+                <a:solidFill>
+                  <a:schemeClr val="tx1"/>
+                </a:solidFill>
+                <a:miter lim="800000"/>
+                <a:headEnd/>
+                <a:tailEnd/>
+              </a14:hiddenLine>
+            </a:ext>
+            <a:ext uri="{AF507438-7753-43E0-B8FC-AC1667EBCBE1}">
+              <a14:hiddenEffects xmlns:a14="http://schemas.microsoft.com/office/drawing/2010/main">
+                <a:effectLst>
+                  <a:outerShdw dist="35921" dir="2700000" algn="ctr" rotWithShape="0">
+                    <a:schemeClr val="bg2"/>
+                  </a:outerShdw>
+                </a:effectLst>
+              </a14:hiddenEffects>
+            </a:ext>
+          </a:extLst>
+        </p:spPr>
+        <p:txBody>
+          <a:bodyPr vert="horz" wrap="none" lIns="91440" tIns="45720" rIns="91440" bIns="45720" numCol="1" anchor="ctr" anchorCtr="0" compatLnSpc="1">
+            <a:prstTxWarp prst="textNoShape">
+              <a:avLst/>
+            </a:prstTxWarp>
+            <a:spAutoFit/>
+          </a:bodyPr>
+          <a:lstStyle/>
+          <a:p>
+            <a:endParaRPr lang="en-US"/>
+          </a:p>
+        </p:txBody>
+      </p:sp>
+      <p:sp>
+        <p:nvSpPr>
+          <p:cNvPr id="27" name="Rectangle 35"/>
+          <p:cNvSpPr>
+            <a:spLocks noChangeArrowheads="1"/>
+          </p:cNvSpPr>
+          <p:nvPr/>
+        </p:nvSpPr>
+        <p:spPr bwMode="auto">
+          <a:xfrm>
+            <a:off x="92075" y="42341800"/>
+            <a:ext cx="12192000" cy="0"/>
+          </a:xfrm>
+          <a:prstGeom prst="rect">
+            <a:avLst/>
+          </a:prstGeom>
+          <a:noFill/>
+          <a:ln>
+            <a:noFill/>
+          </a:ln>
+          <a:effectLst/>
+          <a:extLst>
+            <a:ext uri="{909E8E84-426E-40DD-AFC4-6F175D3DCCD1}">
+              <a14:hiddenFill xmlns:a14="http://schemas.microsoft.com/office/drawing/2010/main">
+                <a:solidFill>
+                  <a:schemeClr val="accent1"/>
+                </a:solidFill>
+              </a14:hiddenFill>
+            </a:ext>
+            <a:ext uri="{91240B29-F687-4F45-9708-019B960494DF}">
+              <a14:hiddenLine xmlns:a14="http://schemas.microsoft.com/office/drawing/2010/main" w="9525">
+                <a:solidFill>
+                  <a:schemeClr val="tx1"/>
+                </a:solidFill>
+                <a:miter lim="800000"/>
+                <a:headEnd/>
+                <a:tailEnd/>
+              </a14:hiddenLine>
+            </a:ext>
+            <a:ext uri="{AF507438-7753-43E0-B8FC-AC1667EBCBE1}">
+              <a14:hiddenEffects xmlns:a14="http://schemas.microsoft.com/office/drawing/2010/main">
+                <a:effectLst>
+                  <a:outerShdw dist="35921" dir="2700000" algn="ctr" rotWithShape="0">
+                    <a:schemeClr val="bg2"/>
+                  </a:outerShdw>
+                </a:effectLst>
+              </a14:hiddenEffects>
+            </a:ext>
+          </a:extLst>
+        </p:spPr>
+        <p:txBody>
+          <a:bodyPr vert="horz" wrap="none" lIns="91440" tIns="45720" rIns="91440" bIns="45720" numCol="1" anchor="ctr" anchorCtr="0" compatLnSpc="1">
+            <a:prstTxWarp prst="textNoShape">
+              <a:avLst/>
+            </a:prstTxWarp>
+            <a:spAutoFit/>
+          </a:bodyPr>
+          <a:lstStyle/>
+          <a:p>
+            <a:endParaRPr lang="en-US"/>
+          </a:p>
+        </p:txBody>
+      </p:sp>
+    </p:spTree>
+    <p:extLst>
+      <p:ext uri="{BB962C8B-B14F-4D97-AF65-F5344CB8AC3E}">
+        <p14:creationId xmlns:p14="http://schemas.microsoft.com/office/powerpoint/2010/main" val="1284932221"/>
+      </p:ext>
+    </p:extLst>
+  </p:cSld>
+  <p:clrMapOvr>
+    <a:masterClrMapping/>
+  </p:clrMapOvr>
+  <p:timing>
+    <p:tnLst>
+      <p:par>
+        <p:cTn id="1" dur="indefinite" restart="never" nodeType="tmRoot"/>
+      </p:par>
+    </p:tnLst>
+  </p:timing>
+</p:sld>
+</file>
+
+<file path=ppt/slides/slide13.xml><?xml version="1.0" encoding="utf-8"?>
+<p:sld xmlns:a="http://schemas.openxmlformats.org/drawingml/2006/main" xmlns:r="http://schemas.openxmlformats.org/officeDocument/2006/relationships" xmlns:p="http://schemas.openxmlformats.org/presentationml/2006/main">
+  <p:cSld>
+    <p:spTree>
+      <p:nvGrpSpPr>
+        <p:cNvPr id="1" name=""/>
+        <p:cNvGrpSpPr/>
+        <p:nvPr/>
+      </p:nvGrpSpPr>
+      <p:grpSpPr>
+        <a:xfrm>
+          <a:off x="0" y="0"/>
+          <a:ext cx="0" cy="0"/>
+          <a:chOff x="0" y="0"/>
+          <a:chExt cx="0" cy="0"/>
+        </a:xfrm>
+      </p:grpSpPr>
+      <p:sp>
+        <p:nvSpPr>
+          <p:cNvPr id="4" name="Footer Placeholder 3"/>
+          <p:cNvSpPr>
+            <a:spLocks noGrp="1"/>
+          </p:cNvSpPr>
+          <p:nvPr>
+            <p:ph type="ftr" sz="quarter" idx="11"/>
+          </p:nvPr>
+        </p:nvSpPr>
+        <p:spPr/>
+        <p:txBody>
+          <a:bodyPr/>
+          <a:lstStyle/>
+          <a:p>
+            <a:r>
+              <a:rPr lang="en-US" noProof="0" smtClean="0"/>
+              <a:t>IT Americas / Integration Services</a:t>
+            </a:r>
+            <a:endParaRPr lang="en-US" noProof="0" dirty="0"/>
+          </a:p>
+        </p:txBody>
+      </p:sp>
+      <p:sp>
+        <p:nvSpPr>
+          <p:cNvPr id="5" name="Slide Number Placeholder 4"/>
+          <p:cNvSpPr>
+            <a:spLocks noGrp="1"/>
+          </p:cNvSpPr>
+          <p:nvPr>
+            <p:ph type="sldNum" sz="quarter" idx="12"/>
+          </p:nvPr>
+        </p:nvSpPr>
+        <p:spPr/>
+        <p:txBody>
+          <a:bodyPr/>
+          <a:lstStyle/>
+          <a:p>
+            <a:fld id="{91D0DAE4-BE63-46F6-A3FC-2CC1752FBC7E}" type="slidenum">
+              <a:rPr lang="en-US" noProof="0" smtClean="0"/>
+              <a:pPr/>
+              <a:t>14</a:t>
+            </a:fld>
+            <a:endParaRPr lang="en-US" noProof="0" dirty="0"/>
+          </a:p>
+        </p:txBody>
+      </p:sp>
+      <p:pic>
+        <p:nvPicPr>
+          <p:cNvPr id="7" name="Picture 6"/>
+          <p:cNvPicPr/>
+          <p:nvPr/>
+        </p:nvPicPr>
+        <p:blipFill>
+          <a:blip r:embed="rId2" cstate="print"/>
+          <a:srcRect/>
+          <a:stretch>
+            <a:fillRect/>
+          </a:stretch>
+        </p:blipFill>
+        <p:spPr bwMode="auto">
+          <a:xfrm>
+            <a:off x="623393" y="116632"/>
+            <a:ext cx="3168352" cy="1296144"/>
+          </a:xfrm>
+          <a:prstGeom prst="rect">
+            <a:avLst/>
+          </a:prstGeom>
+          <a:noFill/>
+          <a:ln w="9525">
+            <a:noFill/>
+            <a:miter lim="800000"/>
+            <a:headEnd/>
+            <a:tailEnd/>
+          </a:ln>
+        </p:spPr>
+      </p:pic>
+      <p:sp>
+        <p:nvSpPr>
+          <p:cNvPr id="8" name="Rectangle 2"/>
+          <p:cNvSpPr>
+            <a:spLocks noChangeArrowheads="1"/>
+          </p:cNvSpPr>
+          <p:nvPr/>
+        </p:nvSpPr>
+        <p:spPr bwMode="auto">
+          <a:xfrm>
+            <a:off x="3983088" y="-22110"/>
+            <a:ext cx="3024336" cy="523220"/>
+          </a:xfrm>
+          <a:prstGeom prst="rect">
+            <a:avLst/>
+          </a:prstGeom>
+          <a:noFill/>
+          <a:ln>
+            <a:noFill/>
+          </a:ln>
+          <a:effectLst/>
+          <a:extLst>
+            <a:ext uri="{909E8E84-426E-40DD-AFC4-6F175D3DCCD1}">
+              <a14:hiddenFill xmlns:a14="http://schemas.microsoft.com/office/drawing/2010/main">
+                <a:solidFill>
+                  <a:schemeClr val="accent1"/>
+                </a:solidFill>
+              </a14:hiddenFill>
+            </a:ext>
+            <a:ext uri="{91240B29-F687-4F45-9708-019B960494DF}">
+              <a14:hiddenLine xmlns:a14="http://schemas.microsoft.com/office/drawing/2010/main" w="9525">
+                <a:solidFill>
+                  <a:schemeClr val="tx1"/>
+                </a:solidFill>
+                <a:miter lim="800000"/>
+                <a:headEnd/>
+                <a:tailEnd/>
+              </a14:hiddenLine>
+            </a:ext>
+            <a:ext uri="{AF507438-7753-43E0-B8FC-AC1667EBCBE1}">
+              <a14:hiddenEffects xmlns:a14="http://schemas.microsoft.com/office/drawing/2010/main">
+                <a:effectLst>
+                  <a:outerShdw dist="35921" dir="2700000" algn="ctr" rotWithShape="0">
+                    <a:schemeClr val="bg2"/>
+                  </a:outerShdw>
+                </a:effectLst>
+              </a14:hiddenEffects>
+            </a:ext>
+          </a:extLst>
+        </p:spPr>
+        <p:txBody>
+          <a:bodyPr vert="horz" wrap="square" lIns="91440" tIns="45720" rIns="91440" bIns="45720" numCol="1" anchor="ctr" anchorCtr="0" compatLnSpc="1">
+            <a:prstTxWarp prst="textNoShape">
+              <a:avLst/>
+            </a:prstTxWarp>
+            <a:spAutoFit/>
+          </a:bodyPr>
+          <a:lstStyle/>
+          <a:p>
+            <a:pPr marL="0" marR="0" lvl="0" indent="0" algn="l" defTabSz="914400" rtl="0" eaLnBrk="0" fontAlgn="base" latinLnBrk="0" hangingPunct="0">
+              <a:lnSpc>
+                <a:spcPct val="100000"/>
+              </a:lnSpc>
+              <a:spcBef>
+                <a:spcPct val="0"/>
+              </a:spcBef>
+              <a:spcAft>
+                <a:spcPct val="0"/>
+              </a:spcAft>
+              <a:buClrTx/>
+              <a:buSzTx/>
+              <a:buFontTx/>
+              <a:buNone/>
+              <a:tabLst/>
+            </a:pPr>
+            <a:r>
+              <a:rPr kumimoji="0" lang="en-GB" altLang="en-US" sz="1000" b="0" i="0" u="none" strike="noStrike" cap="none" normalizeH="0" baseline="0" dirty="0" smtClean="0">
+                <a:ln>
+                  <a:noFill/>
+                </a:ln>
+                <a:solidFill>
+                  <a:schemeClr val="tx1"/>
+                </a:solidFill>
+                <a:effectLst/>
+                <a:latin typeface="Arial" panose="020B0604020202020204" pitchFamily="34" charset="0"/>
+                <a:ea typeface="Times New Roman" panose="02020603050405020304" pitchFamily="18" charset="0"/>
+                <a:cs typeface="Arial" panose="020B0604020202020204" pitchFamily="34" charset="0"/>
+              </a:rPr>
+              <a:t>I will use </a:t>
+            </a:r>
+            <a:r>
+              <a:rPr kumimoji="0" lang="en-GB" altLang="en-US" sz="1000" b="0" i="0" u="none" strike="noStrike" cap="none" normalizeH="0" baseline="0" dirty="0" err="1" smtClean="0">
+                <a:ln>
+                  <a:noFill/>
+                </a:ln>
+                <a:solidFill>
+                  <a:schemeClr val="tx1"/>
+                </a:solidFill>
+                <a:effectLst/>
+                <a:latin typeface="Arial" panose="020B0604020202020204" pitchFamily="34" charset="0"/>
+                <a:ea typeface="Times New Roman" panose="02020603050405020304" pitchFamily="18" charset="0"/>
+                <a:cs typeface="Arial" panose="020B0604020202020204" pitchFamily="34" charset="0"/>
+              </a:rPr>
+              <a:t>iot</a:t>
+            </a:r>
+            <a:r>
+              <a:rPr kumimoji="0" lang="en-GB" altLang="en-US" sz="1000" b="0" i="0" u="none" strike="noStrike" cap="none" normalizeH="0" baseline="0" dirty="0" smtClean="0">
+                <a:ln>
+                  <a:noFill/>
+                </a:ln>
+                <a:solidFill>
+                  <a:schemeClr val="tx1"/>
+                </a:solidFill>
+                <a:effectLst/>
+                <a:latin typeface="Arial" panose="020B0604020202020204" pitchFamily="34" charset="0"/>
+                <a:ea typeface="Times New Roman" panose="02020603050405020304" pitchFamily="18" charset="0"/>
+                <a:cs typeface="Arial" panose="020B0604020202020204" pitchFamily="34" charset="0"/>
+              </a:rPr>
+              <a:t>:* to let any action.</a:t>
+            </a:r>
+            <a:endParaRPr kumimoji="0" lang="en-US" altLang="en-US" sz="800" b="0" i="0" u="none" strike="noStrike" cap="none" normalizeH="0" baseline="0" dirty="0" smtClean="0">
+              <a:ln>
+                <a:noFill/>
+              </a:ln>
+              <a:solidFill>
+                <a:schemeClr val="tx1"/>
+              </a:solidFill>
+              <a:effectLst/>
+            </a:endParaRPr>
+          </a:p>
+          <a:p>
+            <a:pPr marL="0" marR="0" lvl="0" indent="0" algn="l" defTabSz="914400" rtl="0" eaLnBrk="0" fontAlgn="base" latinLnBrk="0" hangingPunct="0">
+              <a:lnSpc>
+                <a:spcPct val="100000"/>
+              </a:lnSpc>
+              <a:spcBef>
+                <a:spcPct val="0"/>
+              </a:spcBef>
+              <a:spcAft>
+                <a:spcPct val="0"/>
+              </a:spcAft>
+              <a:buClrTx/>
+              <a:buSzTx/>
+              <a:buFontTx/>
+              <a:buNone/>
+              <a:tabLst/>
+            </a:pPr>
+            <a:endParaRPr kumimoji="0" lang="en-US" altLang="en-US" sz="1800" b="0" i="0" u="none" strike="noStrike" cap="none" normalizeH="0" baseline="0" dirty="0" smtClean="0">
+              <a:ln>
+                <a:noFill/>
+              </a:ln>
+              <a:solidFill>
+                <a:schemeClr val="tx1"/>
+              </a:solidFill>
+              <a:effectLst/>
+              <a:latin typeface="Arial" panose="020B0604020202020204" pitchFamily="34" charset="0"/>
+            </a:endParaRPr>
+          </a:p>
+        </p:txBody>
+      </p:sp>
+      <p:pic>
+        <p:nvPicPr>
+          <p:cNvPr id="9217" name="Picture 148"/>
+          <p:cNvPicPr>
+            <a:picLocks noChangeAspect="1" noChangeArrowheads="1"/>
+          </p:cNvPicPr>
+          <p:nvPr/>
+        </p:nvPicPr>
+        <p:blipFill>
+          <a:blip r:embed="rId3">
+            <a:extLst>
+              <a:ext uri="{28A0092B-C50C-407E-A947-70E740481C1C}">
+                <a14:useLocalDpi xmlns:a14="http://schemas.microsoft.com/office/drawing/2010/main" val="0"/>
+              </a:ext>
+            </a:extLst>
+          </a:blip>
+          <a:srcRect/>
+          <a:stretch>
+            <a:fillRect/>
+          </a:stretch>
+        </p:blipFill>
+        <p:spPr bwMode="auto">
+          <a:xfrm>
+            <a:off x="3935760" y="195515"/>
+            <a:ext cx="3071664" cy="2548233"/>
+          </a:xfrm>
+          <a:prstGeom prst="rect">
+            <a:avLst/>
+          </a:prstGeom>
+          <a:noFill/>
+          <a:extLst>
+            <a:ext uri="{909E8E84-426E-40DD-AFC4-6F175D3DCCD1}">
+              <a14:hiddenFill xmlns:a14="http://schemas.microsoft.com/office/drawing/2010/main">
+                <a:solidFill>
+                  <a:srgbClr val="FFFFFF"/>
+                </a:solidFill>
+              </a14:hiddenFill>
+            </a:ext>
+          </a:extLst>
+        </p:spPr>
+      </p:pic>
+      <p:sp>
+        <p:nvSpPr>
+          <p:cNvPr id="9" name="Rectangle 3"/>
+          <p:cNvSpPr>
+            <a:spLocks noChangeArrowheads="1"/>
+          </p:cNvSpPr>
+          <p:nvPr/>
+        </p:nvSpPr>
+        <p:spPr bwMode="auto">
+          <a:xfrm>
+            <a:off x="92075" y="4851400"/>
+            <a:ext cx="12192000" cy="0"/>
+          </a:xfrm>
+          <a:prstGeom prst="rect">
+            <a:avLst/>
+          </a:prstGeom>
+          <a:noFill/>
+          <a:ln>
+            <a:noFill/>
+          </a:ln>
+          <a:effectLst/>
+          <a:extLst>
+            <a:ext uri="{909E8E84-426E-40DD-AFC4-6F175D3DCCD1}">
+              <a14:hiddenFill xmlns:a14="http://schemas.microsoft.com/office/drawing/2010/main">
+                <a:solidFill>
+                  <a:schemeClr val="accent1"/>
+                </a:solidFill>
+              </a14:hiddenFill>
+            </a:ext>
+            <a:ext uri="{91240B29-F687-4F45-9708-019B960494DF}">
+              <a14:hiddenLine xmlns:a14="http://schemas.microsoft.com/office/drawing/2010/main" w="9525">
+                <a:solidFill>
+                  <a:schemeClr val="tx1"/>
+                </a:solidFill>
+                <a:miter lim="800000"/>
+                <a:headEnd/>
+                <a:tailEnd/>
+              </a14:hiddenLine>
+            </a:ext>
+            <a:ext uri="{AF507438-7753-43E0-B8FC-AC1667EBCBE1}">
+              <a14:hiddenEffects xmlns:a14="http://schemas.microsoft.com/office/drawing/2010/main">
+                <a:effectLst>
+                  <a:outerShdw dist="35921" dir="2700000" algn="ctr" rotWithShape="0">
+                    <a:schemeClr val="bg2"/>
+                  </a:outerShdw>
+                </a:effectLst>
+              </a14:hiddenEffects>
+            </a:ext>
+          </a:extLst>
+        </p:spPr>
+        <p:txBody>
+          <a:bodyPr vert="horz" wrap="none" lIns="91440" tIns="45720" rIns="91440" bIns="45720" numCol="1" anchor="ctr" anchorCtr="0" compatLnSpc="1">
+            <a:prstTxWarp prst="textNoShape">
+              <a:avLst/>
+            </a:prstTxWarp>
+            <a:spAutoFit/>
+          </a:bodyPr>
+          <a:lstStyle/>
+          <a:p>
+            <a:endParaRPr lang="en-US"/>
+          </a:p>
+        </p:txBody>
+      </p:sp>
+      <p:sp>
+        <p:nvSpPr>
+          <p:cNvPr id="10" name="Rectangle 5"/>
+          <p:cNvSpPr>
+            <a:spLocks noChangeArrowheads="1"/>
+          </p:cNvSpPr>
+          <p:nvPr/>
+        </p:nvSpPr>
+        <p:spPr bwMode="auto">
+          <a:xfrm>
+            <a:off x="7007424" y="28922"/>
+            <a:ext cx="2184920" cy="249164"/>
+          </a:xfrm>
+          <a:prstGeom prst="rect">
+            <a:avLst/>
+          </a:prstGeom>
+          <a:noFill/>
+          <a:ln>
+            <a:noFill/>
+          </a:ln>
+          <a:effectLst/>
+          <a:extLst>
+            <a:ext uri="{909E8E84-426E-40DD-AFC4-6F175D3DCCD1}">
+              <a14:hiddenFill xmlns:a14="http://schemas.microsoft.com/office/drawing/2010/main">
+                <a:solidFill>
+                  <a:schemeClr val="accent1"/>
+                </a:solidFill>
+              </a14:hiddenFill>
+            </a:ext>
+            <a:ext uri="{91240B29-F687-4F45-9708-019B960494DF}">
+              <a14:hiddenLine xmlns:a14="http://schemas.microsoft.com/office/drawing/2010/main" w="9525">
+                <a:solidFill>
+                  <a:schemeClr val="tx1"/>
+                </a:solidFill>
+                <a:miter lim="800000"/>
+                <a:headEnd/>
+                <a:tailEnd/>
+              </a14:hiddenLine>
+            </a:ext>
+            <a:ext uri="{AF507438-7753-43E0-B8FC-AC1667EBCBE1}">
+              <a14:hiddenEffects xmlns:a14="http://schemas.microsoft.com/office/drawing/2010/main">
+                <a:effectLst>
+                  <a:outerShdw dist="35921" dir="2700000" algn="ctr" rotWithShape="0">
+                    <a:schemeClr val="bg2"/>
+                  </a:outerShdw>
+                </a:effectLst>
+              </a14:hiddenEffects>
+            </a:ext>
+          </a:extLst>
+        </p:spPr>
+        <p:txBody>
+          <a:bodyPr vert="horz" wrap="square" lIns="91440" tIns="45720" rIns="91440" bIns="45720" numCol="1" anchor="ctr" anchorCtr="0" compatLnSpc="1">
+            <a:prstTxWarp prst="textNoShape">
+              <a:avLst/>
+            </a:prstTxWarp>
+            <a:spAutoFit/>
+          </a:bodyPr>
+          <a:lstStyle/>
+          <a:p>
+            <a:pPr marL="0" marR="0" lvl="0" indent="0" algn="l" defTabSz="914400" rtl="0" eaLnBrk="0" fontAlgn="base" latinLnBrk="0" hangingPunct="0">
+              <a:lnSpc>
+                <a:spcPct val="100000"/>
+              </a:lnSpc>
+              <a:spcBef>
+                <a:spcPct val="0"/>
+              </a:spcBef>
+              <a:spcAft>
+                <a:spcPct val="0"/>
+              </a:spcAft>
+              <a:buClrTx/>
+              <a:buSzTx/>
+              <a:buFontTx/>
+              <a:buNone/>
+              <a:tabLst/>
+            </a:pPr>
+            <a:r>
               <a:rPr kumimoji="0" lang="en-GB" altLang="en-US" sz="1000" b="0" i="0" u="none" strike="noStrike" cap="none" normalizeH="0" baseline="0" dirty="0" smtClean="0">
                 <a:ln>
                   <a:noFill/>
@@ -11801,7 +11937,7 @@
           <a:blip r:embed="rId4">
             <a:extLst>
               <a:ext uri="{28A0092B-C50C-407E-A947-70E740481C1C}">
-                <a14:useLocalDpi xmlns:a14="http://schemas.microsoft.com/office/drawing/2010/main" xmlns="" val="0"/>
+                <a14:useLocalDpi xmlns:a14="http://schemas.microsoft.com/office/drawing/2010/main" val="0"/>
               </a:ext>
             </a:extLst>
           </a:blip>
@@ -11821,7 +11957,7 @@
           <a:noFill/>
           <a:extLst>
             <a:ext uri="{909E8E84-426E-40DD-AFC4-6F175D3DCCD1}">
-              <a14:hiddenFill xmlns:a14="http://schemas.microsoft.com/office/drawing/2010/main" xmlns="">
+              <a14:hiddenFill xmlns:a14="http://schemas.microsoft.com/office/drawing/2010/main">
                 <a:solidFill>
                   <a:srgbClr val="FFFFFF"/>
                 </a:solidFill>
@@ -11853,14 +11989,14 @@
           <a:effectLst/>
           <a:extLst>
             <a:ext uri="{909E8E84-426E-40DD-AFC4-6F175D3DCCD1}">
-              <a14:hiddenFill xmlns:a14="http://schemas.microsoft.com/office/drawing/2010/main" xmlns="">
+              <a14:hiddenFill xmlns:a14="http://schemas.microsoft.com/office/drawing/2010/main">
                 <a:solidFill>
                   <a:schemeClr val="accent1"/>
                 </a:solidFill>
               </a14:hiddenFill>
             </a:ext>
             <a:ext uri="{91240B29-F687-4F45-9708-019B960494DF}">
-              <a14:hiddenLine xmlns:a14="http://schemas.microsoft.com/office/drawing/2010/main" xmlns="" w="9525">
+              <a14:hiddenLine xmlns:a14="http://schemas.microsoft.com/office/drawing/2010/main" w="9525">
                 <a:solidFill>
                   <a:schemeClr val="tx1"/>
                 </a:solidFill>
@@ -11870,7 +12006,7 @@
               </a14:hiddenLine>
             </a:ext>
             <a:ext uri="{AF507438-7753-43E0-B8FC-AC1667EBCBE1}">
-              <a14:hiddenEffects xmlns:a14="http://schemas.microsoft.com/office/drawing/2010/main" xmlns="">
+              <a14:hiddenEffects xmlns:a14="http://schemas.microsoft.com/office/drawing/2010/main">
                 <a:effectLst>
                   <a:outerShdw dist="35921" dir="2700000" algn="ctr" rotWithShape="0">
                     <a:schemeClr val="bg2"/>
@@ -12127,174 +12263,7 @@
     </p:spTree>
     <p:extLst>
       <p:ext uri="{BB962C8B-B14F-4D97-AF65-F5344CB8AC3E}">
-        <p14:creationId xmlns:p14="http://schemas.microsoft.com/office/powerpoint/2010/main" xmlns="" val="168212972"/>
-      </p:ext>
-    </p:extLst>
-  </p:cSld>
-  <p:clrMapOvr>
-    <a:masterClrMapping/>
-  </p:clrMapOvr>
-</p:sld>
-</file>
-
-<file path=ppt/slides/slide13.xml><?xml version="1.0" encoding="utf-8"?>
-<p:sld xmlns:a="http://schemas.openxmlformats.org/drawingml/2006/main" xmlns:r="http://schemas.openxmlformats.org/officeDocument/2006/relationships" xmlns:p="http://schemas.openxmlformats.org/presentationml/2006/main">
-  <p:cSld>
-    <p:spTree>
-      <p:nvGrpSpPr>
-        <p:cNvPr id="1" name=""/>
-        <p:cNvGrpSpPr/>
-        <p:nvPr/>
-      </p:nvGrpSpPr>
-      <p:grpSpPr>
-        <a:xfrm>
-          <a:off x="0" y="0"/>
-          <a:ext cx="0" cy="0"/>
-          <a:chOff x="0" y="0"/>
-          <a:chExt cx="0" cy="0"/>
-        </a:xfrm>
-      </p:grpSpPr>
-      <p:sp>
-        <p:nvSpPr>
-          <p:cNvPr id="4" name="Footer Placeholder 3"/>
-          <p:cNvSpPr>
-            <a:spLocks noGrp="1"/>
-          </p:cNvSpPr>
-          <p:nvPr>
-            <p:ph type="ftr" sz="quarter" idx="11"/>
-          </p:nvPr>
-        </p:nvSpPr>
-        <p:spPr/>
-        <p:txBody>
-          <a:bodyPr/>
-          <a:lstStyle/>
-          <a:p>
-            <a:r>
-              <a:rPr lang="en-US" noProof="0" smtClean="0"/>
-              <a:t>IT Americas / Integration Services</a:t>
-            </a:r>
-            <a:endParaRPr lang="en-US" noProof="0" dirty="0"/>
-          </a:p>
-        </p:txBody>
-      </p:sp>
-      <p:sp>
-        <p:nvSpPr>
-          <p:cNvPr id="5" name="Slide Number Placeholder 4"/>
-          <p:cNvSpPr>
-            <a:spLocks noGrp="1"/>
-          </p:cNvSpPr>
-          <p:nvPr>
-            <p:ph type="sldNum" sz="quarter" idx="12"/>
-          </p:nvPr>
-        </p:nvSpPr>
-        <p:spPr/>
-        <p:txBody>
-          <a:bodyPr/>
-          <a:lstStyle/>
-          <a:p>
-            <a:fld id="{91D0DAE4-BE63-46F6-A3FC-2CC1752FBC7E}" type="slidenum">
-              <a:rPr lang="en-US" noProof="0" smtClean="0"/>
-              <a:pPr/>
-              <a:t>14</a:t>
-            </a:fld>
-            <a:endParaRPr lang="en-US" noProof="0" dirty="0"/>
-          </a:p>
-        </p:txBody>
-      </p:sp>
-      <p:pic>
-        <p:nvPicPr>
-          <p:cNvPr id="7" name="Picture 6"/>
-          <p:cNvPicPr/>
-          <p:nvPr/>
-        </p:nvPicPr>
-        <p:blipFill>
-          <a:blip r:embed="rId2"/>
-          <a:srcRect/>
-          <a:stretch>
-            <a:fillRect/>
-          </a:stretch>
-        </p:blipFill>
-        <p:spPr bwMode="auto">
-          <a:xfrm>
-            <a:off x="911424" y="188640"/>
-            <a:ext cx="1820545" cy="1410335"/>
-          </a:xfrm>
-          <a:prstGeom prst="rect">
-            <a:avLst/>
-          </a:prstGeom>
-          <a:noFill/>
-          <a:ln w="9525">
-            <a:noFill/>
-            <a:miter lim="800000"/>
-            <a:headEnd/>
-            <a:tailEnd/>
-          </a:ln>
-        </p:spPr>
-      </p:pic>
-      <p:pic>
-        <p:nvPicPr>
-          <p:cNvPr id="8" name="Picture 7"/>
-          <p:cNvPicPr/>
-          <p:nvPr/>
-        </p:nvPicPr>
-        <p:blipFill>
-          <a:blip r:embed="rId3"/>
-          <a:srcRect/>
-          <a:stretch>
-            <a:fillRect/>
-          </a:stretch>
-        </p:blipFill>
-        <p:spPr bwMode="auto">
-          <a:xfrm>
-            <a:off x="695400" y="1700808"/>
-            <a:ext cx="4725645" cy="4541364"/>
-          </a:xfrm>
-          <a:prstGeom prst="rect">
-            <a:avLst/>
-          </a:prstGeom>
-          <a:noFill/>
-          <a:ln w="9525">
-            <a:noFill/>
-            <a:miter lim="800000"/>
-            <a:headEnd/>
-            <a:tailEnd/>
-          </a:ln>
-        </p:spPr>
-      </p:pic>
-      <p:pic>
-        <p:nvPicPr>
-          <p:cNvPr id="9" name="Picture 8"/>
-          <p:cNvPicPr/>
-          <p:nvPr/>
-        </p:nvPicPr>
-        <p:blipFill>
-          <a:blip r:embed="rId4"/>
-          <a:srcRect/>
-          <a:stretch>
-            <a:fillRect/>
-          </a:stretch>
-        </p:blipFill>
-        <p:spPr bwMode="auto">
-          <a:xfrm>
-            <a:off x="5591944" y="1340768"/>
-            <a:ext cx="6116955" cy="1643380"/>
-          </a:xfrm>
-          <a:prstGeom prst="rect">
-            <a:avLst/>
-          </a:prstGeom>
-          <a:noFill/>
-          <a:ln w="9525">
-            <a:noFill/>
-            <a:miter lim="800000"/>
-            <a:headEnd/>
-            <a:tailEnd/>
-          </a:ln>
-        </p:spPr>
-      </p:pic>
-    </p:spTree>
-    <p:extLst>
-      <p:ext uri="{BB962C8B-B14F-4D97-AF65-F5344CB8AC3E}">
-        <p14:creationId xmlns:p14="http://schemas.microsoft.com/office/powerpoint/2010/main" xmlns="" val="4220861992"/>
+        <p14:creationId xmlns:p14="http://schemas.microsoft.com/office/powerpoint/2010/main" val="168212972"/>
       </p:ext>
     </p:extLst>
   </p:cSld>
@@ -12323,12 +12292,12 @@
       </p:grpSpPr>
       <p:sp>
         <p:nvSpPr>
-          <p:cNvPr id="7" name="Content Placeholder 6"/>
-          <p:cNvSpPr>
-            <a:spLocks noGrp="1"/>
-          </p:cNvSpPr>
-          <p:nvPr>
-            <p:ph idx="1"/>
+          <p:cNvPr id="4" name="Footer Placeholder 3"/>
+          <p:cNvSpPr>
+            <a:spLocks noGrp="1"/>
+          </p:cNvSpPr>
+          <p:nvPr>
+            <p:ph type="ftr" sz="quarter" idx="11"/>
           </p:nvPr>
         </p:nvSpPr>
         <p:spPr/>
@@ -12337,21 +12306,21 @@
           <a:lstStyle/>
           <a:p>
             <a:r>
-              <a:rPr lang="en-US" dirty="0" smtClean="0"/>
-              <a:t>AWS IOT RULES</a:t>
-            </a:r>
-            <a:endParaRPr lang="en-US" dirty="0"/>
-          </a:p>
-        </p:txBody>
-      </p:sp>
-      <p:sp>
-        <p:nvSpPr>
-          <p:cNvPr id="4" name="Footer Placeholder 3"/>
-          <p:cNvSpPr>
-            <a:spLocks noGrp="1"/>
-          </p:cNvSpPr>
-          <p:nvPr>
-            <p:ph type="ftr" sz="quarter" idx="11"/>
+              <a:rPr lang="en-US" noProof="0" smtClean="0"/>
+              <a:t>IT Americas / Integration Services</a:t>
+            </a:r>
+            <a:endParaRPr lang="en-US" noProof="0" dirty="0"/>
+          </a:p>
+        </p:txBody>
+      </p:sp>
+      <p:sp>
+        <p:nvSpPr>
+          <p:cNvPr id="5" name="Slide Number Placeholder 4"/>
+          <p:cNvSpPr>
+            <a:spLocks noGrp="1"/>
+          </p:cNvSpPr>
+          <p:nvPr>
+            <p:ph type="sldNum" sz="quarter" idx="12"/>
           </p:nvPr>
         </p:nvSpPr>
         <p:spPr/>
@@ -12359,70 +12328,115 @@
           <a:bodyPr/>
           <a:lstStyle/>
           <a:p>
-            <a:r>
-              <a:rPr lang="fr-FR" dirty="0"/>
-              <a:t>IT </a:t>
-            </a:r>
-            <a:r>
-              <a:rPr lang="fr-FR" dirty="0" err="1"/>
-              <a:t>Americas</a:t>
-            </a:r>
-            <a:r>
-              <a:rPr lang="fr-FR" dirty="0"/>
-              <a:t> / </a:t>
-            </a:r>
-            <a:r>
-              <a:rPr lang="en-US" dirty="0"/>
-              <a:t>Integration</a:t>
-            </a:r>
-            <a:r>
-              <a:rPr lang="fr-FR" dirty="0"/>
-              <a:t> Services</a:t>
-            </a:r>
-          </a:p>
-        </p:txBody>
-      </p:sp>
-      <p:sp>
-        <p:nvSpPr>
-          <p:cNvPr id="5" name="Slide Number Placeholder 4"/>
-          <p:cNvSpPr>
-            <a:spLocks noGrp="1"/>
-          </p:cNvSpPr>
-          <p:nvPr>
-            <p:ph type="sldNum" sz="quarter" idx="4"/>
-          </p:nvPr>
-        </p:nvSpPr>
-        <p:spPr/>
-        <p:txBody>
-          <a:bodyPr/>
-          <a:lstStyle/>
-          <a:p>
             <a:fld id="{91D0DAE4-BE63-46F6-A3FC-2CC1752FBC7E}" type="slidenum">
-              <a:rPr lang="fr-FR" smtClean="0"/>
+              <a:rPr lang="en-US" noProof="0" smtClean="0"/>
               <a:pPr/>
               <a:t>15</a:t>
             </a:fld>
-            <a:endParaRPr lang="fr-FR" dirty="0"/>
-          </a:p>
-        </p:txBody>
-      </p:sp>
+            <a:endParaRPr lang="en-US" noProof="0" dirty="0"/>
+          </a:p>
+        </p:txBody>
+      </p:sp>
+      <p:pic>
+        <p:nvPicPr>
+          <p:cNvPr id="7" name="Picture 6"/>
+          <p:cNvPicPr/>
+          <p:nvPr/>
+        </p:nvPicPr>
+        <p:blipFill>
+          <a:blip r:embed="rId2"/>
+          <a:srcRect/>
+          <a:stretch>
+            <a:fillRect/>
+          </a:stretch>
+        </p:blipFill>
+        <p:spPr bwMode="auto">
+          <a:xfrm>
+            <a:off x="911424" y="188640"/>
+            <a:ext cx="1820545" cy="1410335"/>
+          </a:xfrm>
+          <a:prstGeom prst="rect">
+            <a:avLst/>
+          </a:prstGeom>
+          <a:noFill/>
+          <a:ln w="9525">
+            <a:noFill/>
+            <a:miter lim="800000"/>
+            <a:headEnd/>
+            <a:tailEnd/>
+          </a:ln>
+        </p:spPr>
+      </p:pic>
+      <p:pic>
+        <p:nvPicPr>
+          <p:cNvPr id="8" name="Picture 7"/>
+          <p:cNvPicPr/>
+          <p:nvPr/>
+        </p:nvPicPr>
+        <p:blipFill>
+          <a:blip r:embed="rId3"/>
+          <a:srcRect/>
+          <a:stretch>
+            <a:fillRect/>
+          </a:stretch>
+        </p:blipFill>
+        <p:spPr bwMode="auto">
+          <a:xfrm>
+            <a:off x="695400" y="1700808"/>
+            <a:ext cx="4725645" cy="4541364"/>
+          </a:xfrm>
+          <a:prstGeom prst="rect">
+            <a:avLst/>
+          </a:prstGeom>
+          <a:noFill/>
+          <a:ln w="9525">
+            <a:noFill/>
+            <a:miter lim="800000"/>
+            <a:headEnd/>
+            <a:tailEnd/>
+          </a:ln>
+        </p:spPr>
+      </p:pic>
+      <p:pic>
+        <p:nvPicPr>
+          <p:cNvPr id="9" name="Picture 8"/>
+          <p:cNvPicPr/>
+          <p:nvPr/>
+        </p:nvPicPr>
+        <p:blipFill>
+          <a:blip r:embed="rId4"/>
+          <a:srcRect/>
+          <a:stretch>
+            <a:fillRect/>
+          </a:stretch>
+        </p:blipFill>
+        <p:spPr bwMode="auto">
+          <a:xfrm>
+            <a:off x="5591944" y="1340768"/>
+            <a:ext cx="6116955" cy="1643380"/>
+          </a:xfrm>
+          <a:prstGeom prst="rect">
+            <a:avLst/>
+          </a:prstGeom>
+          <a:noFill/>
+          <a:ln w="9525">
+            <a:noFill/>
+            <a:miter lim="800000"/>
+            <a:headEnd/>
+            <a:tailEnd/>
+          </a:ln>
+        </p:spPr>
+      </p:pic>
     </p:spTree>
     <p:extLst>
       <p:ext uri="{BB962C8B-B14F-4D97-AF65-F5344CB8AC3E}">
-        <p14:creationId xmlns:p14="http://schemas.microsoft.com/office/powerpoint/2010/main" xmlns="" val="2316016753"/>
+        <p14:creationId xmlns:p14="http://schemas.microsoft.com/office/powerpoint/2010/main" val="4220861992"/>
       </p:ext>
     </p:extLst>
   </p:cSld>
   <p:clrMapOvr>
     <a:masterClrMapping/>
   </p:clrMapOvr>
-  <p:timing>
-    <p:tnLst>
-      <p:par>
-        <p:cTn id="1" dur="indefinite" restart="never" nodeType="tmRoot"/>
-      </p:par>
-    </p:tnLst>
-  </p:timing>
 </p:sld>
 </file>
 
@@ -12445,6 +12459,29 @@
       </p:grpSpPr>
       <p:sp>
         <p:nvSpPr>
+          <p:cNvPr id="7" name="Content Placeholder 6"/>
+          <p:cNvSpPr>
+            <a:spLocks noGrp="1"/>
+          </p:cNvSpPr>
+          <p:nvPr>
+            <p:ph idx="1"/>
+          </p:nvPr>
+        </p:nvSpPr>
+        <p:spPr/>
+        <p:txBody>
+          <a:bodyPr/>
+          <a:lstStyle/>
+          <a:p>
+            <a:r>
+              <a:rPr lang="en-US" dirty="0" smtClean="0"/>
+              <a:t>AWS IOT RULES</a:t>
+            </a:r>
+            <a:endParaRPr lang="en-US" dirty="0"/>
+          </a:p>
+        </p:txBody>
+      </p:sp>
+      <p:sp>
+        <p:nvSpPr>
           <p:cNvPr id="4" name="Footer Placeholder 3"/>
           <p:cNvSpPr>
             <a:spLocks noGrp="1"/>
@@ -12459,10 +12496,25 @@
           <a:lstStyle/>
           <a:p>
             <a:r>
-              <a:rPr lang="en-US" noProof="0" smtClean="0"/>
-              <a:t>IT Americas / Integration Services</a:t>
-            </a:r>
-            <a:endParaRPr lang="en-US" noProof="0" dirty="0"/>
+              <a:rPr lang="fr-FR" dirty="0"/>
+              <a:t>IT </a:t>
+            </a:r>
+            <a:r>
+              <a:rPr lang="fr-FR" dirty="0" err="1"/>
+              <a:t>Americas</a:t>
+            </a:r>
+            <a:r>
+              <a:rPr lang="fr-FR" dirty="0"/>
+              <a:t> / </a:t>
+            </a:r>
+            <a:r>
+              <a:rPr lang="en-US" dirty="0"/>
+              <a:t>Integration</a:t>
+            </a:r>
+            <a:r>
+              <a:rPr lang="fr-FR" dirty="0"/>
+              <a:t> Services</a:t>
+            </a:r>
           </a:p>
         </p:txBody>
       </p:sp>
@@ -12473,7 +12525,7 @@
             <a:spLocks noGrp="1"/>
           </p:cNvSpPr>
           <p:nvPr>
-            <p:ph type="sldNum" sz="quarter" idx="12"/>
+            <p:ph type="sldNum" sz="quarter" idx="4"/>
           </p:nvPr>
         </p:nvSpPr>
         <p:spPr/>
@@ -12482,96 +12534,31 @@
           <a:lstStyle/>
           <a:p>
             <a:fld id="{91D0DAE4-BE63-46F6-A3FC-2CC1752FBC7E}" type="slidenum">
-              <a:rPr lang="en-US" noProof="0" smtClean="0"/>
+              <a:rPr lang="fr-FR" smtClean="0"/>
               <a:pPr/>
               <a:t>16</a:t>
             </a:fld>
-            <a:endParaRPr lang="en-US" noProof="0" dirty="0"/>
-          </a:p>
-        </p:txBody>
-      </p:sp>
-      <p:pic>
-        <p:nvPicPr>
-          <p:cNvPr id="7" name="Picture 6"/>
-          <p:cNvPicPr>
-            <a:picLocks noChangeAspect="1"/>
-          </p:cNvPicPr>
-          <p:nvPr/>
-        </p:nvPicPr>
-        <p:blipFill>
-          <a:blip r:embed="rId2"/>
-          <a:stretch>
-            <a:fillRect/>
-          </a:stretch>
-        </p:blipFill>
-        <p:spPr>
-          <a:xfrm>
-            <a:off x="911424" y="188640"/>
-            <a:ext cx="6297890" cy="3416423"/>
-          </a:xfrm>
-          <a:prstGeom prst="rect">
-            <a:avLst/>
-          </a:prstGeom>
-        </p:spPr>
-      </p:pic>
-      <p:pic>
-        <p:nvPicPr>
-          <p:cNvPr id="8" name="Picture 7"/>
-          <p:cNvPicPr>
-            <a:picLocks noChangeAspect="1"/>
-          </p:cNvPicPr>
-          <p:nvPr/>
-        </p:nvPicPr>
-        <p:blipFill>
-          <a:blip r:embed="rId3"/>
-          <a:stretch>
-            <a:fillRect/>
-          </a:stretch>
-        </p:blipFill>
-        <p:spPr>
-          <a:xfrm>
-            <a:off x="6960096" y="0"/>
-            <a:ext cx="4938188" cy="6294665"/>
-          </a:xfrm>
-          <a:prstGeom prst="rect">
-            <a:avLst/>
-          </a:prstGeom>
-        </p:spPr>
-      </p:pic>
-      <p:pic>
-        <p:nvPicPr>
-          <p:cNvPr id="9" name="Picture 8"/>
-          <p:cNvPicPr>
-            <a:picLocks noChangeAspect="1"/>
-          </p:cNvPicPr>
-          <p:nvPr/>
-        </p:nvPicPr>
-        <p:blipFill>
-          <a:blip r:embed="rId4"/>
-          <a:stretch>
-            <a:fillRect/>
-          </a:stretch>
-        </p:blipFill>
-        <p:spPr>
-          <a:xfrm>
-            <a:off x="1179121" y="3825571"/>
-            <a:ext cx="5204911" cy="2469094"/>
-          </a:xfrm>
-          <a:prstGeom prst="rect">
-            <a:avLst/>
-          </a:prstGeom>
-        </p:spPr>
-      </p:pic>
+            <a:endParaRPr lang="fr-FR" dirty="0"/>
+          </a:p>
+        </p:txBody>
+      </p:sp>
     </p:spTree>
     <p:extLst>
       <p:ext uri="{BB962C8B-B14F-4D97-AF65-F5344CB8AC3E}">
-        <p14:creationId xmlns:p14="http://schemas.microsoft.com/office/powerpoint/2010/main" xmlns="" val="3650075195"/>
+        <p14:creationId xmlns:p14="http://schemas.microsoft.com/office/powerpoint/2010/main" val="2316016753"/>
       </p:ext>
     </p:extLst>
   </p:cSld>
   <p:clrMapOvr>
     <a:masterClrMapping/>
   </p:clrMapOvr>
+  <p:timing>
+    <p:tnLst>
+      <p:par>
+        <p:cTn id="1" dur="indefinite" restart="never" nodeType="tmRoot"/>
+      </p:par>
+    </p:tnLst>
+  </p:timing>
 </p:sld>
 </file>
 
@@ -12594,12 +12581,12 @@
       </p:grpSpPr>
       <p:sp>
         <p:nvSpPr>
-          <p:cNvPr id="7" name="Content Placeholder 6"/>
-          <p:cNvSpPr>
-            <a:spLocks noGrp="1"/>
-          </p:cNvSpPr>
-          <p:nvPr>
-            <p:ph idx="1"/>
+          <p:cNvPr id="4" name="Footer Placeholder 3"/>
+          <p:cNvSpPr>
+            <a:spLocks noGrp="1"/>
+          </p:cNvSpPr>
+          <p:nvPr>
+            <p:ph type="ftr" sz="quarter" idx="11"/>
           </p:nvPr>
         </p:nvSpPr>
         <p:spPr/>
@@ -12608,21 +12595,21 @@
           <a:lstStyle/>
           <a:p>
             <a:r>
-              <a:rPr lang="en-US" dirty="0" smtClean="0"/>
-              <a:t>POC DOCUMENTATION</a:t>
-            </a:r>
-            <a:endParaRPr lang="en-US" dirty="0"/>
-          </a:p>
-        </p:txBody>
-      </p:sp>
-      <p:sp>
-        <p:nvSpPr>
-          <p:cNvPr id="4" name="Footer Placeholder 3"/>
-          <p:cNvSpPr>
-            <a:spLocks noGrp="1"/>
-          </p:cNvSpPr>
-          <p:nvPr>
-            <p:ph type="ftr" sz="quarter" idx="11"/>
+              <a:rPr lang="en-US" noProof="0" smtClean="0"/>
+              <a:t>IT Americas / Integration Services</a:t>
+            </a:r>
+            <a:endParaRPr lang="en-US" noProof="0" dirty="0"/>
+          </a:p>
+        </p:txBody>
+      </p:sp>
+      <p:sp>
+        <p:nvSpPr>
+          <p:cNvPr id="5" name="Slide Number Placeholder 4"/>
+          <p:cNvSpPr>
+            <a:spLocks noGrp="1"/>
+          </p:cNvSpPr>
+          <p:nvPr>
+            <p:ph type="sldNum" sz="quarter" idx="12"/>
           </p:nvPr>
         </p:nvSpPr>
         <p:spPr/>
@@ -12630,70 +12617,97 @@
           <a:bodyPr/>
           <a:lstStyle/>
           <a:p>
-            <a:r>
-              <a:rPr lang="fr-FR" dirty="0"/>
-              <a:t>IT </a:t>
-            </a:r>
-            <a:r>
-              <a:rPr lang="fr-FR" dirty="0" err="1"/>
-              <a:t>Americas</a:t>
-            </a:r>
-            <a:r>
-              <a:rPr lang="fr-FR" dirty="0"/>
-              <a:t> / </a:t>
-            </a:r>
-            <a:r>
-              <a:rPr lang="en-US" dirty="0"/>
-              <a:t>Integration</a:t>
-            </a:r>
-            <a:r>
-              <a:rPr lang="fr-FR" dirty="0"/>
-              <a:t> Services</a:t>
-            </a:r>
-          </a:p>
-        </p:txBody>
-      </p:sp>
-      <p:sp>
-        <p:nvSpPr>
-          <p:cNvPr id="5" name="Slide Number Placeholder 4"/>
-          <p:cNvSpPr>
-            <a:spLocks noGrp="1"/>
-          </p:cNvSpPr>
-          <p:nvPr>
-            <p:ph type="sldNum" sz="quarter" idx="4"/>
-          </p:nvPr>
-        </p:nvSpPr>
-        <p:spPr/>
-        <p:txBody>
-          <a:bodyPr/>
-          <a:lstStyle/>
-          <a:p>
             <a:fld id="{91D0DAE4-BE63-46F6-A3FC-2CC1752FBC7E}" type="slidenum">
-              <a:rPr lang="fr-FR" smtClean="0"/>
+              <a:rPr lang="en-US" noProof="0" smtClean="0"/>
               <a:pPr/>
               <a:t>17</a:t>
             </a:fld>
-            <a:endParaRPr lang="fr-FR" dirty="0"/>
-          </a:p>
-        </p:txBody>
-      </p:sp>
+            <a:endParaRPr lang="en-US" noProof="0" dirty="0"/>
+          </a:p>
+        </p:txBody>
+      </p:sp>
+      <p:pic>
+        <p:nvPicPr>
+          <p:cNvPr id="7" name="Picture 6"/>
+          <p:cNvPicPr>
+            <a:picLocks noChangeAspect="1"/>
+          </p:cNvPicPr>
+          <p:nvPr/>
+        </p:nvPicPr>
+        <p:blipFill>
+          <a:blip r:embed="rId2"/>
+          <a:stretch>
+            <a:fillRect/>
+          </a:stretch>
+        </p:blipFill>
+        <p:spPr>
+          <a:xfrm>
+            <a:off x="911424" y="188640"/>
+            <a:ext cx="6297890" cy="3416423"/>
+          </a:xfrm>
+          <a:prstGeom prst="rect">
+            <a:avLst/>
+          </a:prstGeom>
+        </p:spPr>
+      </p:pic>
+      <p:pic>
+        <p:nvPicPr>
+          <p:cNvPr id="8" name="Picture 7"/>
+          <p:cNvPicPr>
+            <a:picLocks noChangeAspect="1"/>
+          </p:cNvPicPr>
+          <p:nvPr/>
+        </p:nvPicPr>
+        <p:blipFill>
+          <a:blip r:embed="rId3"/>
+          <a:stretch>
+            <a:fillRect/>
+          </a:stretch>
+        </p:blipFill>
+        <p:spPr>
+          <a:xfrm>
+            <a:off x="6960096" y="0"/>
+            <a:ext cx="4938188" cy="6294665"/>
+          </a:xfrm>
+          <a:prstGeom prst="rect">
+            <a:avLst/>
+          </a:prstGeom>
+        </p:spPr>
+      </p:pic>
+      <p:pic>
+        <p:nvPicPr>
+          <p:cNvPr id="9" name="Picture 8"/>
+          <p:cNvPicPr>
+            <a:picLocks noChangeAspect="1"/>
+          </p:cNvPicPr>
+          <p:nvPr/>
+        </p:nvPicPr>
+        <p:blipFill>
+          <a:blip r:embed="rId4"/>
+          <a:stretch>
+            <a:fillRect/>
+          </a:stretch>
+        </p:blipFill>
+        <p:spPr>
+          <a:xfrm>
+            <a:off x="1179121" y="3825571"/>
+            <a:ext cx="5204911" cy="2469094"/>
+          </a:xfrm>
+          <a:prstGeom prst="rect">
+            <a:avLst/>
+          </a:prstGeom>
+        </p:spPr>
+      </p:pic>
     </p:spTree>
     <p:extLst>
       <p:ext uri="{BB962C8B-B14F-4D97-AF65-F5344CB8AC3E}">
-        <p14:creationId xmlns:p14="http://schemas.microsoft.com/office/powerpoint/2010/main" xmlns="" val="2316016753"/>
+        <p14:creationId xmlns:p14="http://schemas.microsoft.com/office/powerpoint/2010/main" val="3650075195"/>
       </p:ext>
     </p:extLst>
   </p:cSld>
   <p:clrMapOvr>
     <a:masterClrMapping/>
   </p:clrMapOvr>
-  <p:timing>
-    <p:tnLst>
-      <p:par>
-        <p:cTn id="1" dur="indefinite" restart="never" nodeType="tmRoot"/>
-      </p:par>
-    </p:tnLst>
-  </p:timing>
 </p:sld>
 </file>
 
@@ -12716,12 +12730,12 @@
       </p:grpSpPr>
       <p:sp>
         <p:nvSpPr>
-          <p:cNvPr id="4" name="Footer Placeholder 3"/>
-          <p:cNvSpPr>
-            <a:spLocks noGrp="1"/>
-          </p:cNvSpPr>
-          <p:nvPr>
-            <p:ph type="ftr" sz="quarter" idx="11"/>
+          <p:cNvPr id="5" name="Slide Number Placeholder 4"/>
+          <p:cNvSpPr>
+            <a:spLocks noGrp="1"/>
+          </p:cNvSpPr>
+          <p:nvPr>
+            <p:ph type="sldNum" sz="quarter" idx="4"/>
           </p:nvPr>
         </p:nvSpPr>
         <p:spPr/>
@@ -12729,69 +12743,176 @@
           <a:bodyPr/>
           <a:lstStyle/>
           <a:p>
-            <a:r>
-              <a:rPr lang="en-US" noProof="0" smtClean="0"/>
-              <a:t>IT Americas / Integration Services</a:t>
-            </a:r>
-            <a:endParaRPr lang="en-US" noProof="0" dirty="0"/>
-          </a:p>
-        </p:txBody>
-      </p:sp>
-      <p:sp>
-        <p:nvSpPr>
-          <p:cNvPr id="5" name="Slide Number Placeholder 4"/>
-          <p:cNvSpPr>
-            <a:spLocks noGrp="1"/>
-          </p:cNvSpPr>
-          <p:nvPr>
-            <p:ph type="sldNum" sz="quarter" idx="4"/>
-          </p:nvPr>
-        </p:nvSpPr>
-        <p:spPr/>
-        <p:txBody>
-          <a:bodyPr/>
-          <a:lstStyle/>
-          <a:p>
             <a:fld id="{91D0DAE4-BE63-46F6-A3FC-2CC1752FBC7E}" type="slidenum">
-              <a:rPr lang="en-US" noProof="0" smtClean="0"/>
+              <a:rPr lang="fr-FR" smtClean="0"/>
               <a:pPr/>
               <a:t>18</a:t>
             </a:fld>
-            <a:endParaRPr lang="en-US" noProof="0" dirty="0"/>
-          </a:p>
-        </p:txBody>
-      </p:sp>
-      <p:sp>
-        <p:nvSpPr>
-          <p:cNvPr id="7" name="TextBox 6"/>
-          <p:cNvSpPr txBox="1"/>
-          <p:nvPr/>
-        </p:nvSpPr>
-        <p:spPr>
-          <a:xfrm>
-            <a:off x="1676400" y="762000"/>
-            <a:ext cx="8077200" cy="369332"/>
-          </a:xfrm>
-          <a:prstGeom prst="rect">
-            <a:avLst/>
-          </a:prstGeom>
-          <a:noFill/>
-        </p:spPr>
-        <p:txBody>
-          <a:bodyPr wrap="square" rtlCol="0">
-            <a:spAutoFit/>
+            <a:endParaRPr lang="fr-FR" dirty="0"/>
+          </a:p>
+        </p:txBody>
+      </p:sp>
+      <p:sp>
+        <p:nvSpPr>
+          <p:cNvPr id="7" name="Content Placeholder 6"/>
+          <p:cNvSpPr>
+            <a:spLocks noGrp="1"/>
+          </p:cNvSpPr>
+          <p:nvPr>
+            <p:ph idx="4294967295"/>
+          </p:nvPr>
+        </p:nvSpPr>
+        <p:spPr>
+          <a:xfrm>
+            <a:off x="1295400" y="914400"/>
+            <a:ext cx="10668000" cy="3713163"/>
+          </a:xfrm>
+        </p:spPr>
+        <p:txBody>
+          <a:bodyPr>
+            <a:normAutofit/>
           </a:bodyPr>
           <a:lstStyle/>
           <a:p>
+            <a:pPr marL="0" indent="0">
+              <a:buNone/>
+            </a:pPr>
+            <a:r>
+              <a:rPr lang="en-US" dirty="0" smtClean="0">
+                <a:solidFill>
+                  <a:schemeClr val="tx1"/>
+                </a:solidFill>
+              </a:rPr>
+              <a:t>-- THE TECHNICAL IMPLEMENTATION IS DOCUMENTED HERE</a:t>
+            </a:r>
+          </a:p>
+          <a:p>
+            <a:pPr marL="0" indent="0">
+              <a:buNone/>
+            </a:pPr>
             <a:endParaRPr lang="en-US" dirty="0"/>
           </a:p>
+          <a:p>
+            <a:pPr marL="0" indent="0">
+              <a:buNone/>
+            </a:pPr>
+            <a:r>
+              <a:rPr lang="en-US" dirty="0" smtClean="0">
+                <a:solidFill>
+                  <a:schemeClr val="tx1"/>
+                </a:solidFill>
+              </a:rPr>
+              <a:t/>
+            </a:r>
+            <a:br>
+              <a:rPr lang="en-US" dirty="0" smtClean="0">
+                <a:solidFill>
+                  <a:schemeClr val="tx1"/>
+                </a:solidFill>
+              </a:rPr>
+            </a:br>
+            <a:r>
+              <a:rPr lang="en-US" dirty="0">
+                <a:solidFill>
+                  <a:schemeClr val="tx1"/>
+                </a:solidFill>
+                <a:hlinkClick r:id="rId2"/>
+              </a:rPr>
+              <a:t>TECHNICAL-IMPLEMENTATION</a:t>
+            </a:r>
+            <a:endParaRPr lang="en-US" dirty="0">
+              <a:solidFill>
+                <a:schemeClr val="tx1"/>
+              </a:solidFill>
+            </a:endParaRPr>
+          </a:p>
+          <a:p>
+            <a:pPr marL="0" indent="0">
+              <a:buNone/>
+            </a:pPr>
+            <a:r>
+              <a:rPr lang="en-US" dirty="0" smtClean="0">
+                <a:solidFill>
+                  <a:schemeClr val="tx1"/>
+                </a:solidFill>
+              </a:rPr>
+              <a:t/>
+            </a:r>
+            <a:br>
+              <a:rPr lang="en-US" dirty="0" smtClean="0">
+                <a:solidFill>
+                  <a:schemeClr val="tx1"/>
+                </a:solidFill>
+              </a:rPr>
+            </a:br>
+            <a:endParaRPr lang="en-US" dirty="0">
+              <a:solidFill>
+                <a:schemeClr val="tx1"/>
+              </a:solidFill>
+            </a:endParaRPr>
+          </a:p>
+        </p:txBody>
+      </p:sp>
+      <p:sp>
+        <p:nvSpPr>
+          <p:cNvPr id="4" name="Footer Placeholder 3"/>
+          <p:cNvSpPr>
+            <a:spLocks noGrp="1"/>
+          </p:cNvSpPr>
+          <p:nvPr>
+            <p:ph type="ftr" sz="quarter" idx="4294967295"/>
+          </p:nvPr>
+        </p:nvSpPr>
+        <p:spPr>
+          <a:xfrm>
+            <a:off x="8077200" y="6503988"/>
+            <a:ext cx="4114800" cy="365125"/>
+          </a:xfrm>
+        </p:spPr>
+        <p:txBody>
+          <a:bodyPr/>
+          <a:lstStyle/>
+          <a:p>
+            <a:r>
+              <a:rPr lang="fr-FR" dirty="0"/>
+              <a:t>IT </a:t>
+            </a:r>
+            <a:r>
+              <a:rPr lang="fr-FR" dirty="0" err="1"/>
+              <a:t>Americas</a:t>
+            </a:r>
+            <a:r>
+              <a:rPr lang="fr-FR" dirty="0"/>
+              <a:t> / </a:t>
+            </a:r>
+            <a:r>
+              <a:rPr lang="en-US" dirty="0"/>
+              <a:t>Integration</a:t>
+            </a:r>
+            <a:r>
+              <a:rPr lang="fr-FR" dirty="0"/>
+              <a:t> Services</a:t>
+            </a:r>
+          </a:p>
         </p:txBody>
       </p:sp>
     </p:spTree>
+    <p:extLst>
+      <p:ext uri="{BB962C8B-B14F-4D97-AF65-F5344CB8AC3E}">
+        <p14:creationId xmlns:p14="http://schemas.microsoft.com/office/powerpoint/2010/main" val="2316016753"/>
+      </p:ext>
+    </p:extLst>
   </p:cSld>
   <p:clrMapOvr>
     <a:masterClrMapping/>
   </p:clrMapOvr>
+  <p:timing>
+    <p:tnLst>
+      <p:par>
+        <p:cTn id="1" dur="indefinite" restart="never" nodeType="tmRoot"/>
+      </p:par>
+    </p:tnLst>
+  </p:timing>
 </p:sld>
 </file>
 
@@ -12877,7 +12998,7 @@
           <a:blip r:embed="rId2">
             <a:extLst>
               <a:ext uri="{28A0092B-C50C-407E-A947-70E740481C1C}">
-                <a14:useLocalDpi xmlns:a14="http://schemas.microsoft.com/office/drawing/2010/main" xmlns="" val="0"/>
+                <a14:useLocalDpi xmlns:a14="http://schemas.microsoft.com/office/drawing/2010/main" val="0"/>
               </a:ext>
             </a:extLst>
           </a:blip>
@@ -12889,7 +13010,7 @@
     </p:spTree>
     <p:extLst>
       <p:ext uri="{BB962C8B-B14F-4D97-AF65-F5344CB8AC3E}">
-        <p14:creationId xmlns:p14="http://schemas.microsoft.com/office/powerpoint/2010/main" xmlns="" val="1830586708"/>
+        <p14:creationId xmlns:p14="http://schemas.microsoft.com/office/powerpoint/2010/main" val="1830586708"/>
       </p:ext>
     </p:extLst>
   </p:cSld>
@@ -12925,12 +13046,12 @@
       </p:grpSpPr>
       <p:sp>
         <p:nvSpPr>
-          <p:cNvPr id="4" name="Footer Placeholder 3"/>
-          <p:cNvSpPr>
-            <a:spLocks noGrp="1"/>
-          </p:cNvSpPr>
-          <p:nvPr>
-            <p:ph type="ftr" sz="quarter" idx="11"/>
+          <p:cNvPr id="5" name="Slide Number Placeholder 4"/>
+          <p:cNvSpPr>
+            <a:spLocks noGrp="1"/>
+          </p:cNvSpPr>
+          <p:nvPr>
+            <p:ph type="sldNum" sz="quarter" idx="4"/>
           </p:nvPr>
         </p:nvSpPr>
         <p:spPr/>
@@ -12938,78 +13059,175 @@
           <a:bodyPr/>
           <a:lstStyle/>
           <a:p>
-            <a:r>
-              <a:rPr lang="en-US" noProof="0" smtClean="0"/>
-              <a:t>IT Americas / Integration Services</a:t>
-            </a:r>
-            <a:endParaRPr lang="en-US" noProof="0" dirty="0"/>
-          </a:p>
-        </p:txBody>
-      </p:sp>
-      <p:sp>
-        <p:nvSpPr>
-          <p:cNvPr id="5" name="Slide Number Placeholder 4"/>
-          <p:cNvSpPr>
-            <a:spLocks noGrp="1"/>
-          </p:cNvSpPr>
-          <p:nvPr>
-            <p:ph type="sldNum" sz="quarter" idx="12"/>
-          </p:nvPr>
-        </p:nvSpPr>
-        <p:spPr/>
-        <p:txBody>
-          <a:bodyPr/>
-          <a:lstStyle/>
-          <a:p>
             <a:fld id="{91D0DAE4-BE63-46F6-A3FC-2CC1752FBC7E}" type="slidenum">
-              <a:rPr lang="en-US" noProof="0" smtClean="0"/>
+              <a:rPr lang="fr-FR" smtClean="0"/>
               <a:pPr/>
               <a:t>3</a:t>
             </a:fld>
-            <a:endParaRPr lang="en-US" noProof="0" dirty="0"/>
-          </a:p>
-        </p:txBody>
-      </p:sp>
-      <p:pic>
-        <p:nvPicPr>
-          <p:cNvPr id="7" name="Picture 6"/>
-          <p:cNvPicPr/>
-          <p:nvPr/>
-        </p:nvPicPr>
-        <p:blipFill>
-          <a:blip r:embed="rId2"/>
-          <a:srcRect/>
-          <a:stretch>
-            <a:fillRect/>
-          </a:stretch>
-        </p:blipFill>
-        <p:spPr bwMode="auto">
-          <a:xfrm>
-            <a:off x="1703512" y="188640"/>
-            <a:ext cx="8640960" cy="6264695"/>
-          </a:xfrm>
-          <a:prstGeom prst="rect">
-            <a:avLst/>
-          </a:prstGeom>
-          <a:noFill/>
-          <a:ln w="9525">
-            <a:noFill/>
-            <a:miter lim="800000"/>
-            <a:headEnd/>
-            <a:tailEnd/>
-          </a:ln>
-        </p:spPr>
-      </p:pic>
+            <a:endParaRPr lang="fr-FR" dirty="0"/>
+          </a:p>
+        </p:txBody>
+      </p:sp>
+      <p:sp>
+        <p:nvSpPr>
+          <p:cNvPr id="7" name="Content Placeholder 6"/>
+          <p:cNvSpPr>
+            <a:spLocks noGrp="1"/>
+          </p:cNvSpPr>
+          <p:nvPr>
+            <p:ph idx="4294967295"/>
+          </p:nvPr>
+        </p:nvSpPr>
+        <p:spPr>
+          <a:xfrm>
+            <a:off x="1295400" y="914401"/>
+            <a:ext cx="10591800" cy="3657600"/>
+          </a:xfrm>
+        </p:spPr>
+        <p:txBody>
+          <a:bodyPr>
+            <a:normAutofit fontScale="92500" lnSpcReduction="20000"/>
+          </a:bodyPr>
+          <a:lstStyle/>
+          <a:p>
+            <a:pPr marL="0" indent="0">
+              <a:buNone/>
+            </a:pPr>
+            <a:r>
+              <a:rPr lang="en-US" b="1" u="sng" dirty="0" smtClean="0"/>
+              <a:t>PROBLEM STATEMENT:-</a:t>
+            </a:r>
+          </a:p>
+          <a:p>
+            <a:pPr marL="0" indent="0">
+              <a:buNone/>
+            </a:pPr>
+            <a:endParaRPr lang="en-US" dirty="0">
+              <a:solidFill>
+                <a:schemeClr val="tx1"/>
+              </a:solidFill>
+            </a:endParaRPr>
+          </a:p>
+          <a:p>
+            <a:pPr marL="0" indent="0">
+              <a:buNone/>
+            </a:pPr>
+            <a:r>
+              <a:rPr lang="en-US" dirty="0" smtClean="0"/>
+              <a:t>-- How to communicate with Loreal-IOT devices and interact with Loreal device users (users who use Loreal Smart Hair Brush) in real time.</a:t>
+            </a:r>
+          </a:p>
+          <a:p>
+            <a:pPr marL="0" indent="0">
+              <a:buNone/>
+            </a:pPr>
+            <a:endParaRPr lang="en-US" dirty="0">
+              <a:solidFill>
+                <a:schemeClr val="tx1"/>
+              </a:solidFill>
+            </a:endParaRPr>
+          </a:p>
+          <a:p>
+            <a:pPr marL="0" indent="0">
+              <a:buNone/>
+            </a:pPr>
+            <a:r>
+              <a:rPr lang="en-US" dirty="0" smtClean="0"/>
+              <a:t>-- This can be extended to several use cases which needs a light weight form of communication.</a:t>
+            </a:r>
+            <a:endParaRPr lang="en-US" dirty="0">
+              <a:solidFill>
+                <a:schemeClr val="tx1"/>
+              </a:solidFill>
+            </a:endParaRPr>
+          </a:p>
+          <a:p>
+            <a:pPr marL="0" indent="0">
+              <a:buNone/>
+            </a:pPr>
+            <a:r>
+              <a:rPr lang="en-US" dirty="0" smtClean="0">
+                <a:solidFill>
+                  <a:schemeClr val="tx1"/>
+                </a:solidFill>
+              </a:rPr>
+              <a:t/>
+            </a:r>
+            <a:br>
+              <a:rPr lang="en-US" dirty="0" smtClean="0">
+                <a:solidFill>
+                  <a:schemeClr val="tx1"/>
+                </a:solidFill>
+              </a:rPr>
+            </a:br>
+            <a:endParaRPr lang="en-US" dirty="0">
+              <a:solidFill>
+                <a:schemeClr val="tx1"/>
+              </a:solidFill>
+            </a:endParaRPr>
+          </a:p>
+        </p:txBody>
+      </p:sp>
+      <p:sp>
+        <p:nvSpPr>
+          <p:cNvPr id="4" name="Footer Placeholder 3"/>
+          <p:cNvSpPr>
+            <a:spLocks noGrp="1"/>
+          </p:cNvSpPr>
+          <p:nvPr>
+            <p:ph type="ftr" sz="quarter" idx="4294967295"/>
+          </p:nvPr>
+        </p:nvSpPr>
+        <p:spPr>
+          <a:xfrm>
+            <a:off x="8077200" y="6503988"/>
+            <a:ext cx="4114800" cy="365125"/>
+          </a:xfrm>
+        </p:spPr>
+        <p:txBody>
+          <a:bodyPr/>
+          <a:lstStyle/>
+          <a:p>
+            <a:r>
+              <a:rPr lang="fr-FR" dirty="0"/>
+              <a:t>IT </a:t>
+            </a:r>
+            <a:r>
+              <a:rPr lang="fr-FR" dirty="0" err="1"/>
+              <a:t>Americas</a:t>
+            </a:r>
+            <a:r>
+              <a:rPr lang="fr-FR" dirty="0"/>
+              <a:t> / </a:t>
+            </a:r>
+            <a:r>
+              <a:rPr lang="en-US" dirty="0"/>
+              <a:t>Integration</a:t>
+            </a:r>
+            <a:r>
+              <a:rPr lang="fr-FR" dirty="0"/>
+              <a:t> Services</a:t>
+            </a:r>
+          </a:p>
+        </p:txBody>
+      </p:sp>
     </p:spTree>
     <p:extLst>
       <p:ext uri="{BB962C8B-B14F-4D97-AF65-F5344CB8AC3E}">
-        <p14:creationId xmlns:p14="http://schemas.microsoft.com/office/powerpoint/2010/main" xmlns="" val="805751967"/>
+        <p14:creationId xmlns:p14="http://schemas.microsoft.com/office/powerpoint/2010/main" val="3169839136"/>
       </p:ext>
     </p:extLst>
   </p:cSld>
   <p:clrMapOvr>
     <a:masterClrMapping/>
   </p:clrMapOvr>
+  <p:timing>
+    <p:tnLst>
+      <p:par>
+        <p:cTn id="1" dur="indefinite" restart="never" nodeType="tmRoot"/>
+      </p:par>
+    </p:tnLst>
+  </p:timing>
 </p:sld>
 </file>
 
@@ -13032,12 +13250,12 @@
       </p:grpSpPr>
       <p:sp>
         <p:nvSpPr>
-          <p:cNvPr id="2" name="Title 1"/>
-          <p:cNvSpPr>
-            <a:spLocks noGrp="1"/>
-          </p:cNvSpPr>
-          <p:nvPr>
-            <p:ph type="title"/>
+          <p:cNvPr id="4" name="Footer Placeholder 3"/>
+          <p:cNvSpPr>
+            <a:spLocks noGrp="1"/>
+          </p:cNvSpPr>
+          <p:nvPr>
+            <p:ph type="ftr" sz="quarter" idx="11"/>
           </p:nvPr>
         </p:nvSpPr>
         <p:spPr/>
@@ -13046,21 +13264,21 @@
           <a:lstStyle/>
           <a:p>
             <a:r>
-              <a:rPr lang="en-US" dirty="0" smtClean="0"/>
-              <a:t>SOFTWARES/ PLATFORMS USED</a:t>
-            </a:r>
-            <a:endParaRPr lang="en-US" dirty="0"/>
-          </a:p>
-        </p:txBody>
-      </p:sp>
-      <p:sp>
-        <p:nvSpPr>
-          <p:cNvPr id="4" name="Footer Placeholder 3"/>
-          <p:cNvSpPr>
-            <a:spLocks noGrp="1"/>
-          </p:cNvSpPr>
-          <p:nvPr>
-            <p:ph type="ftr" sz="quarter" idx="11"/>
+              <a:rPr lang="en-US" noProof="0" smtClean="0"/>
+              <a:t>IT Americas / Integration Services</a:t>
+            </a:r>
+            <a:endParaRPr lang="en-US" noProof="0" dirty="0"/>
+          </a:p>
+        </p:txBody>
+      </p:sp>
+      <p:sp>
+        <p:nvSpPr>
+          <p:cNvPr id="5" name="Slide Number Placeholder 4"/>
+          <p:cNvSpPr>
+            <a:spLocks noGrp="1"/>
+          </p:cNvSpPr>
+          <p:nvPr>
+            <p:ph type="sldNum" sz="quarter" idx="12"/>
           </p:nvPr>
         </p:nvSpPr>
         <p:spPr/>
@@ -13068,274 +13286,55 @@
           <a:bodyPr/>
           <a:lstStyle/>
           <a:p>
-            <a:r>
-              <a:rPr lang="en-US" noProof="0" dirty="0"/>
-              <a:t>IT Americas / Integration Services</a:t>
-            </a:r>
-          </a:p>
-        </p:txBody>
-      </p:sp>
-      <p:sp>
-        <p:nvSpPr>
-          <p:cNvPr id="6" name="Text Placeholder 5"/>
-          <p:cNvSpPr>
-            <a:spLocks noGrp="1"/>
-          </p:cNvSpPr>
-          <p:nvPr>
-            <p:ph type="body" sz="quarter" idx="13"/>
-          </p:nvPr>
-        </p:nvSpPr>
-        <p:spPr/>
-        <p:txBody>
-          <a:bodyPr/>
-          <a:lstStyle/>
-          <a:p>
-            <a:r>
-              <a:rPr lang="en-US" dirty="0"/>
-              <a:t>1</a:t>
-            </a:r>
-          </a:p>
-        </p:txBody>
-      </p:sp>
-      <p:sp>
-        <p:nvSpPr>
-          <p:cNvPr id="8" name="TextBox 7"/>
-          <p:cNvSpPr txBox="1"/>
+            <a:fld id="{91D0DAE4-BE63-46F6-A3FC-2CC1752FBC7E}" type="slidenum">
+              <a:rPr lang="en-US" noProof="0" smtClean="0"/>
+              <a:pPr/>
+              <a:t>4</a:t>
+            </a:fld>
+            <a:endParaRPr lang="en-US" noProof="0" dirty="0"/>
+          </a:p>
+        </p:txBody>
+      </p:sp>
+      <p:pic>
+        <p:nvPicPr>
+          <p:cNvPr id="7" name="Picture 6"/>
+          <p:cNvPicPr/>
           <p:nvPr/>
-        </p:nvSpPr>
-        <p:spPr>
-          <a:xfrm>
-            <a:off x="623392" y="1199084"/>
-            <a:ext cx="11111408" cy="2585323"/>
+        </p:nvPicPr>
+        <p:blipFill>
+          <a:blip r:embed="rId2"/>
+          <a:srcRect/>
+          <a:stretch>
+            <a:fillRect/>
+          </a:stretch>
+        </p:blipFill>
+        <p:spPr bwMode="auto">
+          <a:xfrm>
+            <a:off x="1703512" y="188640"/>
+            <a:ext cx="8640960" cy="6264695"/>
           </a:xfrm>
           <a:prstGeom prst="rect">
             <a:avLst/>
           </a:prstGeom>
           <a:noFill/>
-        </p:spPr>
-        <p:txBody>
-          <a:bodyPr wrap="square" rtlCol="0">
-            <a:spAutoFit/>
-          </a:bodyPr>
-          <a:lstStyle/>
-          <a:p>
-            <a:r>
-              <a:rPr lang="en-US" b="1" dirty="0" smtClean="0"/>
-              <a:t>1) </a:t>
-            </a:r>
-            <a:r>
-              <a:rPr lang="en-US" b="1" dirty="0" smtClean="0">
-                <a:solidFill>
-                  <a:schemeClr val="accent1">
-                    <a:lumMod val="75000"/>
-                  </a:schemeClr>
-                </a:solidFill>
-              </a:rPr>
-              <a:t>Tibco Flogo </a:t>
-            </a:r>
-            <a:r>
-              <a:rPr lang="en-US" b="1" dirty="0" smtClean="0"/>
-              <a:t>– Cloud Solution For Publish/Subscriber messages to/from IOT devices.</a:t>
-            </a:r>
-            <a:endParaRPr lang="en-US" b="1" dirty="0" smtClean="0"/>
-          </a:p>
-          <a:p>
-            <a:r>
-              <a:rPr lang="en-US" b="1" dirty="0" smtClean="0"/>
-              <a:t>2) </a:t>
-            </a:r>
-            <a:r>
-              <a:rPr lang="en-US" b="1" dirty="0" smtClean="0">
-                <a:solidFill>
-                  <a:schemeClr val="accent1">
-                    <a:lumMod val="75000"/>
-                  </a:schemeClr>
-                </a:solidFill>
-              </a:rPr>
-              <a:t>Golang 1.0 </a:t>
-            </a:r>
-            <a:r>
-              <a:rPr lang="en-US" b="1" dirty="0" smtClean="0"/>
-              <a:t>– The programming language used in the background. It is currently the worlds.  	           lightest</a:t>
-            </a:r>
-            <a:r>
-              <a:rPr lang="en-US" b="1" dirty="0" smtClean="0"/>
-              <a:t>/fastest programming language developed/implemented by Google.</a:t>
-            </a:r>
-            <a:endParaRPr lang="en-US" b="1" dirty="0" smtClean="0"/>
-          </a:p>
-          <a:p>
-            <a:r>
-              <a:rPr lang="en-US" b="1" dirty="0" smtClean="0"/>
-              <a:t>3) </a:t>
-            </a:r>
-            <a:r>
-              <a:rPr lang="en-US" b="1" dirty="0" smtClean="0">
-                <a:solidFill>
-                  <a:schemeClr val="accent1">
-                    <a:lumMod val="75000"/>
-                  </a:schemeClr>
-                </a:solidFill>
-              </a:rPr>
-              <a:t>MQTT 1.7.1  </a:t>
-            </a:r>
-            <a:r>
-              <a:rPr lang="en-US" b="1" dirty="0" smtClean="0"/>
-              <a:t>-- Messaging protocol used to communicate to the IOT device.</a:t>
-            </a:r>
-            <a:endParaRPr lang="en-US" b="1" dirty="0" smtClean="0"/>
-          </a:p>
-          <a:p>
-            <a:r>
-              <a:rPr lang="en-US" b="1" dirty="0" smtClean="0"/>
-              <a:t>4) </a:t>
-            </a:r>
-            <a:r>
-              <a:rPr lang="en-US" b="1" dirty="0" smtClean="0">
-                <a:solidFill>
-                  <a:schemeClr val="accent1">
-                    <a:lumMod val="75000"/>
-                  </a:schemeClr>
-                </a:solidFill>
-              </a:rPr>
-              <a:t>AWS Lambda </a:t>
-            </a:r>
-            <a:r>
-              <a:rPr lang="en-US" b="1" dirty="0" smtClean="0"/>
-              <a:t>– For running micro services code.</a:t>
-            </a:r>
-            <a:endParaRPr lang="en-US" b="1" dirty="0" smtClean="0"/>
-          </a:p>
-          <a:p>
-            <a:r>
-              <a:rPr lang="en-US" b="1" dirty="0" smtClean="0"/>
-              <a:t>5) </a:t>
-            </a:r>
-            <a:r>
-              <a:rPr lang="en-US" b="1" dirty="0" smtClean="0">
-                <a:solidFill>
-                  <a:schemeClr val="accent1">
-                    <a:lumMod val="75000"/>
-                  </a:schemeClr>
-                </a:solidFill>
-              </a:rPr>
-              <a:t>AWS IOT Platform </a:t>
-            </a:r>
-            <a:r>
-              <a:rPr lang="en-US" b="1" dirty="0" smtClean="0"/>
-              <a:t>– For maintain/grouping the IOT devices. Used to write IOT rules.</a:t>
-            </a:r>
-            <a:endParaRPr lang="en-US" b="1" dirty="0" smtClean="0"/>
-          </a:p>
-          <a:p>
-            <a:r>
-              <a:rPr lang="en-US" b="1" dirty="0" smtClean="0"/>
-              <a:t>6) </a:t>
-            </a:r>
-            <a:r>
-              <a:rPr lang="en-US" b="1" dirty="0" smtClean="0">
-                <a:solidFill>
-                  <a:schemeClr val="accent1">
-                    <a:lumMod val="75000"/>
-                  </a:schemeClr>
-                </a:solidFill>
-              </a:rPr>
-              <a:t>AWS </a:t>
-            </a:r>
-            <a:r>
-              <a:rPr lang="en-US" b="1" dirty="0" smtClean="0">
-                <a:solidFill>
-                  <a:schemeClr val="accent1">
-                    <a:lumMod val="75000"/>
-                  </a:schemeClr>
-                </a:solidFill>
-              </a:rPr>
-              <a:t>IOT Dash </a:t>
-            </a:r>
-            <a:r>
-              <a:rPr lang="en-US" b="1" dirty="0" smtClean="0">
-                <a:solidFill>
-                  <a:schemeClr val="accent1">
-                    <a:lumMod val="75000"/>
-                  </a:schemeClr>
-                </a:solidFill>
-              </a:rPr>
-              <a:t>Button </a:t>
-            </a:r>
-            <a:r>
-              <a:rPr lang="en-US" b="1" dirty="0" smtClean="0"/>
-              <a:t>– IOT device used for this project.</a:t>
-            </a:r>
-            <a:endParaRPr lang="en-US" b="1" dirty="0" smtClean="0"/>
-          </a:p>
-          <a:p>
-            <a:r>
-              <a:rPr lang="en-US" b="1" dirty="0" smtClean="0"/>
-              <a:t>7) </a:t>
-            </a:r>
-            <a:r>
-              <a:rPr lang="en-US" b="1" dirty="0" smtClean="0">
-                <a:solidFill>
-                  <a:schemeClr val="accent1">
-                    <a:lumMod val="75000"/>
-                  </a:schemeClr>
-                </a:solidFill>
-              </a:rPr>
-              <a:t>MQTT.fx Client </a:t>
-            </a:r>
-            <a:r>
-              <a:rPr lang="en-US" b="1" dirty="0" smtClean="0"/>
-              <a:t>– Test </a:t>
-            </a:r>
-            <a:r>
-              <a:rPr lang="en-US" b="1" dirty="0" smtClean="0"/>
-              <a:t>c</a:t>
-            </a:r>
-            <a:r>
-              <a:rPr lang="en-US" b="1" dirty="0" smtClean="0"/>
-              <a:t>lient used to trigger MQTT messages.</a:t>
-            </a:r>
-          </a:p>
-          <a:p>
-            <a:r>
-              <a:rPr lang="en-US" b="1" dirty="0" smtClean="0"/>
-              <a:t>8) </a:t>
-            </a:r>
-            <a:r>
-              <a:rPr lang="en-US" b="1" dirty="0" smtClean="0">
-                <a:solidFill>
-                  <a:schemeClr val="accent1">
-                    <a:lumMod val="75000"/>
-                  </a:schemeClr>
-                </a:solidFill>
-              </a:rPr>
-              <a:t>Spunk Cloud</a:t>
-            </a:r>
-            <a:r>
-              <a:rPr lang="en-US" b="1" dirty="0" smtClean="0"/>
-              <a:t>:- To capture logs from IOT devices.</a:t>
-            </a:r>
-            <a:endParaRPr lang="en-US" dirty="0"/>
-          </a:p>
-        </p:txBody>
-      </p:sp>
+          <a:ln w="9525">
+            <a:noFill/>
+            <a:miter lim="800000"/>
+            <a:headEnd/>
+            <a:tailEnd/>
+          </a:ln>
+        </p:spPr>
+      </p:pic>
     </p:spTree>
     <p:extLst>
       <p:ext uri="{BB962C8B-B14F-4D97-AF65-F5344CB8AC3E}">
-        <p14:creationId xmlns:p14="http://schemas.microsoft.com/office/powerpoint/2010/main" xmlns="" val="2788652644"/>
+        <p14:creationId xmlns:p14="http://schemas.microsoft.com/office/powerpoint/2010/main" val="805751967"/>
       </p:ext>
     </p:extLst>
   </p:cSld>
   <p:clrMapOvr>
     <a:masterClrMapping/>
   </p:clrMapOvr>
-  <p:timing>
-    <p:tnLst>
-      <p:par>
-        <p:cTn id="1" dur="indefinite" restart="never" nodeType="tmRoot"/>
-      </p:par>
-    </p:tnLst>
-  </p:timing>
 </p:sld>
 </file>
 
@@ -13358,12 +13357,12 @@
       </p:grpSpPr>
       <p:sp>
         <p:nvSpPr>
-          <p:cNvPr id="7" name="Content Placeholder 6"/>
-          <p:cNvSpPr>
-            <a:spLocks noGrp="1"/>
-          </p:cNvSpPr>
-          <p:nvPr>
-            <p:ph idx="1"/>
+          <p:cNvPr id="2" name="Title 1"/>
+          <p:cNvSpPr>
+            <a:spLocks noGrp="1"/>
+          </p:cNvSpPr>
+          <p:nvPr>
+            <p:ph type="title"/>
           </p:nvPr>
         </p:nvSpPr>
         <p:spPr/>
@@ -13372,87 +13371,245 @@
           <a:lstStyle/>
           <a:p>
             <a:r>
-              <a:rPr lang="en-US" dirty="0" smtClean="0">
+              <a:rPr lang="en-US" dirty="0" smtClean="0"/>
+              <a:t>SOFTWARES/ PLATFORMS USED</a:t>
+            </a:r>
+            <a:endParaRPr lang="en-US" dirty="0"/>
+          </a:p>
+        </p:txBody>
+      </p:sp>
+      <p:sp>
+        <p:nvSpPr>
+          <p:cNvPr id="4" name="Footer Placeholder 3"/>
+          <p:cNvSpPr>
+            <a:spLocks noGrp="1"/>
+          </p:cNvSpPr>
+          <p:nvPr>
+            <p:ph type="ftr" sz="quarter" idx="11"/>
+          </p:nvPr>
+        </p:nvSpPr>
+        <p:spPr/>
+        <p:txBody>
+          <a:bodyPr/>
+          <a:lstStyle/>
+          <a:p>
+            <a:r>
+              <a:rPr lang="en-US" noProof="0" dirty="0"/>
+              <a:t>IT Americas / Integration Services</a:t>
+            </a:r>
+          </a:p>
+        </p:txBody>
+      </p:sp>
+      <p:sp>
+        <p:nvSpPr>
+          <p:cNvPr id="6" name="Text Placeholder 5"/>
+          <p:cNvSpPr>
+            <a:spLocks noGrp="1"/>
+          </p:cNvSpPr>
+          <p:nvPr>
+            <p:ph type="body" sz="quarter" idx="13"/>
+          </p:nvPr>
+        </p:nvSpPr>
+        <p:spPr/>
+        <p:txBody>
+          <a:bodyPr/>
+          <a:lstStyle/>
+          <a:p>
+            <a:r>
+              <a:rPr lang="en-US" dirty="0"/>
+              <a:t>1</a:t>
+            </a:r>
+          </a:p>
+        </p:txBody>
+      </p:sp>
+      <p:sp>
+        <p:nvSpPr>
+          <p:cNvPr id="8" name="TextBox 7"/>
+          <p:cNvSpPr txBox="1"/>
+          <p:nvPr/>
+        </p:nvSpPr>
+        <p:spPr>
+          <a:xfrm>
+            <a:off x="623392" y="1199084"/>
+            <a:ext cx="11111408" cy="2585323"/>
+          </a:xfrm>
+          <a:prstGeom prst="rect">
+            <a:avLst/>
+          </a:prstGeom>
+          <a:noFill/>
+        </p:spPr>
+        <p:txBody>
+          <a:bodyPr wrap="square" rtlCol="0">
+            <a:spAutoFit/>
+          </a:bodyPr>
+          <a:lstStyle/>
+          <a:p>
+            <a:r>
+              <a:rPr lang="en-US" b="1" dirty="0" smtClean="0"/>
+              <a:t>1) </a:t>
+            </a:r>
+            <a:r>
+              <a:rPr lang="en-US" b="1" dirty="0" smtClean="0">
                 <a:solidFill>
-                  <a:schemeClr val="tx1"/>
+                  <a:schemeClr val="accent1">
+                    <a:lumMod val="75000"/>
+                  </a:schemeClr>
                 </a:solidFill>
               </a:rPr>
-              <a:t>MQTT</a:t>
-            </a:r>
-            <a:endParaRPr lang="en-US" sz="2800" dirty="0">
-              <a:solidFill>
-                <a:schemeClr val="tx1"/>
-              </a:solidFill>
-            </a:endParaRPr>
-          </a:p>
-        </p:txBody>
-      </p:sp>
-      <p:sp>
-        <p:nvSpPr>
-          <p:cNvPr id="4" name="Footer Placeholder 3"/>
-          <p:cNvSpPr>
-            <a:spLocks noGrp="1"/>
-          </p:cNvSpPr>
-          <p:nvPr>
-            <p:ph type="ftr" sz="quarter" idx="11"/>
-          </p:nvPr>
-        </p:nvSpPr>
-        <p:spPr/>
-        <p:txBody>
-          <a:bodyPr/>
-          <a:lstStyle/>
-          <a:p>
-            <a:r>
-              <a:rPr lang="fr-FR" dirty="0"/>
-              <a:t>IT </a:t>
-            </a:r>
-            <a:r>
-              <a:rPr lang="fr-FR" dirty="0" err="1"/>
-              <a:t>Americas</a:t>
-            </a:r>
-            <a:r>
-              <a:rPr lang="fr-FR" dirty="0"/>
-              <a:t> / </a:t>
-            </a:r>
-            <a:r>
-              <a:rPr lang="en-US" dirty="0"/>
-              <a:t>Integration</a:t>
-            </a:r>
-            <a:r>
-              <a:rPr lang="fr-FR" dirty="0"/>
-              <a:t> Services</a:t>
-            </a:r>
-          </a:p>
-        </p:txBody>
-      </p:sp>
-      <p:sp>
-        <p:nvSpPr>
-          <p:cNvPr id="5" name="Slide Number Placeholder 4"/>
-          <p:cNvSpPr>
-            <a:spLocks noGrp="1"/>
-          </p:cNvSpPr>
-          <p:nvPr>
-            <p:ph type="sldNum" sz="quarter" idx="4"/>
-          </p:nvPr>
-        </p:nvSpPr>
-        <p:spPr/>
-        <p:txBody>
-          <a:bodyPr/>
-          <a:lstStyle/>
-          <a:p>
-            <a:fld id="{91D0DAE4-BE63-46F6-A3FC-2CC1752FBC7E}" type="slidenum">
-              <a:rPr lang="fr-FR" smtClean="0"/>
-              <a:pPr/>
-              <a:t>5</a:t>
-            </a:fld>
-            <a:endParaRPr lang="fr-FR" dirty="0"/>
+              <a:t>Tibco Flogo </a:t>
+            </a:r>
+            <a:r>
+              <a:rPr lang="en-US" b="1" dirty="0" smtClean="0"/>
+              <a:t>– Cloud Solution For Publish/Subscriber messages to/from IOT devices.</a:t>
+            </a:r>
+          </a:p>
+          <a:p>
+            <a:r>
+              <a:rPr lang="en-US" b="1" dirty="0" smtClean="0"/>
+              <a:t>2) </a:t>
+            </a:r>
+            <a:r>
+              <a:rPr lang="en-US" b="1" dirty="0" smtClean="0">
+                <a:solidFill>
+                  <a:schemeClr val="accent1">
+                    <a:lumMod val="75000"/>
+                  </a:schemeClr>
+                </a:solidFill>
+              </a:rPr>
+              <a:t>Golang 1.0 </a:t>
+            </a:r>
+            <a:r>
+              <a:rPr lang="en-US" b="1" dirty="0" smtClean="0"/>
+              <a:t>– The programming language used in the background. It is currently the worlds.  	           lightest/fastest programming language developed/implemented by Google.</a:t>
+            </a:r>
+          </a:p>
+          <a:p>
+            <a:r>
+              <a:rPr lang="en-US" b="1" dirty="0" smtClean="0"/>
+              <a:t>3) </a:t>
+            </a:r>
+            <a:r>
+              <a:rPr lang="en-US" b="1" dirty="0" smtClean="0">
+                <a:solidFill>
+                  <a:schemeClr val="accent1">
+                    <a:lumMod val="75000"/>
+                  </a:schemeClr>
+                </a:solidFill>
+              </a:rPr>
+              <a:t>MQTT 1.7.1  </a:t>
+            </a:r>
+            <a:r>
+              <a:rPr lang="en-US" b="1" dirty="0" smtClean="0"/>
+              <a:t>-- Messaging protocol used to communicate to the IOT device.</a:t>
+            </a:r>
+          </a:p>
+          <a:p>
+            <a:r>
+              <a:rPr lang="en-US" b="1" dirty="0" smtClean="0"/>
+              <a:t>4) </a:t>
+            </a:r>
+            <a:r>
+              <a:rPr lang="en-US" b="1" dirty="0" smtClean="0">
+                <a:solidFill>
+                  <a:schemeClr val="accent1">
+                    <a:lumMod val="75000"/>
+                  </a:schemeClr>
+                </a:solidFill>
+              </a:rPr>
+              <a:t>AWS Lambda </a:t>
+            </a:r>
+            <a:r>
+              <a:rPr lang="en-US" b="1" dirty="0" smtClean="0"/>
+              <a:t>– For running micro services code.</a:t>
+            </a:r>
+          </a:p>
+          <a:p>
+            <a:r>
+              <a:rPr lang="en-US" b="1" dirty="0" smtClean="0"/>
+              <a:t>5) </a:t>
+            </a:r>
+            <a:r>
+              <a:rPr lang="en-US" b="1" dirty="0" smtClean="0">
+                <a:solidFill>
+                  <a:schemeClr val="accent1">
+                    <a:lumMod val="75000"/>
+                  </a:schemeClr>
+                </a:solidFill>
+              </a:rPr>
+              <a:t>AWS IOT Platform </a:t>
+            </a:r>
+            <a:r>
+              <a:rPr lang="en-US" b="1" dirty="0" smtClean="0"/>
+              <a:t>– For maintain/grouping the IOT devices. Used to write IOT rules.</a:t>
+            </a:r>
+          </a:p>
+          <a:p>
+            <a:r>
+              <a:rPr lang="en-US" b="1" dirty="0" smtClean="0"/>
+              <a:t>6) </a:t>
+            </a:r>
+            <a:r>
+              <a:rPr lang="en-US" b="1" dirty="0" smtClean="0">
+                <a:solidFill>
+                  <a:schemeClr val="accent1">
+                    <a:lumMod val="75000"/>
+                  </a:schemeClr>
+                </a:solidFill>
+              </a:rPr>
+              <a:t>AWS IOT Dash Button </a:t>
+            </a:r>
+            <a:r>
+              <a:rPr lang="en-US" b="1" dirty="0" smtClean="0"/>
+              <a:t>– IOT device used for this project.</a:t>
+            </a:r>
+          </a:p>
+          <a:p>
+            <a:r>
+              <a:rPr lang="en-US" b="1" dirty="0" smtClean="0"/>
+              <a:t>7) </a:t>
+            </a:r>
+            <a:r>
+              <a:rPr lang="en-US" b="1" dirty="0" smtClean="0">
+                <a:solidFill>
+                  <a:schemeClr val="accent1">
+                    <a:lumMod val="75000"/>
+                  </a:schemeClr>
+                </a:solidFill>
+              </a:rPr>
+              <a:t>MQTT.fx Client </a:t>
+            </a:r>
+            <a:r>
+              <a:rPr lang="en-US" b="1" dirty="0" smtClean="0"/>
+              <a:t>– Test client used to trigger MQTT messages.</a:t>
+            </a:r>
+          </a:p>
+          <a:p>
+            <a:r>
+              <a:rPr lang="en-US" b="1" dirty="0" smtClean="0"/>
+              <a:t>8) </a:t>
+            </a:r>
+            <a:r>
+              <a:rPr lang="en-US" b="1" dirty="0" smtClean="0">
+                <a:solidFill>
+                  <a:schemeClr val="accent1">
+                    <a:lumMod val="75000"/>
+                  </a:schemeClr>
+                </a:solidFill>
+              </a:rPr>
+              <a:t>Spunk Cloud</a:t>
+            </a:r>
+            <a:r>
+              <a:rPr lang="en-US" b="1" dirty="0" smtClean="0"/>
+              <a:t>:- To capture logs from IOT devices.</a:t>
+            </a:r>
+            <a:endParaRPr lang="en-US" dirty="0"/>
           </a:p>
         </p:txBody>
       </p:sp>
     </p:spTree>
     <p:extLst>
       <p:ext uri="{BB962C8B-B14F-4D97-AF65-F5344CB8AC3E}">
-        <p14:creationId xmlns:p14="http://schemas.microsoft.com/office/powerpoint/2010/main" xmlns="" val="535754705"/>
+        <p14:creationId xmlns:p14="http://schemas.microsoft.com/office/powerpoint/2010/main" val="2788652644"/>
       </p:ext>
     </p:extLst>
   </p:cSld>
@@ -13488,6 +13645,37 @@
       </p:grpSpPr>
       <p:sp>
         <p:nvSpPr>
+          <p:cNvPr id="7" name="Content Placeholder 6"/>
+          <p:cNvSpPr>
+            <a:spLocks noGrp="1"/>
+          </p:cNvSpPr>
+          <p:nvPr>
+            <p:ph idx="1"/>
+          </p:nvPr>
+        </p:nvSpPr>
+        <p:spPr/>
+        <p:txBody>
+          <a:bodyPr/>
+          <a:lstStyle/>
+          <a:p>
+            <a:r>
+              <a:rPr lang="en-US" dirty="0" smtClean="0">
+                <a:solidFill>
+                  <a:schemeClr val="tx1"/>
+                </a:solidFill>
+              </a:rPr>
+              <a:t>MQTT</a:t>
+            </a:r>
+            <a:endParaRPr lang="en-US" sz="2800" dirty="0">
+              <a:solidFill>
+                <a:schemeClr val="tx1"/>
+              </a:solidFill>
+            </a:endParaRPr>
+          </a:p>
+        </p:txBody>
+      </p:sp>
+      <p:sp>
+        <p:nvSpPr>
           <p:cNvPr id="4" name="Footer Placeholder 3"/>
           <p:cNvSpPr>
             <a:spLocks noGrp="1"/>
@@ -13502,10 +13690,25 @@
           <a:lstStyle/>
           <a:p>
             <a:r>
-              <a:rPr lang="en-US" noProof="0"/>
-              <a:t>IT Americas / Integration Services</a:t>
-            </a:r>
-            <a:endParaRPr lang="en-US" noProof="0" dirty="0"/>
+              <a:rPr lang="fr-FR" dirty="0"/>
+              <a:t>IT </a:t>
+            </a:r>
+            <a:r>
+              <a:rPr lang="fr-FR" dirty="0" err="1"/>
+              <a:t>Americas</a:t>
+            </a:r>
+            <a:r>
+              <a:rPr lang="fr-FR" dirty="0"/>
+              <a:t> / </a:t>
+            </a:r>
+            <a:r>
+              <a:rPr lang="en-US" dirty="0"/>
+              <a:t>Integration</a:t>
+            </a:r>
+            <a:r>
+              <a:rPr lang="fr-FR" dirty="0"/>
+              <a:t> Services</a:t>
+            </a:r>
           </a:p>
         </p:txBody>
       </p:sp>
@@ -13516,7 +13719,7 @@
             <a:spLocks noGrp="1"/>
           </p:cNvSpPr>
           <p:nvPr>
-            <p:ph type="sldNum" sz="quarter" idx="12"/>
+            <p:ph type="sldNum" sz="quarter" idx="4"/>
           </p:nvPr>
         </p:nvSpPr>
         <p:spPr/>
@@ -13525,283 +13728,18 @@
           <a:lstStyle/>
           <a:p>
             <a:fld id="{91D0DAE4-BE63-46F6-A3FC-2CC1752FBC7E}" type="slidenum">
-              <a:rPr lang="en-US" noProof="0" smtClean="0"/>
+              <a:rPr lang="fr-FR" smtClean="0"/>
               <a:pPr/>
               <a:t>6</a:t>
             </a:fld>
-            <a:endParaRPr lang="en-US" noProof="0" dirty="0"/>
-          </a:p>
-        </p:txBody>
-      </p:sp>
-      <p:sp>
-        <p:nvSpPr>
-          <p:cNvPr id="6" name="Text Placeholder 5"/>
-          <p:cNvSpPr>
-            <a:spLocks noGrp="1"/>
-          </p:cNvSpPr>
-          <p:nvPr>
-            <p:ph type="body" sz="quarter" idx="13"/>
-          </p:nvPr>
-        </p:nvSpPr>
-        <p:spPr/>
-        <p:txBody>
-          <a:bodyPr/>
-          <a:lstStyle/>
-          <a:p>
-            <a:r>
-              <a:rPr lang="en-US" dirty="0"/>
-              <a:t>1</a:t>
-            </a:r>
-          </a:p>
-        </p:txBody>
-      </p:sp>
-      <p:sp>
-        <p:nvSpPr>
-          <p:cNvPr id="7" name="TextBox 6"/>
-          <p:cNvSpPr txBox="1"/>
-          <p:nvPr/>
-        </p:nvSpPr>
-        <p:spPr>
-          <a:xfrm>
-            <a:off x="623392" y="260649"/>
-            <a:ext cx="8496944" cy="2246769"/>
-          </a:xfrm>
-          <a:prstGeom prst="rect">
-            <a:avLst/>
-          </a:prstGeom>
-          <a:noFill/>
-        </p:spPr>
-        <p:txBody>
-          <a:bodyPr wrap="square" rtlCol="0">
-            <a:spAutoFit/>
-          </a:bodyPr>
-          <a:lstStyle/>
-          <a:p>
-            <a:r>
-              <a:rPr lang="en-US" sz="1000" dirty="0" smtClean="0"/>
-              <a:t>1) Mqtt </a:t>
-            </a:r>
-            <a:r>
-              <a:rPr lang="en-US" sz="1000" dirty="0"/>
-              <a:t>is a featherweight iso compliant pub sub messaging </a:t>
-            </a:r>
-            <a:r>
-              <a:rPr lang="en-US" sz="1000" dirty="0" smtClean="0"/>
-              <a:t>protocol. It </a:t>
-            </a:r>
-            <a:r>
-              <a:rPr lang="en-US" sz="1000" dirty="0"/>
-              <a:t>was specifically designed for IOT was designed by IBM. </a:t>
-            </a:r>
-          </a:p>
-          <a:p>
-            <a:r>
-              <a:rPr lang="en-US" sz="1000" dirty="0" smtClean="0"/>
-              <a:t>2) Best </a:t>
-            </a:r>
-            <a:r>
-              <a:rPr lang="en-US" sz="1000" dirty="0"/>
-              <a:t>part about MQTT is it bakes pub sub messaging into devices that absolutely have very low ram and processor </a:t>
-            </a:r>
-            <a:r>
-              <a:rPr lang="en-US" sz="1000" dirty="0" smtClean="0"/>
-              <a:t>speed. Publishers </a:t>
-            </a:r>
-            <a:r>
-              <a:rPr lang="en-US" sz="1000" dirty="0"/>
-              <a:t>and Subscribers can talk to each other without knowing the addresses and ports of either parties.</a:t>
-            </a:r>
-          </a:p>
-          <a:p>
-            <a:r>
-              <a:rPr lang="en-US" sz="1000" dirty="0" smtClean="0"/>
-              <a:t>3) Publishers </a:t>
-            </a:r>
-            <a:r>
-              <a:rPr lang="en-US" sz="1000" dirty="0"/>
-              <a:t>and Subscribers don’t have to be online at the same time. Best example a car goes into a tunnel and receives the message on the mqtt topic once it is online at the other end of the tunnel.</a:t>
-            </a:r>
-          </a:p>
-          <a:p>
-            <a:r>
-              <a:rPr lang="en-US" sz="1000" dirty="0" smtClean="0"/>
-              <a:t>4) Sender </a:t>
-            </a:r>
-            <a:r>
-              <a:rPr lang="en-US" sz="1000" dirty="0"/>
-              <a:t>and receiver don’t have to work at the same speed. Rate limiting can be applied at the either parties to scale the reception of messages.</a:t>
-            </a:r>
-          </a:p>
-          <a:p>
-            <a:r>
-              <a:rPr lang="en-US" sz="1000" dirty="0" smtClean="0"/>
-              <a:t>5) Mqtt </a:t>
-            </a:r>
-            <a:r>
-              <a:rPr lang="en-US" sz="1000" dirty="0"/>
-              <a:t>supports messages </a:t>
-            </a:r>
-            <a:r>
-              <a:rPr lang="en-US" sz="1000" dirty="0" smtClean="0"/>
-              <a:t>up to </a:t>
-            </a:r>
-            <a:r>
-              <a:rPr lang="en-US" sz="1000" dirty="0"/>
-              <a:t>256mb in size.</a:t>
-            </a:r>
-          </a:p>
-          <a:p>
-            <a:r>
-              <a:rPr lang="en-US" sz="1000" dirty="0" smtClean="0"/>
-              <a:t>6) Mqtt guarantees </a:t>
-            </a:r>
-            <a:r>
-              <a:rPr lang="en-US" sz="1000" dirty="0"/>
-              <a:t>message delivery. The way this is </a:t>
-            </a:r>
-            <a:r>
-              <a:rPr lang="en-US" sz="1000" dirty="0" smtClean="0"/>
-              <a:t>done </a:t>
-            </a:r>
-            <a:r>
-              <a:rPr lang="en-US" sz="1000" dirty="0"/>
-              <a:t>by using the concept of last will and testament messages.</a:t>
-            </a:r>
-          </a:p>
-          <a:p>
-            <a:r>
-              <a:rPr lang="en-US" sz="1000" dirty="0" smtClean="0"/>
-              <a:t>7) Largest </a:t>
-            </a:r>
-            <a:r>
-              <a:rPr lang="en-US" sz="1000" dirty="0"/>
-              <a:t>mqtt application in the world is FB </a:t>
-            </a:r>
-            <a:r>
-              <a:rPr lang="en-US" sz="1000" dirty="0" smtClean="0"/>
-              <a:t>messenger.</a:t>
-            </a:r>
-            <a:endParaRPr lang="en-US" sz="1000" dirty="0"/>
-          </a:p>
-          <a:p>
-            <a:r>
-              <a:rPr lang="en-US" sz="1000" dirty="0" smtClean="0"/>
-              <a:t>8) Mqtt </a:t>
-            </a:r>
-            <a:r>
-              <a:rPr lang="en-US" sz="1000" dirty="0"/>
-              <a:t>doesn’t Guarantee consistency of messages </a:t>
-            </a:r>
-            <a:r>
-              <a:rPr lang="en-US" sz="1000" dirty="0" smtClean="0"/>
-              <a:t>i.e. </a:t>
-            </a:r>
-            <a:r>
-              <a:rPr lang="en-US" sz="1000" dirty="0"/>
-              <a:t>sequencing across multiple publishers. in scenarios where you connect to the mqtt broker with an id and then connect to the mqtt message broker using the same id but from other device, in those scenarios the session needs to be transferred to the new </a:t>
-            </a:r>
-            <a:r>
-              <a:rPr lang="en-US" sz="1000" dirty="0" smtClean="0"/>
-              <a:t>device. But </a:t>
-            </a:r>
-            <a:r>
-              <a:rPr lang="en-US" sz="1000" dirty="0"/>
-              <a:t>the sequencing can be built by using key-value store that supports p-ram consistency</a:t>
-            </a:r>
-            <a:r>
-              <a:rPr lang="en-US" sz="1000" dirty="0" smtClean="0"/>
-              <a:t>.</a:t>
-            </a:r>
-            <a:br>
-              <a:rPr lang="en-US" sz="1000" dirty="0" smtClean="0"/>
-            </a:br>
-            <a:r>
-              <a:rPr lang="en-US" sz="1000" dirty="0" smtClean="0"/>
-              <a:t>9) MQTT brokers can be run on Mosquito servers or Edge devices.</a:t>
-            </a:r>
-            <a:endParaRPr lang="en-US" sz="1000" dirty="0"/>
-          </a:p>
-          <a:p>
-            <a:endParaRPr lang="en-US" sz="1000" dirty="0"/>
-          </a:p>
-        </p:txBody>
-      </p:sp>
-      <p:pic>
-        <p:nvPicPr>
-          <p:cNvPr id="8" name="Picture 7"/>
-          <p:cNvPicPr>
-            <a:picLocks noChangeAspect="1"/>
-          </p:cNvPicPr>
-          <p:nvPr/>
-        </p:nvPicPr>
-        <p:blipFill>
-          <a:blip r:embed="rId2"/>
-          <a:stretch>
-            <a:fillRect/>
-          </a:stretch>
-        </p:blipFill>
-        <p:spPr>
-          <a:xfrm>
-            <a:off x="623392" y="2353530"/>
-            <a:ext cx="6107084" cy="3029665"/>
-          </a:xfrm>
-          <a:prstGeom prst="rect">
-            <a:avLst/>
-          </a:prstGeom>
-        </p:spPr>
-      </p:pic>
-      <p:pic>
-        <p:nvPicPr>
-          <p:cNvPr id="9" name="Picture 8"/>
-          <p:cNvPicPr>
-            <a:picLocks noChangeAspect="1"/>
-          </p:cNvPicPr>
-          <p:nvPr/>
-        </p:nvPicPr>
-        <p:blipFill>
-          <a:blip r:embed="rId3"/>
-          <a:stretch>
-            <a:fillRect/>
-          </a:stretch>
-        </p:blipFill>
-        <p:spPr>
-          <a:xfrm>
-            <a:off x="6888089" y="2353530"/>
-            <a:ext cx="4176464" cy="1669287"/>
-          </a:xfrm>
-          <a:prstGeom prst="rect">
-            <a:avLst/>
-          </a:prstGeom>
-        </p:spPr>
-      </p:pic>
-      <p:pic>
-        <p:nvPicPr>
-          <p:cNvPr id="10" name="Picture 9"/>
-          <p:cNvPicPr>
-            <a:picLocks noChangeAspect="1"/>
-          </p:cNvPicPr>
-          <p:nvPr/>
-        </p:nvPicPr>
-        <p:blipFill>
-          <a:blip r:embed="rId4"/>
-          <a:stretch>
-            <a:fillRect/>
-          </a:stretch>
-        </p:blipFill>
-        <p:spPr>
-          <a:xfrm>
-            <a:off x="6913309" y="4024260"/>
-            <a:ext cx="4894498" cy="2187406"/>
-          </a:xfrm>
-          <a:prstGeom prst="rect">
-            <a:avLst/>
-          </a:prstGeom>
-        </p:spPr>
-      </p:pic>
+            <a:endParaRPr lang="fr-FR" dirty="0"/>
+          </a:p>
+        </p:txBody>
+      </p:sp>
     </p:spTree>
     <p:extLst>
       <p:ext uri="{BB962C8B-B14F-4D97-AF65-F5344CB8AC3E}">
-        <p14:creationId xmlns:p14="http://schemas.microsoft.com/office/powerpoint/2010/main" xmlns="" val="3718833152"/>
+        <p14:creationId xmlns:p14="http://schemas.microsoft.com/office/powerpoint/2010/main" val="535754705"/>
       </p:ext>
     </p:extLst>
   </p:cSld>
@@ -13851,7 +13789,7 @@
           <a:lstStyle/>
           <a:p>
             <a:r>
-              <a:rPr lang="en-US" noProof="0" smtClean="0"/>
+              <a:rPr lang="en-US" noProof="0"/>
               <a:t>IT Americas / Integration Services</a:t>
             </a:r>
             <a:endParaRPr lang="en-US" noProof="0" dirty="0"/>
@@ -13898,16 +13836,186 @@
           <a:lstStyle/>
           <a:p>
             <a:r>
-              <a:rPr lang="en-US" dirty="0" smtClean="0"/>
-              <a:t>2</a:t>
-            </a:r>
-            <a:endParaRPr lang="en-US" dirty="0"/>
+              <a:rPr lang="en-US" dirty="0"/>
+              <a:t>1</a:t>
+            </a:r>
+          </a:p>
+        </p:txBody>
+      </p:sp>
+      <p:sp>
+        <p:nvSpPr>
+          <p:cNvPr id="7" name="TextBox 6"/>
+          <p:cNvSpPr txBox="1"/>
+          <p:nvPr/>
+        </p:nvSpPr>
+        <p:spPr>
+          <a:xfrm>
+            <a:off x="623392" y="260649"/>
+            <a:ext cx="8496944" cy="2246769"/>
+          </a:xfrm>
+          <a:prstGeom prst="rect">
+            <a:avLst/>
+          </a:prstGeom>
+          <a:noFill/>
+        </p:spPr>
+        <p:txBody>
+          <a:bodyPr wrap="square" rtlCol="0">
+            <a:spAutoFit/>
+          </a:bodyPr>
+          <a:lstStyle/>
+          <a:p>
+            <a:r>
+              <a:rPr lang="en-US" sz="1000" dirty="0" smtClean="0"/>
+              <a:t>1) Mqtt </a:t>
+            </a:r>
+            <a:r>
+              <a:rPr lang="en-US" sz="1000" dirty="0"/>
+              <a:t>is a featherweight iso compliant pub sub messaging </a:t>
+            </a:r>
+            <a:r>
+              <a:rPr lang="en-US" sz="1000" dirty="0" smtClean="0"/>
+              <a:t>protocol. It </a:t>
+            </a:r>
+            <a:r>
+              <a:rPr lang="en-US" sz="1000" dirty="0"/>
+              <a:t>was specifically designed for IOT was designed by IBM. </a:t>
+            </a:r>
+          </a:p>
+          <a:p>
+            <a:r>
+              <a:rPr lang="en-US" sz="1000" dirty="0" smtClean="0"/>
+              <a:t>2) Best </a:t>
+            </a:r>
+            <a:r>
+              <a:rPr lang="en-US" sz="1000" dirty="0"/>
+              <a:t>part about MQTT is it bakes pub sub messaging into devices that absolutely have very low ram and processor </a:t>
+            </a:r>
+            <a:r>
+              <a:rPr lang="en-US" sz="1000" dirty="0" smtClean="0"/>
+              <a:t>speed. Publishers </a:t>
+            </a:r>
+            <a:r>
+              <a:rPr lang="en-US" sz="1000" dirty="0"/>
+              <a:t>and Subscribers can talk to each other without knowing the addresses and ports of either parties.</a:t>
+            </a:r>
+          </a:p>
+          <a:p>
+            <a:r>
+              <a:rPr lang="en-US" sz="1000" dirty="0" smtClean="0"/>
+              <a:t>3) Publishers </a:t>
+            </a:r>
+            <a:r>
+              <a:rPr lang="en-US" sz="1000" dirty="0"/>
+              <a:t>and Subscribers don’t have to be online at the same time. Best example a car goes into a tunnel and receives the message on the mqtt topic once it is online at the other end of the tunnel.</a:t>
+            </a:r>
+          </a:p>
+          <a:p>
+            <a:r>
+              <a:rPr lang="en-US" sz="1000" dirty="0" smtClean="0"/>
+              <a:t>4) Sender </a:t>
+            </a:r>
+            <a:r>
+              <a:rPr lang="en-US" sz="1000" dirty="0"/>
+              <a:t>and receiver don’t have to work at the same speed. Rate limiting can be applied at the either parties to scale the reception of messages.</a:t>
+            </a:r>
+          </a:p>
+          <a:p>
+            <a:r>
+              <a:rPr lang="en-US" sz="1000" dirty="0" smtClean="0"/>
+              <a:t>5) Mqtt </a:t>
+            </a:r>
+            <a:r>
+              <a:rPr lang="en-US" sz="1000" dirty="0"/>
+              <a:t>supports messages </a:t>
+            </a:r>
+            <a:r>
+              <a:rPr lang="en-US" sz="1000" dirty="0" smtClean="0"/>
+              <a:t>up to </a:t>
+            </a:r>
+            <a:r>
+              <a:rPr lang="en-US" sz="1000" dirty="0"/>
+              <a:t>256mb in size.</a:t>
+            </a:r>
+          </a:p>
+          <a:p>
+            <a:r>
+              <a:rPr lang="en-US" sz="1000" dirty="0" smtClean="0"/>
+              <a:t>6) Mqtt guarantees </a:t>
+            </a:r>
+            <a:r>
+              <a:rPr lang="en-US" sz="1000" dirty="0"/>
+              <a:t>message delivery. The way this is </a:t>
+            </a:r>
+            <a:r>
+              <a:rPr lang="en-US" sz="1000" dirty="0" smtClean="0"/>
+              <a:t>done </a:t>
+            </a:r>
+            <a:r>
+              <a:rPr lang="en-US" sz="1000" dirty="0"/>
+              <a:t>by using the concept of last will and testament messages.</a:t>
+            </a:r>
+          </a:p>
+          <a:p>
+            <a:r>
+              <a:rPr lang="en-US" sz="1000" dirty="0" smtClean="0"/>
+              <a:t>7) Largest </a:t>
+            </a:r>
+            <a:r>
+              <a:rPr lang="en-US" sz="1000" dirty="0"/>
+              <a:t>mqtt application in the world is FB </a:t>
+            </a:r>
+            <a:r>
+              <a:rPr lang="en-US" sz="1000" dirty="0" smtClean="0"/>
+              <a:t>messenger.</a:t>
+            </a:r>
+            <a:endParaRPr lang="en-US" sz="1000" dirty="0"/>
+          </a:p>
+          <a:p>
+            <a:r>
+              <a:rPr lang="en-US" sz="1000" dirty="0" smtClean="0"/>
+              <a:t>8) Mqtt </a:t>
+            </a:r>
+            <a:r>
+              <a:rPr lang="en-US" sz="1000" dirty="0"/>
+              <a:t>doesn’t Guarantee consistency of messages </a:t>
+            </a:r>
+            <a:r>
+              <a:rPr lang="en-US" sz="1000" dirty="0" smtClean="0"/>
+              <a:t>i.e. </a:t>
+            </a:r>
+            <a:r>
+              <a:rPr lang="en-US" sz="1000" dirty="0"/>
+              <a:t>sequencing across multiple publishers. in scenarios where you connect to the mqtt broker with an id and then connect to the mqtt message broker using the same id but from other device, in those scenarios the session needs to be transferred to the new </a:t>
+            </a:r>
+            <a:r>
+              <a:rPr lang="en-US" sz="1000" dirty="0" smtClean="0"/>
+              <a:t>device. But </a:t>
+            </a:r>
+            <a:r>
+              <a:rPr lang="en-US" sz="1000" dirty="0"/>
+              <a:t>the sequencing can be built by using key-value store that supports p-ram consistency</a:t>
+            </a:r>
+            <a:r>
+              <a:rPr lang="en-US" sz="1000" dirty="0" smtClean="0"/>
+              <a:t>.</a:t>
+            </a:r>
+            <a:br>
+              <a:rPr lang="en-US" sz="1000" dirty="0" smtClean="0"/>
+            </a:br>
+            <a:r>
+              <a:rPr lang="en-US" sz="1000" dirty="0" smtClean="0"/>
+              <a:t>9) MQTT brokers can be run on Mosquito servers or Edge devices.</a:t>
+            </a:r>
+            <a:endParaRPr lang="en-US" sz="1000" dirty="0"/>
+          </a:p>
+          <a:p>
+            <a:endParaRPr lang="en-US" sz="1000" dirty="0"/>
           </a:p>
         </p:txBody>
       </p:sp>
       <p:pic>
         <p:nvPicPr>
-          <p:cNvPr id="9" name="Picture 8"/>
+          <p:cNvPr id="8" name="Picture 7"/>
           <p:cNvPicPr>
             <a:picLocks noChangeAspect="1"/>
           </p:cNvPicPr>
@@ -13921,8 +14029,8 @@
         </p:blipFill>
         <p:spPr>
           <a:xfrm>
-            <a:off x="868350" y="116632"/>
-            <a:ext cx="5371936" cy="2569187"/>
+            <a:off x="623392" y="2353530"/>
+            <a:ext cx="6107084" cy="3029665"/>
           </a:xfrm>
           <a:prstGeom prst="rect">
             <a:avLst/>
@@ -13931,7 +14039,7 @@
       </p:pic>
       <p:pic>
         <p:nvPicPr>
-          <p:cNvPr id="10" name="Picture 9"/>
+          <p:cNvPr id="9" name="Picture 8"/>
           <p:cNvPicPr>
             <a:picLocks noChangeAspect="1"/>
           </p:cNvPicPr>
@@ -13945,8 +14053,8 @@
         </p:blipFill>
         <p:spPr>
           <a:xfrm>
-            <a:off x="6528048" y="509587"/>
-            <a:ext cx="4674814" cy="2509444"/>
+            <a:off x="6888089" y="2353530"/>
+            <a:ext cx="4176464" cy="1669287"/>
           </a:xfrm>
           <a:prstGeom prst="rect">
             <a:avLst/>
@@ -13955,7 +14063,7 @@
       </p:pic>
       <p:pic>
         <p:nvPicPr>
-          <p:cNvPr id="11" name="Picture 10"/>
+          <p:cNvPr id="10" name="Picture 9"/>
           <p:cNvPicPr>
             <a:picLocks noChangeAspect="1"/>
           </p:cNvPicPr>
@@ -13969,8 +14077,8 @@
         </p:blipFill>
         <p:spPr>
           <a:xfrm>
-            <a:off x="809625" y="2961928"/>
-            <a:ext cx="5998987" cy="3176482"/>
+            <a:off x="6913309" y="4024260"/>
+            <a:ext cx="4894498" cy="2187406"/>
           </a:xfrm>
           <a:prstGeom prst="rect">
             <a:avLst/>
@@ -13980,13 +14088,20 @@
     </p:spTree>
     <p:extLst>
       <p:ext uri="{BB962C8B-B14F-4D97-AF65-F5344CB8AC3E}">
-        <p14:creationId xmlns:p14="http://schemas.microsoft.com/office/powerpoint/2010/main" xmlns="" val="3760775755"/>
+        <p14:creationId xmlns:p14="http://schemas.microsoft.com/office/powerpoint/2010/main" val="3718833152"/>
       </p:ext>
     </p:extLst>
   </p:cSld>
   <p:clrMapOvr>
     <a:masterClrMapping/>
   </p:clrMapOvr>
+  <p:timing>
+    <p:tnLst>
+      <p:par>
+        <p:cTn id="1" dur="indefinite" restart="never" nodeType="tmRoot"/>
+      </p:par>
+    </p:tnLst>
+  </p:timing>
 </p:sld>
 </file>
 
@@ -14009,12 +14124,12 @@
       </p:grpSpPr>
       <p:sp>
         <p:nvSpPr>
-          <p:cNvPr id="7" name="Content Placeholder 6"/>
-          <p:cNvSpPr>
-            <a:spLocks noGrp="1"/>
-          </p:cNvSpPr>
-          <p:nvPr>
-            <p:ph idx="1"/>
+          <p:cNvPr id="4" name="Footer Placeholder 3"/>
+          <p:cNvSpPr>
+            <a:spLocks noGrp="1"/>
+          </p:cNvSpPr>
+          <p:nvPr>
+            <p:ph type="ftr" sz="quarter" idx="11"/>
           </p:nvPr>
         </p:nvSpPr>
         <p:spPr/>
@@ -14023,21 +14138,21 @@
           <a:lstStyle/>
           <a:p>
             <a:r>
-              <a:rPr lang="en-US" dirty="0" smtClean="0"/>
-              <a:t>Tibco Flogo</a:t>
-            </a:r>
-            <a:endParaRPr lang="en-US" dirty="0"/>
-          </a:p>
-        </p:txBody>
-      </p:sp>
-      <p:sp>
-        <p:nvSpPr>
-          <p:cNvPr id="4" name="Footer Placeholder 3"/>
-          <p:cNvSpPr>
-            <a:spLocks noGrp="1"/>
-          </p:cNvSpPr>
-          <p:nvPr>
-            <p:ph type="ftr" sz="quarter" idx="11"/>
+              <a:rPr lang="en-US" noProof="0" smtClean="0"/>
+              <a:t>IT Americas / Integration Services</a:t>
+            </a:r>
+            <a:endParaRPr lang="en-US" noProof="0" dirty="0"/>
+          </a:p>
+        </p:txBody>
+      </p:sp>
+      <p:sp>
+        <p:nvSpPr>
+          <p:cNvPr id="5" name="Slide Number Placeholder 4"/>
+          <p:cNvSpPr>
+            <a:spLocks noGrp="1"/>
+          </p:cNvSpPr>
+          <p:nvPr>
+            <p:ph type="sldNum" sz="quarter" idx="12"/>
           </p:nvPr>
         </p:nvSpPr>
         <p:spPr/>
@@ -14045,70 +14160,120 @@
           <a:bodyPr/>
           <a:lstStyle/>
           <a:p>
-            <a:r>
-              <a:rPr lang="fr-FR" dirty="0"/>
-              <a:t>IT </a:t>
-            </a:r>
-            <a:r>
-              <a:rPr lang="fr-FR" dirty="0" err="1"/>
-              <a:t>Americas</a:t>
-            </a:r>
-            <a:r>
-              <a:rPr lang="fr-FR" dirty="0"/>
-              <a:t> / </a:t>
-            </a:r>
-            <a:r>
-              <a:rPr lang="en-US" dirty="0"/>
-              <a:t>Integration</a:t>
-            </a:r>
-            <a:r>
-              <a:rPr lang="fr-FR" dirty="0"/>
-              <a:t> Services</a:t>
-            </a:r>
-          </a:p>
-        </p:txBody>
-      </p:sp>
-      <p:sp>
-        <p:nvSpPr>
-          <p:cNvPr id="5" name="Slide Number Placeholder 4"/>
-          <p:cNvSpPr>
-            <a:spLocks noGrp="1"/>
-          </p:cNvSpPr>
-          <p:nvPr>
-            <p:ph type="sldNum" sz="quarter" idx="4"/>
-          </p:nvPr>
-        </p:nvSpPr>
-        <p:spPr/>
-        <p:txBody>
-          <a:bodyPr/>
-          <a:lstStyle/>
-          <a:p>
             <a:fld id="{91D0DAE4-BE63-46F6-A3FC-2CC1752FBC7E}" type="slidenum">
-              <a:rPr lang="fr-FR" smtClean="0"/>
+              <a:rPr lang="en-US" noProof="0" smtClean="0"/>
               <a:pPr/>
               <a:t>8</a:t>
             </a:fld>
-            <a:endParaRPr lang="fr-FR" dirty="0"/>
-          </a:p>
-        </p:txBody>
-      </p:sp>
+            <a:endParaRPr lang="en-US" noProof="0" dirty="0"/>
+          </a:p>
+        </p:txBody>
+      </p:sp>
+      <p:sp>
+        <p:nvSpPr>
+          <p:cNvPr id="6" name="Text Placeholder 5"/>
+          <p:cNvSpPr>
+            <a:spLocks noGrp="1"/>
+          </p:cNvSpPr>
+          <p:nvPr>
+            <p:ph type="body" sz="quarter" idx="13"/>
+          </p:nvPr>
+        </p:nvSpPr>
+        <p:spPr/>
+        <p:txBody>
+          <a:bodyPr/>
+          <a:lstStyle/>
+          <a:p>
+            <a:r>
+              <a:rPr lang="en-US" dirty="0" smtClean="0"/>
+              <a:t>2</a:t>
+            </a:r>
+            <a:endParaRPr lang="en-US" dirty="0"/>
+          </a:p>
+        </p:txBody>
+      </p:sp>
+      <p:pic>
+        <p:nvPicPr>
+          <p:cNvPr id="9" name="Picture 8"/>
+          <p:cNvPicPr>
+            <a:picLocks noChangeAspect="1"/>
+          </p:cNvPicPr>
+          <p:nvPr/>
+        </p:nvPicPr>
+        <p:blipFill>
+          <a:blip r:embed="rId2"/>
+          <a:stretch>
+            <a:fillRect/>
+          </a:stretch>
+        </p:blipFill>
+        <p:spPr>
+          <a:xfrm>
+            <a:off x="868350" y="116632"/>
+            <a:ext cx="5371936" cy="2569187"/>
+          </a:xfrm>
+          <a:prstGeom prst="rect">
+            <a:avLst/>
+          </a:prstGeom>
+        </p:spPr>
+      </p:pic>
+      <p:pic>
+        <p:nvPicPr>
+          <p:cNvPr id="10" name="Picture 9"/>
+          <p:cNvPicPr>
+            <a:picLocks noChangeAspect="1"/>
+          </p:cNvPicPr>
+          <p:nvPr/>
+        </p:nvPicPr>
+        <p:blipFill>
+          <a:blip r:embed="rId3"/>
+          <a:stretch>
+            <a:fillRect/>
+          </a:stretch>
+        </p:blipFill>
+        <p:spPr>
+          <a:xfrm>
+            <a:off x="6528048" y="509587"/>
+            <a:ext cx="4674814" cy="2509444"/>
+          </a:xfrm>
+          <a:prstGeom prst="rect">
+            <a:avLst/>
+          </a:prstGeom>
+        </p:spPr>
+      </p:pic>
+      <p:pic>
+        <p:nvPicPr>
+          <p:cNvPr id="11" name="Picture 10"/>
+          <p:cNvPicPr>
+            <a:picLocks noChangeAspect="1"/>
+          </p:cNvPicPr>
+          <p:nvPr/>
+        </p:nvPicPr>
+        <p:blipFill>
+          <a:blip r:embed="rId4"/>
+          <a:stretch>
+            <a:fillRect/>
+          </a:stretch>
+        </p:blipFill>
+        <p:spPr>
+          <a:xfrm>
+            <a:off x="809625" y="2961928"/>
+            <a:ext cx="5998987" cy="3176482"/>
+          </a:xfrm>
+          <a:prstGeom prst="rect">
+            <a:avLst/>
+          </a:prstGeom>
+        </p:spPr>
+      </p:pic>
     </p:spTree>
     <p:extLst>
       <p:ext uri="{BB962C8B-B14F-4D97-AF65-F5344CB8AC3E}">
-        <p14:creationId xmlns:p14="http://schemas.microsoft.com/office/powerpoint/2010/main" xmlns="" val="2993221683"/>
+        <p14:creationId xmlns:p14="http://schemas.microsoft.com/office/powerpoint/2010/main" val="3760775755"/>
       </p:ext>
     </p:extLst>
   </p:cSld>
   <p:clrMapOvr>
     <a:masterClrMapping/>
   </p:clrMapOvr>
-  <p:timing>
-    <p:tnLst>
-      <p:par>
-        <p:cTn id="1" dur="indefinite" restart="never" nodeType="tmRoot"/>
-      </p:par>
-    </p:tnLst>
-  </p:timing>
 </p:sld>
 </file>
 
@@ -14131,6 +14296,29 @@
       </p:grpSpPr>
       <p:sp>
         <p:nvSpPr>
+          <p:cNvPr id="7" name="Content Placeholder 6"/>
+          <p:cNvSpPr>
+            <a:spLocks noGrp="1"/>
+          </p:cNvSpPr>
+          <p:nvPr>
+            <p:ph idx="1"/>
+          </p:nvPr>
+        </p:nvSpPr>
+        <p:spPr/>
+        <p:txBody>
+          <a:bodyPr/>
+          <a:lstStyle/>
+          <a:p>
+            <a:r>
+              <a:rPr lang="en-US" dirty="0" smtClean="0"/>
+              <a:t>Tibco Flogo</a:t>
+            </a:r>
+            <a:endParaRPr lang="en-US" dirty="0"/>
+          </a:p>
+        </p:txBody>
+      </p:sp>
+      <p:sp>
+        <p:nvSpPr>
           <p:cNvPr id="4" name="Footer Placeholder 3"/>
           <p:cNvSpPr>
             <a:spLocks noGrp="1"/>
@@ -14145,283 +14333,56 @@
           <a:lstStyle/>
           <a:p>
             <a:r>
-              <a:rPr lang="en-US" noProof="0"/>
-              <a:t>IT Americas / Integration Services</a:t>
-            </a:r>
-            <a:endParaRPr lang="en-US" noProof="0" dirty="0"/>
-          </a:p>
-        </p:txBody>
-      </p:sp>
-      <p:pic>
-        <p:nvPicPr>
-          <p:cNvPr id="7" name="Picture 6"/>
-          <p:cNvPicPr>
-            <a:picLocks noChangeAspect="1"/>
-          </p:cNvPicPr>
-          <p:nvPr/>
-        </p:nvPicPr>
-        <p:blipFill>
-          <a:blip r:embed="rId3"/>
-          <a:stretch>
-            <a:fillRect/>
-          </a:stretch>
-        </p:blipFill>
-        <p:spPr>
-          <a:xfrm>
-            <a:off x="479376" y="188640"/>
-            <a:ext cx="4907705" cy="1699407"/>
-          </a:xfrm>
-          <a:prstGeom prst="rect">
-            <a:avLst/>
-          </a:prstGeom>
-        </p:spPr>
-      </p:pic>
-      <p:sp>
-        <p:nvSpPr>
-          <p:cNvPr id="8" name="TextBox 7"/>
-          <p:cNvSpPr txBox="1"/>
-          <p:nvPr/>
-        </p:nvSpPr>
-        <p:spPr>
-          <a:xfrm>
-            <a:off x="6816080" y="156388"/>
-            <a:ext cx="4464496" cy="3277820"/>
-          </a:xfrm>
-          <a:prstGeom prst="rect">
-            <a:avLst/>
-          </a:prstGeom>
-          <a:noFill/>
-        </p:spPr>
-        <p:txBody>
-          <a:bodyPr wrap="square" rtlCol="0">
-            <a:spAutoFit/>
-          </a:bodyPr>
-          <a:lstStyle/>
-          <a:p>
-            <a:pPr algn="ctr"/>
-            <a:r>
-              <a:rPr lang="en-GB" sz="900" b="1" u="sng" dirty="0"/>
-              <a:t>Concepts</a:t>
-            </a:r>
-            <a:endParaRPr lang="en-US" sz="900" b="1" u="sng" dirty="0"/>
-          </a:p>
-          <a:p>
-            <a:r>
-              <a:rPr lang="en-GB" sz="900" b="1" u="sng" dirty="0"/>
-              <a:t>Tiles</a:t>
-            </a:r>
-            <a:endParaRPr lang="en-US" sz="900" dirty="0"/>
-          </a:p>
-          <a:p>
-            <a:r>
-              <a:rPr lang="en-GB" sz="900" dirty="0"/>
-              <a:t>There are two categories of tiles used in a flow - Triggers and Activities. A flow starts with a trigger which is then followed by one or more activities. Each flow can have only one trigger.</a:t>
-            </a:r>
-            <a:endParaRPr lang="en-US" sz="900" dirty="0"/>
-          </a:p>
-          <a:p>
-            <a:r>
-              <a:rPr lang="en-GB" sz="900" b="1" u="sng" dirty="0"/>
-              <a:t>Flow</a:t>
-            </a:r>
-            <a:endParaRPr lang="en-US" sz="900" dirty="0"/>
-          </a:p>
-          <a:p>
-            <a:r>
-              <a:rPr lang="en-GB" sz="900" dirty="0"/>
-              <a:t>Every TIBCO Flogo App must contain at least one flow. An app can consist of multiple flows. A flow is a process that contains the business logic of the app. A flow is activated by a trigger. You have the</a:t>
-            </a:r>
-            <a:endParaRPr lang="en-US" sz="900" dirty="0"/>
-          </a:p>
-          <a:p>
-            <a:r>
-              <a:rPr lang="en-GB" sz="900" dirty="0"/>
-              <a:t>option to create a flow with or without a trigger. A flow without a trigger is a blank flow. You can add</a:t>
-            </a:r>
-            <a:endParaRPr lang="en-US" sz="900" dirty="0"/>
-          </a:p>
-          <a:p>
-            <a:r>
-              <a:rPr lang="en-GB" sz="900" dirty="0"/>
-              <a:t>one or more triggers to a blank flow at any time after the flow creation. Each flow can contain one or</a:t>
-            </a:r>
-            <a:endParaRPr lang="en-US" sz="900" dirty="0"/>
-          </a:p>
-          <a:p>
-            <a:r>
-              <a:rPr lang="en-GB" sz="900" dirty="0"/>
-              <a:t>more activities.</a:t>
-            </a:r>
-            <a:endParaRPr lang="en-US" sz="900" dirty="0"/>
-          </a:p>
-          <a:p>
-            <a:r>
-              <a:rPr lang="en-GB" sz="900" u="sng" dirty="0"/>
-              <a:t>Trigger</a:t>
-            </a:r>
-            <a:endParaRPr lang="en-US" sz="900" dirty="0"/>
-          </a:p>
-          <a:p>
-            <a:r>
-              <a:rPr lang="en-GB" sz="900" dirty="0"/>
-              <a:t>Triggers are used to activate a flow. A trigger can also be activated by an external system, such as</a:t>
-            </a:r>
-            <a:endParaRPr lang="en-US" sz="900" dirty="0"/>
-          </a:p>
-          <a:p>
-            <a:r>
-              <a:rPr lang="en-GB" sz="900" dirty="0"/>
-              <a:t>Salesforce.com, in which case the TIBCO Flogo  App listens to changes happening in that external</a:t>
-            </a:r>
-            <a:endParaRPr lang="en-US" sz="900" dirty="0"/>
-          </a:p>
-          <a:p>
-            <a:r>
-              <a:rPr lang="en-GB" sz="900" dirty="0"/>
-              <a:t>system.</a:t>
-            </a:r>
-            <a:endParaRPr lang="en-US" sz="900" dirty="0"/>
-          </a:p>
-          <a:p>
-            <a:r>
-              <a:rPr lang="en-GB" sz="900" u="sng" dirty="0"/>
-              <a:t>Activity</a:t>
-            </a:r>
-            <a:endParaRPr lang="en-US" sz="900" dirty="0"/>
-          </a:p>
-          <a:p>
-            <a:r>
-              <a:rPr lang="en-GB" sz="900" dirty="0"/>
-              <a:t>Activities perform specific tasks within the flow. A flow typically contains multiple activities</a:t>
-            </a:r>
-            <a:endParaRPr lang="en-US" sz="900" dirty="0"/>
-          </a:p>
-        </p:txBody>
-      </p:sp>
-      <p:pic>
-        <p:nvPicPr>
-          <p:cNvPr id="9" name="Picture 8"/>
-          <p:cNvPicPr>
-            <a:picLocks noChangeAspect="1"/>
-          </p:cNvPicPr>
-          <p:nvPr/>
-        </p:nvPicPr>
-        <p:blipFill>
-          <a:blip r:embed="rId4"/>
-          <a:stretch>
-            <a:fillRect/>
-          </a:stretch>
-        </p:blipFill>
-        <p:spPr>
-          <a:xfrm>
-            <a:off x="191344" y="4221088"/>
-            <a:ext cx="6083352" cy="998440"/>
-          </a:xfrm>
-          <a:prstGeom prst="rect">
-            <a:avLst/>
-          </a:prstGeom>
-        </p:spPr>
-      </p:pic>
-      <p:pic>
-        <p:nvPicPr>
-          <p:cNvPr id="10" name="Picture 9"/>
-          <p:cNvPicPr>
-            <a:picLocks noChangeAspect="1"/>
-          </p:cNvPicPr>
-          <p:nvPr/>
-        </p:nvPicPr>
-        <p:blipFill>
-          <a:blip r:embed="rId5"/>
-          <a:stretch>
-            <a:fillRect/>
-          </a:stretch>
-        </p:blipFill>
-        <p:spPr>
-          <a:xfrm>
-            <a:off x="509667" y="2276872"/>
-            <a:ext cx="4591059" cy="1265832"/>
-          </a:xfrm>
-          <a:prstGeom prst="rect">
-            <a:avLst/>
-          </a:prstGeom>
-        </p:spPr>
-      </p:pic>
-      <p:pic>
-        <p:nvPicPr>
-          <p:cNvPr id="11" name="Picture 10"/>
-          <p:cNvPicPr>
-            <a:picLocks noChangeAspect="1"/>
-          </p:cNvPicPr>
-          <p:nvPr/>
-        </p:nvPicPr>
-        <p:blipFill>
-          <a:blip r:embed="rId6"/>
-          <a:stretch>
-            <a:fillRect/>
-          </a:stretch>
-        </p:blipFill>
-        <p:spPr>
-          <a:xfrm>
-            <a:off x="6600056" y="3522420"/>
-            <a:ext cx="777893" cy="2691646"/>
-          </a:xfrm>
-          <a:prstGeom prst="rect">
-            <a:avLst/>
-          </a:prstGeom>
-        </p:spPr>
-      </p:pic>
-      <p:pic>
-        <p:nvPicPr>
-          <p:cNvPr id="12" name="Picture 11"/>
-          <p:cNvPicPr>
-            <a:picLocks noChangeAspect="1"/>
-          </p:cNvPicPr>
-          <p:nvPr/>
-        </p:nvPicPr>
-        <p:blipFill>
-          <a:blip r:embed="rId7"/>
-          <a:stretch>
-            <a:fillRect/>
-          </a:stretch>
-        </p:blipFill>
-        <p:spPr>
-          <a:xfrm>
-            <a:off x="7534078" y="3522420"/>
-            <a:ext cx="702439" cy="2691646"/>
-          </a:xfrm>
-          <a:prstGeom prst="rect">
-            <a:avLst/>
-          </a:prstGeom>
-        </p:spPr>
-      </p:pic>
-      <p:pic>
-        <p:nvPicPr>
-          <p:cNvPr id="13" name="Picture 12"/>
-          <p:cNvPicPr>
-            <a:picLocks noChangeAspect="1"/>
-          </p:cNvPicPr>
-          <p:nvPr/>
-        </p:nvPicPr>
-        <p:blipFill>
-          <a:blip r:embed="rId8"/>
-          <a:stretch>
-            <a:fillRect/>
-          </a:stretch>
-        </p:blipFill>
-        <p:spPr>
-          <a:xfrm>
-            <a:off x="8392647" y="3503907"/>
-            <a:ext cx="726322" cy="1715621"/>
-          </a:xfrm>
-          <a:prstGeom prst="rect">
-            <a:avLst/>
-          </a:prstGeom>
-        </p:spPr>
-      </p:pic>
+              <a:rPr lang="fr-FR" dirty="0"/>
+              <a:t>IT </a:t>
+            </a:r>
+            <a:r>
+              <a:rPr lang="fr-FR" dirty="0" err="1"/>
+              <a:t>Americas</a:t>
+            </a:r>
+            <a:r>
+              <a:rPr lang="fr-FR" dirty="0"/>
+              <a:t> / </a:t>
+            </a:r>
+            <a:r>
+              <a:rPr lang="en-US" dirty="0"/>
+              <a:t>Integration</a:t>
+            </a:r>
+            <a:r>
+              <a:rPr lang="fr-FR" dirty="0"/>
+              <a:t> Services</a:t>
+            </a:r>
+          </a:p>
+        </p:txBody>
+      </p:sp>
+      <p:sp>
+        <p:nvSpPr>
+          <p:cNvPr id="5" name="Slide Number Placeholder 4"/>
+          <p:cNvSpPr>
+            <a:spLocks noGrp="1"/>
+          </p:cNvSpPr>
+          <p:nvPr>
+            <p:ph type="sldNum" sz="quarter" idx="4"/>
+          </p:nvPr>
+        </p:nvSpPr>
+        <p:spPr/>
+        <p:txBody>
+          <a:bodyPr/>
+          <a:lstStyle/>
+          <a:p>
+            <a:fld id="{91D0DAE4-BE63-46F6-A3FC-2CC1752FBC7E}" type="slidenum">
+              <a:rPr lang="fr-FR" smtClean="0"/>
+              <a:pPr/>
+              <a:t>9</a:t>
+            </a:fld>
+            <a:endParaRPr lang="fr-FR" dirty="0"/>
+          </a:p>
+        </p:txBody>
+      </p:sp>
     </p:spTree>
     <p:extLst>
       <p:ext uri="{BB962C8B-B14F-4D97-AF65-F5344CB8AC3E}">
-        <p14:creationId xmlns:p14="http://schemas.microsoft.com/office/powerpoint/2010/main" xmlns="" val="3981020141"/>
+        <p14:creationId xmlns:p14="http://schemas.microsoft.com/office/powerpoint/2010/main" val="2993221683"/>
       </p:ext>
     </p:extLst>
   </p:cSld>
@@ -14471,33 +14432,9 @@
           <a:lstStyle/>
           <a:p>
             <a:r>
-              <a:rPr lang="en-US" noProof="0" smtClean="0"/>
+              <a:rPr lang="en-US" noProof="0"/>
               <a:t>IT Americas / Integration Services</a:t>
             </a:r>
-            <a:endParaRPr lang="en-US" noProof="0" dirty="0"/>
-          </a:p>
-        </p:txBody>
-      </p:sp>
-      <p:sp>
-        <p:nvSpPr>
-          <p:cNvPr id="5" name="Slide Number Placeholder 4"/>
-          <p:cNvSpPr>
-            <a:spLocks noGrp="1"/>
-          </p:cNvSpPr>
-          <p:nvPr>
-            <p:ph type="sldNum" sz="quarter" idx="12"/>
-          </p:nvPr>
-        </p:nvSpPr>
-        <p:spPr/>
-        <p:txBody>
-          <a:bodyPr/>
-          <a:lstStyle/>
-          <a:p>
-            <a:fld id="{91D0DAE4-BE63-46F6-A3FC-2CC1752FBC7E}" type="slidenum">
-              <a:rPr lang="en-US" noProof="0" smtClean="0"/>
-              <a:pPr/>
-              <a:t>10</a:t>
-            </a:fld>
             <a:endParaRPr lang="en-US" noProof="0" dirty="0"/>
           </a:p>
         </p:txBody>
@@ -14505,30 +14442,6 @@
       <p:pic>
         <p:nvPicPr>
           <p:cNvPr id="7" name="Picture 6"/>
-          <p:cNvPicPr>
-            <a:picLocks noChangeAspect="1"/>
-          </p:cNvPicPr>
-          <p:nvPr/>
-        </p:nvPicPr>
-        <p:blipFill>
-          <a:blip r:embed="rId2"/>
-          <a:stretch>
-            <a:fillRect/>
-          </a:stretch>
-        </p:blipFill>
-        <p:spPr>
-          <a:xfrm>
-            <a:off x="839416" y="476672"/>
-            <a:ext cx="6951040" cy="3312368"/>
-          </a:xfrm>
-          <a:prstGeom prst="rect">
-            <a:avLst/>
-          </a:prstGeom>
-        </p:spPr>
-      </p:pic>
-      <p:pic>
-        <p:nvPicPr>
-          <p:cNvPr id="8" name="Picture 7"/>
           <p:cNvPicPr>
             <a:picLocks noChangeAspect="1"/>
           </p:cNvPicPr>
@@ -14542,8 +14455,250 @@
         </p:blipFill>
         <p:spPr>
           <a:xfrm>
-            <a:off x="5821872" y="3212976"/>
-            <a:ext cx="6075621" cy="3193517"/>
+            <a:off x="479376" y="188640"/>
+            <a:ext cx="4907705" cy="1699407"/>
+          </a:xfrm>
+          <a:prstGeom prst="rect">
+            <a:avLst/>
+          </a:prstGeom>
+        </p:spPr>
+      </p:pic>
+      <p:sp>
+        <p:nvSpPr>
+          <p:cNvPr id="8" name="TextBox 7"/>
+          <p:cNvSpPr txBox="1"/>
+          <p:nvPr/>
+        </p:nvSpPr>
+        <p:spPr>
+          <a:xfrm>
+            <a:off x="6816080" y="156388"/>
+            <a:ext cx="4464496" cy="3277820"/>
+          </a:xfrm>
+          <a:prstGeom prst="rect">
+            <a:avLst/>
+          </a:prstGeom>
+          <a:noFill/>
+        </p:spPr>
+        <p:txBody>
+          <a:bodyPr wrap="square" rtlCol="0">
+            <a:spAutoFit/>
+          </a:bodyPr>
+          <a:lstStyle/>
+          <a:p>
+            <a:pPr algn="ctr"/>
+            <a:r>
+              <a:rPr lang="en-GB" sz="900" b="1" u="sng" dirty="0"/>
+              <a:t>Concepts</a:t>
+            </a:r>
+            <a:endParaRPr lang="en-US" sz="900" b="1" u="sng" dirty="0"/>
+          </a:p>
+          <a:p>
+            <a:r>
+              <a:rPr lang="en-GB" sz="900" b="1" u="sng" dirty="0"/>
+              <a:t>Tiles</a:t>
+            </a:r>
+            <a:endParaRPr lang="en-US" sz="900" dirty="0"/>
+          </a:p>
+          <a:p>
+            <a:r>
+              <a:rPr lang="en-GB" sz="900" dirty="0"/>
+              <a:t>There are two categories of tiles used in a flow - Triggers and Activities. A flow starts with a trigger which is then followed by one or more activities. Each flow can have only one trigger.</a:t>
+            </a:r>
+            <a:endParaRPr lang="en-US" sz="900" dirty="0"/>
+          </a:p>
+          <a:p>
+            <a:r>
+              <a:rPr lang="en-GB" sz="900" b="1" u="sng" dirty="0"/>
+              <a:t>Flow</a:t>
+            </a:r>
+            <a:endParaRPr lang="en-US" sz="900" dirty="0"/>
+          </a:p>
+          <a:p>
+            <a:r>
+              <a:rPr lang="en-GB" sz="900" dirty="0"/>
+              <a:t>Every TIBCO Flogo App must contain at least one flow. An app can consist of multiple flows. A flow is a process that contains the business logic of the app. A flow is activated by a trigger. You have the</a:t>
+            </a:r>
+            <a:endParaRPr lang="en-US" sz="900" dirty="0"/>
+          </a:p>
+          <a:p>
+            <a:r>
+              <a:rPr lang="en-GB" sz="900" dirty="0"/>
+              <a:t>option to create a flow with or without a trigger. A flow without a trigger is a blank flow. You can add</a:t>
+            </a:r>
+            <a:endParaRPr lang="en-US" sz="900" dirty="0"/>
+          </a:p>
+          <a:p>
+            <a:r>
+              <a:rPr lang="en-GB" sz="900" dirty="0"/>
+              <a:t>one or more triggers to a blank flow at any time after the flow creation. Each flow can contain one or</a:t>
+            </a:r>
+            <a:endParaRPr lang="en-US" sz="900" dirty="0"/>
+          </a:p>
+          <a:p>
+            <a:r>
+              <a:rPr lang="en-GB" sz="900" dirty="0"/>
+              <a:t>more activities.</a:t>
+            </a:r>
+            <a:endParaRPr lang="en-US" sz="900" dirty="0"/>
+          </a:p>
+          <a:p>
+            <a:r>
+              <a:rPr lang="en-GB" sz="900" u="sng" dirty="0"/>
+              <a:t>Trigger</a:t>
+            </a:r>
+            <a:endParaRPr lang="en-US" sz="900" dirty="0"/>
+          </a:p>
+          <a:p>
+            <a:r>
+              <a:rPr lang="en-GB" sz="900" dirty="0"/>
+              <a:t>Triggers are used to activate a flow. A trigger can also be activated by an external system, such as</a:t>
+            </a:r>
+            <a:endParaRPr lang="en-US" sz="900" dirty="0"/>
+          </a:p>
+          <a:p>
+            <a:r>
+              <a:rPr lang="en-GB" sz="900" dirty="0"/>
+              <a:t>Salesforce.com, in which case the TIBCO Flogo  App listens to changes happening in that external</a:t>
+            </a:r>
+            <a:endParaRPr lang="en-US" sz="900" dirty="0"/>
+          </a:p>
+          <a:p>
+            <a:r>
+              <a:rPr lang="en-GB" sz="900" dirty="0"/>
+              <a:t>system.</a:t>
+            </a:r>
+            <a:endParaRPr lang="en-US" sz="900" dirty="0"/>
+          </a:p>
+          <a:p>
+            <a:r>
+              <a:rPr lang="en-GB" sz="900" u="sng" dirty="0"/>
+              <a:t>Activity</a:t>
+            </a:r>
+            <a:endParaRPr lang="en-US" sz="900" dirty="0"/>
+          </a:p>
+          <a:p>
+            <a:r>
+              <a:rPr lang="en-GB" sz="900" dirty="0"/>
+              <a:t>Activities perform specific tasks within the flow. A flow typically contains multiple activities</a:t>
+            </a:r>
+            <a:endParaRPr lang="en-US" sz="900" dirty="0"/>
+          </a:p>
+        </p:txBody>
+      </p:sp>
+      <p:pic>
+        <p:nvPicPr>
+          <p:cNvPr id="9" name="Picture 8"/>
+          <p:cNvPicPr>
+            <a:picLocks noChangeAspect="1"/>
+          </p:cNvPicPr>
+          <p:nvPr/>
+        </p:nvPicPr>
+        <p:blipFill>
+          <a:blip r:embed="rId4"/>
+          <a:stretch>
+            <a:fillRect/>
+          </a:stretch>
+        </p:blipFill>
+        <p:spPr>
+          <a:xfrm>
+            <a:off x="191344" y="4221088"/>
+            <a:ext cx="6083352" cy="998440"/>
+          </a:xfrm>
+          <a:prstGeom prst="rect">
+            <a:avLst/>
+          </a:prstGeom>
+        </p:spPr>
+      </p:pic>
+      <p:pic>
+        <p:nvPicPr>
+          <p:cNvPr id="10" name="Picture 9"/>
+          <p:cNvPicPr>
+            <a:picLocks noChangeAspect="1"/>
+          </p:cNvPicPr>
+          <p:nvPr/>
+        </p:nvPicPr>
+        <p:blipFill>
+          <a:blip r:embed="rId5"/>
+          <a:stretch>
+            <a:fillRect/>
+          </a:stretch>
+        </p:blipFill>
+        <p:spPr>
+          <a:xfrm>
+            <a:off x="509667" y="2276872"/>
+            <a:ext cx="4591059" cy="1265832"/>
+          </a:xfrm>
+          <a:prstGeom prst="rect">
+            <a:avLst/>
+          </a:prstGeom>
+        </p:spPr>
+      </p:pic>
+      <p:pic>
+        <p:nvPicPr>
+          <p:cNvPr id="11" name="Picture 10"/>
+          <p:cNvPicPr>
+            <a:picLocks noChangeAspect="1"/>
+          </p:cNvPicPr>
+          <p:nvPr/>
+        </p:nvPicPr>
+        <p:blipFill>
+          <a:blip r:embed="rId6"/>
+          <a:stretch>
+            <a:fillRect/>
+          </a:stretch>
+        </p:blipFill>
+        <p:spPr>
+          <a:xfrm>
+            <a:off x="6600056" y="3522420"/>
+            <a:ext cx="777893" cy="2691646"/>
+          </a:xfrm>
+          <a:prstGeom prst="rect">
+            <a:avLst/>
+          </a:prstGeom>
+        </p:spPr>
+      </p:pic>
+      <p:pic>
+        <p:nvPicPr>
+          <p:cNvPr id="12" name="Picture 11"/>
+          <p:cNvPicPr>
+            <a:picLocks noChangeAspect="1"/>
+          </p:cNvPicPr>
+          <p:nvPr/>
+        </p:nvPicPr>
+        <p:blipFill>
+          <a:blip r:embed="rId7"/>
+          <a:stretch>
+            <a:fillRect/>
+          </a:stretch>
+        </p:blipFill>
+        <p:spPr>
+          <a:xfrm>
+            <a:off x="7534078" y="3522420"/>
+            <a:ext cx="702439" cy="2691646"/>
+          </a:xfrm>
+          <a:prstGeom prst="rect">
+            <a:avLst/>
+          </a:prstGeom>
+        </p:spPr>
+      </p:pic>
+      <p:pic>
+        <p:nvPicPr>
+          <p:cNvPr id="13" name="Picture 12"/>
+          <p:cNvPicPr>
+            <a:picLocks noChangeAspect="1"/>
+          </p:cNvPicPr>
+          <p:nvPr/>
+        </p:nvPicPr>
+        <p:blipFill>
+          <a:blip r:embed="rId8"/>
+          <a:stretch>
+            <a:fillRect/>
+          </a:stretch>
+        </p:blipFill>
+        <p:spPr>
+          <a:xfrm>
+            <a:off x="8392647" y="3503907"/>
+            <a:ext cx="726322" cy="1715621"/>
           </a:xfrm>
           <a:prstGeom prst="rect">
             <a:avLst/>
@@ -14553,13 +14708,20 @@
     </p:spTree>
     <p:extLst>
       <p:ext uri="{BB962C8B-B14F-4D97-AF65-F5344CB8AC3E}">
-        <p14:creationId xmlns:p14="http://schemas.microsoft.com/office/powerpoint/2010/main" xmlns="" val="1140162280"/>
+        <p14:creationId xmlns:p14="http://schemas.microsoft.com/office/powerpoint/2010/main" val="3981020141"/>
       </p:ext>
     </p:extLst>
   </p:cSld>
   <p:clrMapOvr>
     <a:masterClrMapping/>
   </p:clrMapOvr>
+  <p:timing>
+    <p:tnLst>
+      <p:par>
+        <p:cTn id="1" dur="indefinite" restart="never" nodeType="tmRoot"/>
+      </p:par>
+    </p:tnLst>
+  </p:timing>
 </p:sld>
 </file>
 
@@ -14818,7 +14980,7 @@
   <a:extraClrSchemeLst/>
   <a:extLst>
     <a:ext uri="{05A4C25C-085E-4340-85A3-A5531E510DB2}">
-      <thm15:themeFamily xmlns:thm15="http://schemas.microsoft.com/office/thememl/2012/main" xmlns="" name="Office Theme" id="{62F939B6-93AF-4DB8-9C6B-D6C7DFDC589F}" vid="{4A3C46E8-61CC-4603-A589-7422A47A8E4A}"/>
+      <thm15:themeFamily xmlns:thm15="http://schemas.microsoft.com/office/thememl/2012/main" name="Office Theme" id="{62F939B6-93AF-4DB8-9C6B-D6C7DFDC589F}" vid="{4A3C46E8-61CC-4603-A589-7422A47A8E4A}"/>
     </a:ext>
   </a:extLst>
 </a:theme>
@@ -15113,7 +15275,7 @@
   <a:extraClrSchemeLst/>
   <a:extLst>
     <a:ext uri="{05A4C25C-085E-4340-85A3-A5531E510DB2}">
-      <thm15:themeFamily xmlns:thm15="http://schemas.microsoft.com/office/thememl/2012/main" xmlns="" name="Office Theme" id="{62F939B6-93AF-4DB8-9C6B-D6C7DFDC589F}" vid="{4A3C46E8-61CC-4603-A589-7422A47A8E4A}"/>
+      <thm15:themeFamily xmlns:thm15="http://schemas.microsoft.com/office/thememl/2012/main" name="Office Theme" id="{62F939B6-93AF-4DB8-9C6B-D6C7DFDC589F}" vid="{4A3C46E8-61CC-4603-A589-7422A47A8E4A}"/>
     </a:ext>
   </a:extLst>
 </a:theme>
@@ -15440,6 +15602,21 @@
 </file>
 
 <file path=customXml/item1.xml><?xml version="1.0" encoding="utf-8"?>
+<?mso-contentType ?>
+<FormTemplates xmlns="http://schemas.microsoft.com/sharepoint/v3/contenttype/forms">
+  <Display>DocumentLibraryForm</Display>
+  <Edit>DocumentLibraryForm</Edit>
+  <New>DocumentLibraryForm</New>
+</FormTemplates>
+</file>
+
+<file path=customXml/item2.xml><?xml version="1.0" encoding="utf-8"?>
+<p:properties xmlns:p="http://schemas.microsoft.com/office/2006/metadata/properties" xmlns:xsi="http://www.w3.org/2001/XMLSchema-instance" xmlns:pc="http://schemas.microsoft.com/office/infopath/2007/PartnerControls">
+  <documentManagement/>
+</p:properties>
+</file>
+
+<file path=customXml/item3.xml><?xml version="1.0" encoding="utf-8"?>
 <ct:contentTypeSchema xmlns:ct="http://schemas.microsoft.com/office/2006/metadata/contentType" xmlns:ma="http://schemas.microsoft.com/office/2006/metadata/properties/metaAttributes" ct:_="" ma:_="" ma:contentTypeName="Document" ma:contentTypeID="0x0101004C1DDFB11D9E1D4289AFA6C0481B1C06" ma:contentTypeVersion="6" ma:contentTypeDescription="Create a new document." ma:contentTypeScope="" ma:versionID="dc666826c95efc912a1a8e84343eab73">
   <xsd:schema xmlns:xsd="http://www.w3.org/2001/XMLSchema" xmlns:xs="http://www.w3.org/2001/XMLSchema" xmlns:p="http://schemas.microsoft.com/office/2006/metadata/properties" xmlns:ns2="c25b7252-532c-4c6a-ae1e-8e529c01fdd5" xmlns:ns3="1c725ea2-cc6b-4de3-ac5b-77b03decb3c5" targetNamespace="http://schemas.microsoft.com/office/2006/metadata/properties" ma:root="true" ma:fieldsID="acb187233ca6166dd5f4044f3c06162e" ns2:_="" ns3:_="">
     <xsd:import namespace="c25b7252-532c-4c6a-ae1e-8e529c01fdd5"/>
@@ -15616,36 +15793,10 @@
 </ct:contentTypeSchema>
 </file>
 
-<file path=customXml/item2.xml><?xml version="1.0" encoding="utf-8"?>
-<p:properties xmlns:p="http://schemas.microsoft.com/office/2006/metadata/properties" xmlns:xsi="http://www.w3.org/2001/XMLSchema-instance" xmlns:pc="http://schemas.microsoft.com/office/infopath/2007/PartnerControls">
-  <documentManagement/>
-</p:properties>
-</file>
-
-<file path=customXml/item3.xml><?xml version="1.0" encoding="utf-8"?>
-<?mso-contentType ?>
-<FormTemplates xmlns="http://schemas.microsoft.com/sharepoint/v3/contenttype/forms">
-  <Display>DocumentLibraryForm</Display>
-  <Edit>DocumentLibraryForm</Edit>
-  <New>DocumentLibraryForm</New>
-</FormTemplates>
-</file>
-
 <file path=customXml/itemProps1.xml><?xml version="1.0" encoding="utf-8"?>
-<ds:datastoreItem xmlns:ds="http://schemas.openxmlformats.org/officeDocument/2006/customXml" ds:itemID="{504AD883-0BCA-459C-A4A3-CA2FBE7FAE4F}">
+<ds:datastoreItem xmlns:ds="http://schemas.openxmlformats.org/officeDocument/2006/customXml" ds:itemID="{CB187DC9-72AA-41AF-A536-24FDDEB04E4C}">
   <ds:schemaRefs>
-    <ds:schemaRef ds:uri="http://schemas.microsoft.com/office/2006/metadata/contentType"/>
-    <ds:schemaRef ds:uri="http://schemas.microsoft.com/office/2006/metadata/properties/metaAttributes"/>
-    <ds:schemaRef ds:uri="http://www.w3.org/2001/XMLSchema"/>
-    <ds:schemaRef ds:uri="http://schemas.microsoft.com/office/2006/metadata/properties"/>
-    <ds:schemaRef ds:uri="c25b7252-532c-4c6a-ae1e-8e529c01fdd5"/>
-    <ds:schemaRef ds:uri="1c725ea2-cc6b-4de3-ac5b-77b03decb3c5"/>
-    <ds:schemaRef ds:uri="http://schemas.microsoft.com/office/2006/documentManagement/types"/>
-    <ds:schemaRef ds:uri="http://schemas.microsoft.com/office/infopath/2007/PartnerControls"/>
-    <ds:schemaRef ds:uri="http://schemas.openxmlformats.org/package/2006/metadata/core-properties"/>
-    <ds:schemaRef ds:uri="http://purl.org/dc/elements/1.1/"/>
-    <ds:schemaRef ds:uri="http://purl.org/dc/terms/"/>
-    <ds:schemaRef ds:uri="http://schemas.microsoft.com/internal/obd"/>
+    <ds:schemaRef ds:uri="http://schemas.microsoft.com/sharepoint/v3/contenttype/forms"/>
   </ds:schemaRefs>
 </ds:datastoreItem>
 </file>
@@ -15668,9 +15819,20 @@
 </file>
 
 <file path=customXml/itemProps3.xml><?xml version="1.0" encoding="utf-8"?>
-<ds:datastoreItem xmlns:ds="http://schemas.openxmlformats.org/officeDocument/2006/customXml" ds:itemID="{CB187DC9-72AA-41AF-A536-24FDDEB04E4C}">
+<ds:datastoreItem xmlns:ds="http://schemas.openxmlformats.org/officeDocument/2006/customXml" ds:itemID="{504AD883-0BCA-459C-A4A3-CA2FBE7FAE4F}">
   <ds:schemaRefs>
-    <ds:schemaRef ds:uri="http://schemas.microsoft.com/sharepoint/v3/contenttype/forms"/>
+    <ds:schemaRef ds:uri="http://schemas.microsoft.com/office/2006/metadata/contentType"/>
+    <ds:schemaRef ds:uri="http://schemas.microsoft.com/office/2006/metadata/properties/metaAttributes"/>
+    <ds:schemaRef ds:uri="http://www.w3.org/2001/XMLSchema"/>
+    <ds:schemaRef ds:uri="http://schemas.microsoft.com/office/2006/metadata/properties"/>
+    <ds:schemaRef ds:uri="c25b7252-532c-4c6a-ae1e-8e529c01fdd5"/>
+    <ds:schemaRef ds:uri="1c725ea2-cc6b-4de3-ac5b-77b03decb3c5"/>
+    <ds:schemaRef ds:uri="http://schemas.microsoft.com/office/2006/documentManagement/types"/>
+    <ds:schemaRef ds:uri="http://schemas.microsoft.com/office/infopath/2007/PartnerControls"/>
+    <ds:schemaRef ds:uri="http://schemas.openxmlformats.org/package/2006/metadata/core-properties"/>
+    <ds:schemaRef ds:uri="http://purl.org/dc/elements/1.1/"/>
+    <ds:schemaRef ds:uri="http://purl.org/dc/terms/"/>
+    <ds:schemaRef ds:uri="http://schemas.microsoft.com/internal/obd"/>
   </ds:schemaRefs>
 </ds:datastoreItem>
 </file>